--- a/SIR-PowerPoint-BSS.pptx
+++ b/SIR-PowerPoint-BSS.pptx
@@ -1,48 +1,49 @@
 
 <file path=ppt/presentation.xml><?xml version="1.0" encoding="utf-8"?>
-<p:presentation xmlns:p15="http://schemas.microsoft.com/office/powerpoint/2012/main" xmlns:a="http://schemas.openxmlformats.org/drawingml/2006/main" xmlns:r="http://schemas.openxmlformats.org/officeDocument/2006/relationships" xmlns:p="http://schemas.openxmlformats.org/presentationml/2006/main" showSpecialPlsOnTitleSld="0" removePersonalInfoOnSave="1" embedTrueTypeFonts="1">
+<p:presentation xmlns:a="http://schemas.openxmlformats.org/drawingml/2006/main" xmlns:r="http://schemas.openxmlformats.org/officeDocument/2006/relationships" xmlns:p="http://schemas.openxmlformats.org/presentationml/2006/main" showSpecialPlsOnTitleSld="0" removePersonalInfoOnSave="1" embedTrueTypeFonts="1">
   <p:sldMasterIdLst>
     <p:sldMasterId id="2147483648" r:id="rId1"/>
   </p:sldMasterIdLst>
   <p:notesMasterIdLst>
-    <p:notesMasterId r:id="rId7"/>
+    <p:notesMasterId r:id="rId8"/>
   </p:notesMasterIdLst>
   <p:handoutMasterIdLst>
-    <p:handoutMasterId r:id="rId8"/>
+    <p:handoutMasterId r:id="rId9"/>
   </p:handoutMasterIdLst>
   <p:sldIdLst>
     <p:sldId id="261" r:id="rId2"/>
-    <p:sldId id="262" r:id="rId3"/>
-    <p:sldId id="258" r:id="rId4"/>
-    <p:sldId id="263" r:id="rId5"/>
-    <p:sldId id="260" r:id="rId6"/>
+    <p:sldId id="265" r:id="rId3"/>
+    <p:sldId id="264" r:id="rId4"/>
+    <p:sldId id="258" r:id="rId5"/>
+    <p:sldId id="263" r:id="rId6"/>
+    <p:sldId id="260" r:id="rId7"/>
   </p:sldIdLst>
   <p:sldSz cx="12188825" cy="6858000"/>
   <p:notesSz cx="6858000" cy="9144000"/>
   <p:embeddedFontLst>
     <p:embeddedFont>
-      <p:font typeface="AU Passata Light" panose="020B0303030902030804" pitchFamily="34" charset="0"/>
-      <p:regular r:id="rId9"/>
-      <p:bold r:id="rId10"/>
+      <p:font typeface="AU Passata" panose="020B0503030502030804" pitchFamily="34" charset="77"/>
+      <p:regular r:id="rId10"/>
+      <p:bold r:id="rId11"/>
+    </p:embeddedFont>
+    <p:embeddedFont>
+      <p:font typeface="AU Passata Light" panose="020B0303030902030804" pitchFamily="34" charset="77"/>
+      <p:regular r:id="rId12"/>
+      <p:bold r:id="rId13"/>
+    </p:embeddedFont>
+    <p:embeddedFont>
+      <p:font typeface="Calibri" panose="020F0502020204030204" pitchFamily="34" charset="0"/>
+      <p:regular r:id="rId14"/>
+      <p:bold r:id="rId15"/>
+      <p:italic r:id="rId16"/>
+      <p:boldItalic r:id="rId17"/>
     </p:embeddedFont>
     <p:embeddedFont>
       <p:font typeface="Georgia" panose="02040502050405020303" pitchFamily="18" charset="0"/>
-      <p:regular r:id="rId11"/>
-      <p:bold r:id="rId12"/>
-      <p:italic r:id="rId13"/>
-      <p:boldItalic r:id="rId14"/>
-    </p:embeddedFont>
-    <p:embeddedFont>
-      <p:font typeface="AU Passata" panose="020B0503030502030804" pitchFamily="34" charset="0"/>
-      <p:regular r:id="rId15"/>
-      <p:bold r:id="rId16"/>
-    </p:embeddedFont>
-    <p:embeddedFont>
-      <p:font typeface="Calibri" panose="020F0502020204030204" pitchFamily="34" charset="0"/>
-      <p:regular r:id="rId17"/>
-      <p:bold r:id="rId18"/>
-      <p:italic r:id="rId19"/>
-      <p:boldItalic r:id="rId20"/>
+      <p:regular r:id="rId18"/>
+      <p:bold r:id="rId19"/>
+      <p:italic r:id="rId20"/>
+      <p:boldItalic r:id="rId21"/>
     </p:embeddedFont>
   </p:embeddedFontLst>
   <p:defaultTextStyle>
@@ -453,7 +454,7 @@
               <a:pPr>
                 <a:defRPr/>
               </a:pPr>
-              <a:t>‹nr.›</a:t>
+              <a:t>‹#›</a:t>
             </a:fld>
             <a:endParaRPr lang="en-GB" dirty="0"/>
           </a:p>
@@ -800,7 +801,7 @@
               <a:pPr>
                 <a:defRPr/>
               </a:pPr>
-              <a:t>‹nr.›</a:t>
+              <a:t>‹#›</a:t>
             </a:fld>
             <a:endParaRPr lang="en-GB" dirty="0"/>
           </a:p>
@@ -1010,7 +1011,7 @@
               <a:pPr>
                 <a:defRPr/>
               </a:pPr>
-              <a:t>3</a:t>
+              <a:t>2</a:t>
             </a:fld>
             <a:endParaRPr lang="en-GB" dirty="0"/>
           </a:p>
@@ -1019,7 +1020,7 @@
     </p:spTree>
     <p:extLst>
       <p:ext uri="{BB962C8B-B14F-4D97-AF65-F5344CB8AC3E}">
-        <p14:creationId xmlns:p14="http://schemas.microsoft.com/office/powerpoint/2010/main" val="2432168804"/>
+        <p14:creationId xmlns:p14="http://schemas.microsoft.com/office/powerpoint/2010/main" val="545536757"/>
       </p:ext>
     </p:extLst>
   </p:cSld>
@@ -1100,7 +1101,97 @@
               <a:pPr>
                 <a:defRPr/>
               </a:pPr>
-              <a:t>5</a:t>
+              <a:t>4</a:t>
+            </a:fld>
+            <a:endParaRPr lang="en-GB" dirty="0"/>
+          </a:p>
+        </p:txBody>
+      </p:sp>
+    </p:spTree>
+    <p:extLst>
+      <p:ext uri="{BB962C8B-B14F-4D97-AF65-F5344CB8AC3E}">
+        <p14:creationId xmlns:p14="http://schemas.microsoft.com/office/powerpoint/2010/main" val="2432168804"/>
+      </p:ext>
+    </p:extLst>
+  </p:cSld>
+  <p:clrMapOvr>
+    <a:masterClrMapping/>
+  </p:clrMapOvr>
+</p:notes>
+</file>
+
+<file path=ppt/notesSlides/notesSlide3.xml><?xml version="1.0" encoding="utf-8"?>
+<p:notes xmlns:a="http://schemas.openxmlformats.org/drawingml/2006/main" xmlns:r="http://schemas.openxmlformats.org/officeDocument/2006/relationships" xmlns:p="http://schemas.openxmlformats.org/presentationml/2006/main">
+  <p:cSld>
+    <p:spTree>
+      <p:nvGrpSpPr>
+        <p:cNvPr id="1" name=""/>
+        <p:cNvGrpSpPr/>
+        <p:nvPr/>
+      </p:nvGrpSpPr>
+      <p:grpSpPr>
+        <a:xfrm>
+          <a:off x="0" y="0"/>
+          <a:ext cx="0" cy="0"/>
+          <a:chOff x="0" y="0"/>
+          <a:chExt cx="0" cy="0"/>
+        </a:xfrm>
+      </p:grpSpPr>
+      <p:sp>
+        <p:nvSpPr>
+          <p:cNvPr id="2" name="Pladsholder til slidebillede 1"/>
+          <p:cNvSpPr>
+            <a:spLocks noGrp="1" noRot="1" noChangeAspect="1"/>
+          </p:cNvSpPr>
+          <p:nvPr>
+            <p:ph type="sldImg"/>
+          </p:nvPr>
+        </p:nvSpPr>
+        <p:spPr/>
+      </p:sp>
+      <p:sp>
+        <p:nvSpPr>
+          <p:cNvPr id="3" name="Pladsholder til noter 2"/>
+          <p:cNvSpPr>
+            <a:spLocks noGrp="1"/>
+          </p:cNvSpPr>
+          <p:nvPr>
+            <p:ph type="body" idx="1"/>
+          </p:nvPr>
+        </p:nvSpPr>
+        <p:spPr/>
+        <p:txBody>
+          <a:bodyPr/>
+          <a:lstStyle/>
+          <a:p>
+            <a:endParaRPr lang="en-GB"/>
+          </a:p>
+        </p:txBody>
+      </p:sp>
+      <p:sp>
+        <p:nvSpPr>
+          <p:cNvPr id="4" name="Pladsholder til slidenummer 3"/>
+          <p:cNvSpPr>
+            <a:spLocks noGrp="1"/>
+          </p:cNvSpPr>
+          <p:nvPr>
+            <p:ph type="sldNum" sz="quarter" idx="10"/>
+          </p:nvPr>
+        </p:nvSpPr>
+        <p:spPr/>
+        <p:txBody>
+          <a:bodyPr/>
+          <a:lstStyle/>
+          <a:p>
+            <a:pPr>
+              <a:defRPr/>
+            </a:pPr>
+            <a:fld id="{72C160C3-3AB6-49C1-8001-AFDAD271EB5B}" type="slidenum">
+              <a:rPr lang="en-GB"/>
+              <a:pPr>
+                <a:defRPr/>
+              </a:pPr>
+              <a:t>6</a:t>
             </a:fld>
             <a:endParaRPr lang="en-GB" dirty="0"/>
           </a:p>
@@ -1120,7 +1211,7 @@
 </file>
 
 <file path=ppt/slideLayouts/slideLayout1.xml><?xml version="1.0" encoding="utf-8"?>
-<p:sldLayout xmlns:a14="http://schemas.microsoft.com/office/drawing/2010/main" xmlns:a="http://schemas.openxmlformats.org/drawingml/2006/main" xmlns:r="http://schemas.openxmlformats.org/officeDocument/2006/relationships" xmlns:p="http://schemas.openxmlformats.org/presentationml/2006/main" showMasterSp="0" preserve="1" userDrawn="1">
+<p:sldLayout xmlns:a="http://schemas.openxmlformats.org/drawingml/2006/main" xmlns:r="http://schemas.openxmlformats.org/officeDocument/2006/relationships" xmlns:p="http://schemas.openxmlformats.org/presentationml/2006/main" showMasterSp="0" preserve="1" userDrawn="1">
   <p:cSld name="Titeldias">
     <p:spTree>
       <p:nvGrpSpPr>
@@ -1318,12 +1409,6 @@
               </a:rPr>
               <a:t>26. april 2021</a:t>
             </a:r>
-            <a:endParaRPr lang="da-DK" sz="700" b="0" cap="all" baseline="0" dirty="0">
-              <a:solidFill>
-                <a:schemeClr val="bg1"/>
-              </a:solidFill>
-              <a:latin typeface="+mn-lt"/>
-            </a:endParaRPr>
           </a:p>
         </p:txBody>
       </p:sp>
@@ -1373,12 +1458,6 @@
               </a:rPr>
               <a:t>Læringsdesigner</a:t>
             </a:r>
-            <a:endParaRPr lang="da-DK" sz="700" b="0" cap="all" baseline="0" dirty="0">
-              <a:solidFill>
-                <a:schemeClr val="bg1"/>
-              </a:solidFill>
-              <a:latin typeface="+mn-lt"/>
-            </a:endParaRPr>
           </a:p>
         </p:txBody>
       </p:sp>
@@ -1428,12 +1507,6 @@
               </a:rPr>
               <a:t>BSS-skabelon</a:t>
             </a:r>
-            <a:endParaRPr lang="da-DK" sz="700" b="0" cap="all" baseline="0" dirty="0">
-              <a:solidFill>
-                <a:schemeClr val="bg1"/>
-              </a:solidFill>
-              <a:latin typeface="+mn-lt"/>
-            </a:endParaRPr>
           </a:p>
         </p:txBody>
       </p:sp>
@@ -1483,12 +1556,6 @@
               </a:rPr>
               <a:t>Lisa Victoria Schütten Søndergaard</a:t>
             </a:r>
-            <a:endParaRPr lang="da-DK" sz="700" b="0" cap="all" baseline="0" dirty="0">
-              <a:solidFill>
-                <a:schemeClr val="bg1"/>
-              </a:solidFill>
-              <a:latin typeface="+mn-lt"/>
-            </a:endParaRPr>
           </a:p>
         </p:txBody>
       </p:sp>
@@ -1501,11 +1568,7 @@
           <p:nvPr/>
         </p:nvPicPr>
         <p:blipFill>
-          <a:blip r:embed="R3fa035cdcb274fc0" cstate="none">
-            <a:extLst>
-              <a:ext uri="{28A0092B-C50C-407E-A947-70E740481C1C}"/>
-            </a:extLst>
-          </a:blip>
+          <a:blip r:embed="rId3"/>
           <a:stretch>
             <a:fillRect/>
           </a:stretch>
@@ -1523,36 +1586,6 @@
       <p:pic>
         <p:nvPicPr>
           <p:cNvPr id="18" name="Billede streg"/>
-          <p:cNvPicPr>
-            <a:picLocks noChangeAspect="1"/>
-          </p:cNvPicPr>
-          <p:nvPr userDrawn="1"/>
-        </p:nvPicPr>
-        <p:blipFill>
-          <a:blip r:embed="rId3" cstate="print">
-            <a:extLst>
-              <a:ext uri="{28A0092B-C50C-407E-A947-70E740481C1C}">
-                <a14:useLocalDpi xmlns:a14="http://schemas.microsoft.com/office/drawing/2010/main" val="0"/>
-              </a:ext>
-            </a:extLst>
-          </a:blip>
-          <a:stretch>
-            <a:fillRect/>
-          </a:stretch>
-        </p:blipFill>
-        <p:spPr>
-          <a:xfrm>
-            <a:off x="6073200" y="5997600"/>
-            <a:ext cx="71734" cy="557999"/>
-          </a:xfrm>
-          <a:prstGeom prst="rect">
-            <a:avLst/>
-          </a:prstGeom>
-        </p:spPr>
-      </p:pic>
-      <p:pic>
-        <p:nvPicPr>
-          <p:cNvPr id="14" name="Logo BSS"/>
           <p:cNvPicPr>
             <a:picLocks noChangeAspect="1"/>
           </p:cNvPicPr>
@@ -1572,6 +1605,36 @@
         </p:blipFill>
         <p:spPr>
           <a:xfrm>
+            <a:off x="6073200" y="5997600"/>
+            <a:ext cx="71734" cy="557999"/>
+          </a:xfrm>
+          <a:prstGeom prst="rect">
+            <a:avLst/>
+          </a:prstGeom>
+        </p:spPr>
+      </p:pic>
+      <p:pic>
+        <p:nvPicPr>
+          <p:cNvPr id="14" name="Logo BSS"/>
+          <p:cNvPicPr>
+            <a:picLocks noChangeAspect="1"/>
+          </p:cNvPicPr>
+          <p:nvPr userDrawn="1"/>
+        </p:nvPicPr>
+        <p:blipFill>
+          <a:blip r:embed="rId5" cstate="print">
+            <a:extLst>
+              <a:ext uri="{28A0092B-C50C-407E-A947-70E740481C1C}">
+                <a14:useLocalDpi xmlns:a14="http://schemas.microsoft.com/office/drawing/2010/main" val="0"/>
+              </a:ext>
+            </a:extLst>
+          </a:blip>
+          <a:stretch>
+            <a:fillRect/>
+          </a:stretch>
+        </p:blipFill>
+        <p:spPr>
+          <a:xfrm>
             <a:off x="295200" y="5997600"/>
             <a:ext cx="600736" cy="601199"/>
           </a:xfrm>
@@ -1627,12 +1690,6 @@
               <a:t>
 Aarhus Universitet</a:t>
             </a:r>
-            <a:endParaRPr lang="da-DK" sz="900" cap="all" spc="40" baseline="0" dirty="0">
-              <a:solidFill>
-                <a:schemeClr val="bg1"/>
-              </a:solidFill>
-              <a:latin typeface="+mn-lt"/>
-            </a:endParaRPr>
           </a:p>
           <a:p>
             <a:pPr>
@@ -1713,16 +1770,6 @@
               <a:t>
 Institut for Virksomhedsledelse</a:t>
             </a:r>
-            <a:endParaRPr kumimoji="0" lang="da-DK" sz="900" b="1" i="0" u="none" strike="noStrike" cap="all" normalizeH="0" baseline="0" noProof="1">
-              <a:ln>
-                <a:noFill/>
-              </a:ln>
-              <a:solidFill>
-                <a:schemeClr val="bg1"/>
-              </a:solidFill>
-              <a:effectLst/>
-              <a:latin typeface="AU Passata" pitchFamily="34" charset="0"/>
-            </a:endParaRPr>
           </a:p>
           <a:p>
             <a:pPr marL="0" marR="0" indent="0" algn="l" defTabSz="914400" rtl="0" eaLnBrk="1" fontAlgn="base" latinLnBrk="0" hangingPunct="1">
@@ -1785,7 +1832,7 @@
               <a:pPr>
                 <a:defRPr/>
               </a:pPr>
-              <a:t>‹nr.›</a:t>
+              <a:t>‹#›</a:t>
             </a:fld>
             <a:endParaRPr lang="da-DK" dirty="0"/>
           </a:p>
@@ -1809,13 +1856,12 @@
             <a:fld id="{E7B83056-E73A-4EB1-8793-61FB59C07FBC}" type="datetimeFigureOut">
               <a:rPr lang="da-DK" smtClean="0"/>
               <a:pPr/>
-              <a:t>23-06-2017</a:t>
+              <a:t>26.04.2021</a:t>
             </a:fld>
             <a:r>
               <a:rPr lang="da-DK"/>
               <a:t>26-04-2021</a:t>
             </a:r>
-            <a:endParaRPr lang="da-DK"/>
           </a:p>
         </p:txBody>
       </p:sp>
@@ -1847,7 +1893,7 @@
 </file>
 
 <file path=ppt/slideLayouts/slideLayout10.xml><?xml version="1.0" encoding="utf-8"?>
-<p:sldLayout xmlns:p14="http://schemas.microsoft.com/office/powerpoint/2010/main" xmlns:p15="http://schemas.microsoft.com/office/powerpoint/2012/main" xmlns:a="http://schemas.openxmlformats.org/drawingml/2006/main" xmlns:r="http://schemas.openxmlformats.org/officeDocument/2006/relationships" xmlns:p="http://schemas.openxmlformats.org/presentationml/2006/main" preserve="1" userDrawn="1">
+<p:sldLayout xmlns:a="http://schemas.openxmlformats.org/drawingml/2006/main" xmlns:r="http://schemas.openxmlformats.org/officeDocument/2006/relationships" xmlns:p="http://schemas.openxmlformats.org/presentationml/2006/main" preserve="1" userDrawn="1">
   <p:cSld name="Three pictures">
     <p:spTree>
       <p:nvGrpSpPr>
@@ -1991,7 +2037,7 @@
               <a:pPr>
                 <a:defRPr/>
               </a:pPr>
-              <a:t>‹nr.›</a:t>
+              <a:t>‹#›</a:t>
             </a:fld>
             <a:endParaRPr lang="da-DK" dirty="0"/>
           </a:p>
@@ -2015,13 +2061,12 @@
             <a:fld id="{E7B83056-E73A-4EB1-8793-61FB59C07FBC}" type="datetimeFigureOut">
               <a:rPr lang="da-DK" smtClean="0"/>
               <a:pPr/>
-              <a:t>23-06-2017</a:t>
+              <a:t>26.04.2021</a:t>
             </a:fld>
             <a:r>
               <a:rPr lang="da-DK"/>
               <a:t>26-04-2021</a:t>
             </a:r>
-            <a:endParaRPr lang="da-DK"/>
           </a:p>
         </p:txBody>
       </p:sp>
@@ -2054,7 +2099,7 @@
   <p:clrMapOvr>
     <a:masterClrMapping/>
   </p:clrMapOvr>
-  <p:extLst mod="1">
+  <p:extLst>
     <p:ext uri="{DCECCB84-F9BA-43D5-87BE-67443E8EF086}">
       <p15:sldGuideLst xmlns:p15="http://schemas.microsoft.com/office/powerpoint/2012/main">
         <p15:guide id="1" pos="3922" userDrawn="1">
@@ -2084,7 +2129,7 @@
 </file>
 
 <file path=ppt/slideLayouts/slideLayout11.xml><?xml version="1.0" encoding="utf-8"?>
-<p:sldLayout xmlns:p14="http://schemas.microsoft.com/office/powerpoint/2010/main" xmlns:p15="http://schemas.microsoft.com/office/powerpoint/2012/main" xmlns:a="http://schemas.openxmlformats.org/drawingml/2006/main" xmlns:r="http://schemas.openxmlformats.org/officeDocument/2006/relationships" xmlns:p="http://schemas.openxmlformats.org/presentationml/2006/main" preserve="1" userDrawn="1">
+<p:sldLayout xmlns:a="http://schemas.openxmlformats.org/drawingml/2006/main" xmlns:r="http://schemas.openxmlformats.org/officeDocument/2006/relationships" xmlns:p="http://schemas.openxmlformats.org/presentationml/2006/main" preserve="1" userDrawn="1">
   <p:cSld name="Three pictures II">
     <p:spTree>
       <p:nvGrpSpPr>
@@ -2228,7 +2273,7 @@
               <a:pPr>
                 <a:defRPr/>
               </a:pPr>
-              <a:t>‹nr.›</a:t>
+              <a:t>‹#›</a:t>
             </a:fld>
             <a:endParaRPr lang="da-DK" dirty="0"/>
           </a:p>
@@ -2252,13 +2297,12 @@
             <a:fld id="{E7B83056-E73A-4EB1-8793-61FB59C07FBC}" type="datetimeFigureOut">
               <a:rPr lang="da-DK" smtClean="0"/>
               <a:pPr/>
-              <a:t>23-06-2017</a:t>
+              <a:t>26.04.2021</a:t>
             </a:fld>
             <a:r>
               <a:rPr lang="da-DK"/>
               <a:t>26-04-2021</a:t>
             </a:r>
-            <a:endParaRPr lang="da-DK"/>
           </a:p>
         </p:txBody>
       </p:sp>
@@ -2291,7 +2335,7 @@
   <p:clrMapOvr>
     <a:masterClrMapping/>
   </p:clrMapOvr>
-  <p:extLst mod="1">
+  <p:extLst>
     <p:ext uri="{DCECCB84-F9BA-43D5-87BE-67443E8EF086}">
       <p15:sldGuideLst xmlns:p15="http://schemas.microsoft.com/office/powerpoint/2012/main">
         <p15:guide id="1" pos="3922" userDrawn="1">
@@ -2321,7 +2365,7 @@
 </file>
 
 <file path=ppt/slideLayouts/slideLayout12.xml><?xml version="1.0" encoding="utf-8"?>
-<p:sldLayout xmlns:p14="http://schemas.microsoft.com/office/powerpoint/2010/main" xmlns:a="http://schemas.openxmlformats.org/drawingml/2006/main" xmlns:r="http://schemas.openxmlformats.org/officeDocument/2006/relationships" xmlns:p="http://schemas.openxmlformats.org/presentationml/2006/main" showMasterSp="0" preserve="1" userDrawn="1">
+<p:sldLayout xmlns:a="http://schemas.openxmlformats.org/drawingml/2006/main" xmlns:r="http://schemas.openxmlformats.org/officeDocument/2006/relationships" xmlns:p="http://schemas.openxmlformats.org/presentationml/2006/main" showMasterSp="0" preserve="1" userDrawn="1">
   <p:cSld name="Full slide picture">
     <p:spTree>
       <p:nvGrpSpPr>
@@ -2394,7 +2438,7 @@
               <a:pPr>
                 <a:defRPr/>
               </a:pPr>
-              <a:t>‹nr.›</a:t>
+              <a:t>‹#›</a:t>
             </a:fld>
             <a:endParaRPr lang="da-DK" dirty="0"/>
           </a:p>
@@ -2418,13 +2462,12 @@
             <a:fld id="{E7B83056-E73A-4EB1-8793-61FB59C07FBC}" type="datetimeFigureOut">
               <a:rPr lang="da-DK" smtClean="0"/>
               <a:pPr/>
-              <a:t>23-06-2017</a:t>
+              <a:t>26.04.2021</a:t>
             </a:fld>
             <a:r>
               <a:rPr lang="da-DK"/>
               <a:t>26-04-2021</a:t>
             </a:r>
-            <a:endParaRPr lang="da-DK"/>
           </a:p>
         </p:txBody>
       </p:sp>
@@ -2461,7 +2504,7 @@
 </file>
 
 <file path=ppt/slideLayouts/slideLayout13.xml><?xml version="1.0" encoding="utf-8"?>
-<p:sldLayout xmlns:p14="http://schemas.microsoft.com/office/powerpoint/2010/main" xmlns:a="http://schemas.openxmlformats.org/drawingml/2006/main" xmlns:r="http://schemas.openxmlformats.org/officeDocument/2006/relationships" xmlns:p="http://schemas.openxmlformats.org/presentationml/2006/main" preserve="1" userDrawn="1">
+<p:sldLayout xmlns:a="http://schemas.openxmlformats.org/drawingml/2006/main" xmlns:r="http://schemas.openxmlformats.org/officeDocument/2006/relationships" xmlns:p="http://schemas.openxmlformats.org/presentationml/2006/main" preserve="1" userDrawn="1">
   <p:cSld name="Quote slide">
     <p:spTree>
       <p:nvGrpSpPr>
@@ -2564,7 +2607,7 @@
               <a:pPr>
                 <a:defRPr/>
               </a:pPr>
-              <a:t>‹nr.›</a:t>
+              <a:t>‹#›</a:t>
             </a:fld>
             <a:endParaRPr lang="da-DK" dirty="0"/>
           </a:p>
@@ -2588,13 +2631,12 @@
             <a:fld id="{E7B83056-E73A-4EB1-8793-61FB59C07FBC}" type="datetimeFigureOut">
               <a:rPr lang="da-DK" smtClean="0"/>
               <a:pPr/>
-              <a:t>23-06-2017</a:t>
+              <a:t>26.04.2021</a:t>
             </a:fld>
             <a:r>
               <a:rPr lang="da-DK"/>
               <a:t>26-04-2021</a:t>
             </a:r>
-            <a:endParaRPr lang="da-DK"/>
           </a:p>
         </p:txBody>
       </p:sp>
@@ -2701,7 +2743,7 @@
 </file>
 
 <file path=ppt/slideLayouts/slideLayout14.xml><?xml version="1.0" encoding="utf-8"?>
-<p:sldLayout xmlns:p14="http://schemas.microsoft.com/office/powerpoint/2010/main" xmlns:a="http://schemas.openxmlformats.org/drawingml/2006/main" xmlns:r="http://schemas.openxmlformats.org/officeDocument/2006/relationships" xmlns:p="http://schemas.openxmlformats.org/presentationml/2006/main" preserve="1" userDrawn="1">
+<p:sldLayout xmlns:a="http://schemas.openxmlformats.org/drawingml/2006/main" xmlns:r="http://schemas.openxmlformats.org/officeDocument/2006/relationships" xmlns:p="http://schemas.openxmlformats.org/presentationml/2006/main" preserve="1" userDrawn="1">
   <p:cSld name="Titel and Quote slide">
     <p:spTree>
       <p:nvGrpSpPr>
@@ -2832,7 +2874,7 @@
               <a:pPr>
                 <a:defRPr/>
               </a:pPr>
-              <a:t>‹nr.›</a:t>
+              <a:t>‹#›</a:t>
             </a:fld>
             <a:endParaRPr lang="da-DK" dirty="0"/>
           </a:p>
@@ -2856,13 +2898,12 @@
             <a:fld id="{E7B83056-E73A-4EB1-8793-61FB59C07FBC}" type="datetimeFigureOut">
               <a:rPr lang="da-DK" smtClean="0"/>
               <a:pPr/>
-              <a:t>23-06-2017</a:t>
+              <a:t>26.04.2021</a:t>
             </a:fld>
             <a:r>
               <a:rPr lang="da-DK"/>
               <a:t>26-04-2021</a:t>
             </a:r>
-            <a:endParaRPr lang="da-DK"/>
           </a:p>
         </p:txBody>
       </p:sp>
@@ -2964,7 +3005,7 @@
 </file>
 
 <file path=ppt/slideLayouts/slideLayout15.xml><?xml version="1.0" encoding="utf-8"?>
-<p:sldLayout xmlns:p14="http://schemas.microsoft.com/office/powerpoint/2010/main" xmlns:a="http://schemas.openxmlformats.org/drawingml/2006/main" xmlns:r="http://schemas.openxmlformats.org/officeDocument/2006/relationships" xmlns:p="http://schemas.openxmlformats.org/presentationml/2006/main" showMasterSp="0" preserve="1" userDrawn="1">
+<p:sldLayout xmlns:a="http://schemas.openxmlformats.org/drawingml/2006/main" xmlns:r="http://schemas.openxmlformats.org/officeDocument/2006/relationships" xmlns:p="http://schemas.openxmlformats.org/presentationml/2006/main" showMasterSp="0" preserve="1" userDrawn="1">
   <p:cSld name="Full slide content">
     <p:spTree>
       <p:nvGrpSpPr>
@@ -3064,7 +3105,7 @@
               <a:pPr>
                 <a:defRPr/>
               </a:pPr>
-              <a:t>‹nr.›</a:t>
+              <a:t>‹#›</a:t>
             </a:fld>
             <a:endParaRPr lang="da-DK" dirty="0"/>
           </a:p>
@@ -3088,13 +3129,12 @@
             <a:fld id="{E7B83056-E73A-4EB1-8793-61FB59C07FBC}" type="datetimeFigureOut">
               <a:rPr lang="da-DK" smtClean="0"/>
               <a:pPr/>
-              <a:t>23-06-2017</a:t>
+              <a:t>26.04.2021</a:t>
             </a:fld>
             <a:r>
               <a:rPr lang="da-DK"/>
               <a:t>26-04-2021</a:t>
             </a:r>
-            <a:endParaRPr lang="da-DK"/>
           </a:p>
         </p:txBody>
       </p:sp>
@@ -3256,7 +3296,7 @@
               <a:pPr>
                 <a:defRPr/>
               </a:pPr>
-              <a:t>‹nr.›</a:t>
+              <a:t>‹#›</a:t>
             </a:fld>
             <a:endParaRPr lang="da-DK" dirty="0"/>
           </a:p>
@@ -3280,13 +3320,12 @@
             <a:fld id="{E7B83056-E73A-4EB1-8793-61FB59C07FBC}" type="datetimeFigureOut">
               <a:rPr lang="da-DK" smtClean="0"/>
               <a:pPr/>
-              <a:t>23-06-2017</a:t>
+              <a:t>26.04.2021</a:t>
             </a:fld>
             <a:r>
               <a:rPr lang="da-DK"/>
               <a:t>26-04-2021</a:t>
             </a:r>
-            <a:endParaRPr lang="da-DK"/>
           </a:p>
         </p:txBody>
       </p:sp>
@@ -3421,7 +3460,7 @@
               <a:pPr>
                 <a:defRPr/>
               </a:pPr>
-              <a:t>‹nr.›</a:t>
+              <a:t>‹#›</a:t>
             </a:fld>
             <a:endParaRPr lang="da-DK" dirty="0"/>
           </a:p>
@@ -3445,13 +3484,12 @@
             <a:fld id="{E7B83056-E73A-4EB1-8793-61FB59C07FBC}" type="datetimeFigureOut">
               <a:rPr lang="da-DK" smtClean="0"/>
               <a:pPr/>
-              <a:t>23-06-2017</a:t>
+              <a:t>26.04.2021</a:t>
             </a:fld>
             <a:r>
               <a:rPr lang="da-DK"/>
               <a:t>26-04-2021</a:t>
             </a:r>
-            <a:endParaRPr lang="da-DK"/>
           </a:p>
         </p:txBody>
       </p:sp>
@@ -3483,7 +3521,7 @@
 </file>
 
 <file path=ppt/slideLayouts/slideLayout18.xml><?xml version="1.0" encoding="utf-8"?>
-<p:sldLayout xmlns:a14="http://schemas.microsoft.com/office/drawing/2010/main" xmlns:p14="http://schemas.microsoft.com/office/powerpoint/2010/main" xmlns:a="http://schemas.openxmlformats.org/drawingml/2006/main" xmlns:r="http://schemas.openxmlformats.org/officeDocument/2006/relationships" xmlns:p="http://schemas.openxmlformats.org/presentationml/2006/main" showMasterSp="0" preserve="1" userDrawn="1">
+<p:sldLayout xmlns:a="http://schemas.openxmlformats.org/drawingml/2006/main" xmlns:r="http://schemas.openxmlformats.org/officeDocument/2006/relationships" xmlns:p="http://schemas.openxmlformats.org/presentationml/2006/main" showMasterSp="0" preserve="1" userDrawn="1">
   <p:cSld name="End slide">
     <p:bg>
       <p:bgPr>
@@ -3600,13 +3638,12 @@
             <a:fld id="{E7B83056-E73A-4EB1-8793-61FB59C07FBC}" type="datetimeFigureOut">
               <a:rPr lang="da-DK" smtClean="0"/>
               <a:pPr/>
-              <a:t>23-06-2017</a:t>
+              <a:t>26.04.2021</a:t>
             </a:fld>
             <a:r>
               <a:rPr lang="da-DK"/>
               <a:t>26-04-2021</a:t>
             </a:r>
-            <a:endParaRPr lang="da-DK"/>
           </a:p>
         </p:txBody>
       </p:sp>
@@ -3663,7 +3700,7 @@
               <a:pPr>
                 <a:defRPr/>
               </a:pPr>
-              <a:t>‹nr.›</a:t>
+              <a:t>‹#›</a:t>
             </a:fld>
             <a:endParaRPr lang="da-DK" dirty="0"/>
           </a:p>
@@ -3683,7 +3720,7 @@
 </file>
 
 <file path=ppt/slideLayouts/slideLayout19.xml><?xml version="1.0" encoding="utf-8"?>
-<p:sldLayout xmlns:a14="http://schemas.microsoft.com/office/drawing/2010/main" xmlns:p14="http://schemas.microsoft.com/office/powerpoint/2010/main" xmlns:a="http://schemas.openxmlformats.org/drawingml/2006/main" xmlns:r="http://schemas.openxmlformats.org/officeDocument/2006/relationships" xmlns:p="http://schemas.openxmlformats.org/presentationml/2006/main" showMasterSp="0" preserve="1" userDrawn="1">
+<p:sldLayout xmlns:a="http://schemas.openxmlformats.org/drawingml/2006/main" xmlns:r="http://schemas.openxmlformats.org/officeDocument/2006/relationships" xmlns:p="http://schemas.openxmlformats.org/presentationml/2006/main" showMasterSp="0" preserve="1" userDrawn="1">
   <p:cSld name="End slide BSS">
     <p:bg>
       <p:bgPr>
@@ -3829,12 +3866,6 @@
               <a:t>
 Aarhus Universitet</a:t>
             </a:r>
-            <a:endParaRPr lang="da-DK" sz="2300" b="0" cap="all" spc="200" baseline="0" dirty="0">
-              <a:solidFill>
-                <a:schemeClr val="bg1"/>
-              </a:solidFill>
-              <a:latin typeface="AU Passata" panose="020B0503030502030804" pitchFamily="34" charset="0"/>
-            </a:endParaRPr>
           </a:p>
         </p:txBody>
       </p:sp>
@@ -3885,12 +3916,6 @@
               <a:t>
 Institut for Virksomhedsledelse</a:t>
             </a:r>
-            <a:endParaRPr lang="da-DK" sz="2300" b="1" cap="all" spc="200" baseline="0" dirty="0">
-              <a:solidFill>
-                <a:schemeClr val="bg1"/>
-              </a:solidFill>
-              <a:latin typeface="AU Passata" panose="020B0503030502030804" pitchFamily="34" charset="0"/>
-            </a:endParaRPr>
           </a:p>
         </p:txBody>
       </p:sp>
@@ -3917,13 +3942,12 @@
             <a:fld id="{E7B83056-E73A-4EB1-8793-61FB59C07FBC}" type="datetimeFigureOut">
               <a:rPr lang="da-DK" smtClean="0"/>
               <a:pPr/>
-              <a:t>23-06-2017</a:t>
+              <a:t>26.04.2021</a:t>
             </a:fld>
             <a:r>
               <a:rPr lang="da-DK"/>
               <a:t>26-04-2021</a:t>
             </a:r>
-            <a:endParaRPr lang="da-DK"/>
           </a:p>
         </p:txBody>
       </p:sp>
@@ -3985,7 +4009,7 @@
               <a:pPr>
                 <a:defRPr/>
               </a:pPr>
-              <a:t>‹nr.›</a:t>
+              <a:t>‹#›</a:t>
             </a:fld>
             <a:endParaRPr lang="da-DK" dirty="0"/>
           </a:p>
@@ -4005,7 +4029,7 @@
 </file>
 
 <file path=ppt/slideLayouts/slideLayout2.xml><?xml version="1.0" encoding="utf-8"?>
-<p:sldLayout xmlns:a14="http://schemas.microsoft.com/office/drawing/2010/main" xmlns:p14="http://schemas.microsoft.com/office/powerpoint/2010/main" xmlns:a="http://schemas.openxmlformats.org/drawingml/2006/main" xmlns:r="http://schemas.openxmlformats.org/officeDocument/2006/relationships" xmlns:p="http://schemas.openxmlformats.org/presentationml/2006/main" showMasterSp="0" preserve="1" userDrawn="1">
+<p:sldLayout xmlns:a="http://schemas.openxmlformats.org/drawingml/2006/main" xmlns:r="http://schemas.openxmlformats.org/officeDocument/2006/relationships" xmlns:p="http://schemas.openxmlformats.org/presentationml/2006/main" showMasterSp="0" preserve="1" userDrawn="1">
   <p:cSld name="Title slide with text">
     <p:spTree>
       <p:nvGrpSpPr>
@@ -4325,12 +4349,6 @@
               </a:rPr>
               <a:t>26. april 2021</a:t>
             </a:r>
-            <a:endParaRPr lang="da-DK" sz="700" b="0" cap="all" baseline="0" dirty="0">
-              <a:solidFill>
-                <a:schemeClr val="bg1"/>
-              </a:solidFill>
-              <a:latin typeface="+mn-lt"/>
-            </a:endParaRPr>
           </a:p>
         </p:txBody>
       </p:sp>
@@ -4380,12 +4398,6 @@
               </a:rPr>
               <a:t>Læringsdesigner</a:t>
             </a:r>
-            <a:endParaRPr lang="da-DK" sz="700" b="0" cap="all" baseline="0" dirty="0">
-              <a:solidFill>
-                <a:schemeClr val="bg1"/>
-              </a:solidFill>
-              <a:latin typeface="+mn-lt"/>
-            </a:endParaRPr>
           </a:p>
         </p:txBody>
       </p:sp>
@@ -4435,12 +4447,6 @@
               </a:rPr>
               <a:t>BSS-skabelon</a:t>
             </a:r>
-            <a:endParaRPr lang="da-DK" sz="700" b="0" cap="all" baseline="0" dirty="0">
-              <a:solidFill>
-                <a:schemeClr val="bg1"/>
-              </a:solidFill>
-              <a:latin typeface="+mn-lt"/>
-            </a:endParaRPr>
           </a:p>
         </p:txBody>
       </p:sp>
@@ -4490,12 +4496,6 @@
               </a:rPr>
               <a:t>Lisa Victoria Schütten Søndergaard</a:t>
             </a:r>
-            <a:endParaRPr lang="da-DK" sz="700" b="0" cap="all" baseline="0" dirty="0">
-              <a:solidFill>
-                <a:schemeClr val="bg1"/>
-              </a:solidFill>
-              <a:latin typeface="+mn-lt"/>
-            </a:endParaRPr>
           </a:p>
         </p:txBody>
       </p:sp>
@@ -4538,11 +4538,7 @@
           <p:nvPr/>
         </p:nvPicPr>
         <p:blipFill>
-          <a:blip r:embed="R9f713b6f61f34e59" cstate="none">
-            <a:extLst>
-              <a:ext uri="{28A0092B-C50C-407E-A947-70E740481C1C}"/>
-            </a:extLst>
-          </a:blip>
+          <a:blip r:embed="rId3"/>
           <a:stretch>
             <a:fillRect/>
           </a:stretch>
@@ -4566,7 +4562,7 @@
           <p:nvPr userDrawn="1"/>
         </p:nvPicPr>
         <p:blipFill>
-          <a:blip r:embed="rId3" cstate="print">
+          <a:blip r:embed="rId4" cstate="print">
             <a:extLst>
               <a:ext uri="{28A0092B-C50C-407E-A947-70E740481C1C}">
                 <a14:useLocalDpi xmlns:a14="http://schemas.microsoft.com/office/drawing/2010/main" val="0"/>
@@ -4634,12 +4630,6 @@
               <a:t>
 Aarhus Universitet</a:t>
             </a:r>
-            <a:endParaRPr lang="da-DK" sz="900" cap="all" spc="40" baseline="0" dirty="0">
-              <a:solidFill>
-                <a:schemeClr val="bg1"/>
-              </a:solidFill>
-              <a:latin typeface="+mn-lt"/>
-            </a:endParaRPr>
           </a:p>
           <a:p>
             <a:pPr>
@@ -4720,16 +4710,6 @@
               <a:t>
 Institut for Virksomhedsledelse</a:t>
             </a:r>
-            <a:endParaRPr kumimoji="0" lang="da-DK" sz="900" b="1" i="0" u="none" strike="noStrike" cap="all" normalizeH="0" baseline="0" noProof="1">
-              <a:ln>
-                <a:noFill/>
-              </a:ln>
-              <a:solidFill>
-                <a:schemeClr val="bg1"/>
-              </a:solidFill>
-              <a:effectLst/>
-              <a:latin typeface="AU Passata" pitchFamily="34" charset="0"/>
-            </a:endParaRPr>
           </a:p>
           <a:p>
             <a:pPr marL="0" marR="0" indent="0" algn="l" defTabSz="914400" rtl="0" eaLnBrk="1" fontAlgn="base" latinLnBrk="0" hangingPunct="1">
@@ -4792,7 +4772,7 @@
               <a:pPr>
                 <a:defRPr/>
               </a:pPr>
-              <a:t>‹nr.›</a:t>
+              <a:t>‹#›</a:t>
             </a:fld>
             <a:endParaRPr lang="da-DK" dirty="0"/>
           </a:p>
@@ -4816,13 +4796,12 @@
             <a:fld id="{E7B83056-E73A-4EB1-8793-61FB59C07FBC}" type="datetimeFigureOut">
               <a:rPr lang="da-DK" smtClean="0"/>
               <a:pPr/>
-              <a:t>23-06-2017</a:t>
+              <a:t>26.04.2021</a:t>
             </a:fld>
             <a:r>
               <a:rPr lang="da-DK"/>
               <a:t>26-04-2021</a:t>
             </a:r>
-            <a:endParaRPr lang="da-DK"/>
           </a:p>
         </p:txBody>
       </p:sp>
@@ -4859,7 +4838,7 @@
 </file>
 
 <file path=ppt/slideLayouts/slideLayout3.xml><?xml version="1.0" encoding="utf-8"?>
-<p:sldLayout xmlns:a14="http://schemas.microsoft.com/office/drawing/2010/main" xmlns:p14="http://schemas.microsoft.com/office/powerpoint/2010/main" xmlns:a="http://schemas.openxmlformats.org/drawingml/2006/main" xmlns:r="http://schemas.openxmlformats.org/officeDocument/2006/relationships" xmlns:p="http://schemas.openxmlformats.org/presentationml/2006/main" showMasterSp="0" preserve="1" userDrawn="1">
+<p:sldLayout xmlns:a="http://schemas.openxmlformats.org/drawingml/2006/main" xmlns:r="http://schemas.openxmlformats.org/officeDocument/2006/relationships" xmlns:p="http://schemas.openxmlformats.org/presentationml/2006/main" showMasterSp="0" preserve="1" userDrawn="1">
   <p:cSld name="Title slide no picture">
     <p:spTree>
       <p:nvGrpSpPr>
@@ -5069,12 +5048,6 @@
               </a:rPr>
               <a:t>26. april 2021</a:t>
             </a:r>
-            <a:endParaRPr lang="da-DK" sz="700" b="0" cap="all" baseline="0" dirty="0">
-              <a:solidFill>
-                <a:schemeClr val="bg1"/>
-              </a:solidFill>
-              <a:latin typeface="+mn-lt"/>
-            </a:endParaRPr>
           </a:p>
         </p:txBody>
       </p:sp>
@@ -5124,12 +5097,6 @@
               </a:rPr>
               <a:t>Læringsdesigner</a:t>
             </a:r>
-            <a:endParaRPr lang="da-DK" sz="700" b="0" cap="all" baseline="0" dirty="0">
-              <a:solidFill>
-                <a:schemeClr val="bg1"/>
-              </a:solidFill>
-              <a:latin typeface="+mn-lt"/>
-            </a:endParaRPr>
           </a:p>
         </p:txBody>
       </p:sp>
@@ -5179,12 +5146,6 @@
               </a:rPr>
               <a:t>BSS-skabelon</a:t>
             </a:r>
-            <a:endParaRPr lang="da-DK" sz="700" b="0" cap="all" baseline="0" dirty="0">
-              <a:solidFill>
-                <a:schemeClr val="bg1"/>
-              </a:solidFill>
-              <a:latin typeface="+mn-lt"/>
-            </a:endParaRPr>
           </a:p>
         </p:txBody>
       </p:sp>
@@ -5234,12 +5195,6 @@
               </a:rPr>
               <a:t>Lisa Victoria Schütten Søndergaard</a:t>
             </a:r>
-            <a:endParaRPr lang="da-DK" sz="700" b="0" cap="all" baseline="0" dirty="0">
-              <a:solidFill>
-                <a:schemeClr val="bg1"/>
-              </a:solidFill>
-              <a:latin typeface="+mn-lt"/>
-            </a:endParaRPr>
           </a:p>
         </p:txBody>
       </p:sp>
@@ -5282,11 +5237,7 @@
           <p:nvPr/>
         </p:nvPicPr>
         <p:blipFill>
-          <a:blip r:embed="R5197d63085b441bc" cstate="none">
-            <a:extLst>
-              <a:ext uri="{28A0092B-C50C-407E-A947-70E740481C1C}"/>
-            </a:extLst>
-          </a:blip>
+          <a:blip r:embed="rId3"/>
           <a:stretch>
             <a:fillRect/>
           </a:stretch>
@@ -5310,7 +5261,7 @@
           <p:nvPr userDrawn="1"/>
         </p:nvPicPr>
         <p:blipFill>
-          <a:blip r:embed="rId3" cstate="print">
+          <a:blip r:embed="rId4" cstate="print">
             <a:extLst>
               <a:ext uri="{28A0092B-C50C-407E-A947-70E740481C1C}">
                 <a14:useLocalDpi xmlns:a14="http://schemas.microsoft.com/office/drawing/2010/main" val="0"/>
@@ -5378,12 +5329,6 @@
               <a:t>
 Aarhus Universitet</a:t>
             </a:r>
-            <a:endParaRPr lang="da-DK" sz="900" cap="all" spc="40" baseline="0" dirty="0">
-              <a:solidFill>
-                <a:schemeClr val="bg1"/>
-              </a:solidFill>
-              <a:latin typeface="+mn-lt"/>
-            </a:endParaRPr>
           </a:p>
           <a:p>
             <a:pPr>
@@ -5464,16 +5409,6 @@
               <a:t>
 Institut for Virksomhedsledelse</a:t>
             </a:r>
-            <a:endParaRPr kumimoji="0" lang="da-DK" sz="900" b="1" i="0" u="none" strike="noStrike" cap="all" normalizeH="0" baseline="0" noProof="1">
-              <a:ln>
-                <a:noFill/>
-              </a:ln>
-              <a:solidFill>
-                <a:schemeClr val="bg1"/>
-              </a:solidFill>
-              <a:effectLst/>
-              <a:latin typeface="AU Passata" pitchFamily="34" charset="0"/>
-            </a:endParaRPr>
           </a:p>
           <a:p>
             <a:pPr marL="0" marR="0" indent="0" algn="l" defTabSz="914400" rtl="0" eaLnBrk="1" fontAlgn="base" latinLnBrk="0" hangingPunct="1">
@@ -5536,7 +5471,7 @@
               <a:pPr>
                 <a:defRPr/>
               </a:pPr>
-              <a:t>‹nr.›</a:t>
+              <a:t>‹#›</a:t>
             </a:fld>
             <a:endParaRPr lang="da-DK" dirty="0"/>
           </a:p>
@@ -5560,13 +5495,12 @@
             <a:fld id="{E7B83056-E73A-4EB1-8793-61FB59C07FBC}" type="datetimeFigureOut">
               <a:rPr lang="da-DK" smtClean="0"/>
               <a:pPr/>
-              <a:t>23-06-2017</a:t>
+              <a:t>26.04.2021</a:t>
             </a:fld>
             <a:r>
               <a:rPr lang="da-DK"/>
               <a:t>26-04-2021</a:t>
             </a:r>
-            <a:endParaRPr lang="da-DK"/>
           </a:p>
         </p:txBody>
       </p:sp>
@@ -5823,7 +5757,7 @@
               <a:pPr>
                 <a:defRPr/>
               </a:pPr>
-              <a:t>‹nr.›</a:t>
+              <a:t>‹#›</a:t>
             </a:fld>
             <a:endParaRPr lang="da-DK" dirty="0"/>
           </a:p>
@@ -5847,13 +5781,12 @@
             <a:fld id="{E7B83056-E73A-4EB1-8793-61FB59C07FBC}" type="datetimeFigureOut">
               <a:rPr lang="da-DK" smtClean="0"/>
               <a:pPr/>
-              <a:t>23-06-2017</a:t>
+              <a:t>26.04.2021</a:t>
             </a:fld>
             <a:r>
               <a:rPr lang="da-DK"/>
               <a:t>26-04-2021</a:t>
             </a:r>
-            <a:endParaRPr lang="da-DK"/>
           </a:p>
         </p:txBody>
       </p:sp>
@@ -5885,7 +5818,7 @@
 </file>
 
 <file path=ppt/slideLayouts/slideLayout5.xml><?xml version="1.0" encoding="utf-8"?>
-<p:sldLayout xmlns:p14="http://schemas.microsoft.com/office/powerpoint/2010/main" xmlns:p15="http://schemas.microsoft.com/office/powerpoint/2012/main" xmlns:a="http://schemas.openxmlformats.org/drawingml/2006/main" xmlns:r="http://schemas.openxmlformats.org/officeDocument/2006/relationships" xmlns:p="http://schemas.openxmlformats.org/presentationml/2006/main" preserve="1" userDrawn="1">
+<p:sldLayout xmlns:a="http://schemas.openxmlformats.org/drawingml/2006/main" xmlns:r="http://schemas.openxmlformats.org/officeDocument/2006/relationships" xmlns:p="http://schemas.openxmlformats.org/presentationml/2006/main" preserve="1" userDrawn="1">
   <p:cSld name="One line title and bullet text">
     <p:spTree>
       <p:nvGrpSpPr>
@@ -6193,7 +6126,7 @@
               <a:pPr>
                 <a:defRPr/>
               </a:pPr>
-              <a:t>‹nr.›</a:t>
+              <a:t>‹#›</a:t>
             </a:fld>
             <a:endParaRPr lang="da-DK" dirty="0"/>
           </a:p>
@@ -6217,13 +6150,12 @@
             <a:fld id="{E7B83056-E73A-4EB1-8793-61FB59C07FBC}" type="datetimeFigureOut">
               <a:rPr lang="da-DK" smtClean="0"/>
               <a:pPr/>
-              <a:t>23-06-2017</a:t>
+              <a:t>26.04.2021</a:t>
             </a:fld>
             <a:r>
               <a:rPr lang="da-DK"/>
               <a:t>26-04-2021</a:t>
             </a:r>
-            <a:endParaRPr lang="da-DK"/>
           </a:p>
         </p:txBody>
       </p:sp>
@@ -6256,7 +6188,7 @@
   <p:clrMapOvr>
     <a:masterClrMapping/>
   </p:clrMapOvr>
-  <p:extLst mod="1">
+  <p:extLst>
     <p:ext uri="{DCECCB84-F9BA-43D5-87BE-67443E8EF086}">
       <p15:sldGuideLst xmlns:p15="http://schemas.microsoft.com/office/powerpoint/2012/main">
         <p15:guide id="1" orient="horz" pos="865" userDrawn="1">
@@ -6271,7 +6203,7 @@
 </file>
 
 <file path=ppt/slideLayouts/slideLayout6.xml><?xml version="1.0" encoding="utf-8"?>
-<p:sldLayout xmlns:p14="http://schemas.microsoft.com/office/powerpoint/2010/main" xmlns:p15="http://schemas.microsoft.com/office/powerpoint/2012/main" xmlns:a="http://schemas.openxmlformats.org/drawingml/2006/main" xmlns:r="http://schemas.openxmlformats.org/officeDocument/2006/relationships" xmlns:p="http://schemas.openxmlformats.org/presentationml/2006/main" preserve="1" userDrawn="1">
+<p:sldLayout xmlns:a="http://schemas.openxmlformats.org/drawingml/2006/main" xmlns:r="http://schemas.openxmlformats.org/officeDocument/2006/relationships" xmlns:p="http://schemas.openxmlformats.org/presentationml/2006/main" preserve="1" userDrawn="1">
   <p:cSld name="Text and picture">
     <p:spTree>
       <p:nvGrpSpPr>
@@ -6616,7 +6548,7 @@
               <a:pPr>
                 <a:defRPr/>
               </a:pPr>
-              <a:t>‹nr.›</a:t>
+              <a:t>‹#›</a:t>
             </a:fld>
             <a:endParaRPr lang="da-DK" dirty="0"/>
           </a:p>
@@ -6640,13 +6572,12 @@
             <a:fld id="{E7B83056-E73A-4EB1-8793-61FB59C07FBC}" type="datetimeFigureOut">
               <a:rPr lang="da-DK" smtClean="0"/>
               <a:pPr/>
-              <a:t>23-06-2017</a:t>
+              <a:t>26.04.2021</a:t>
             </a:fld>
             <a:r>
               <a:rPr lang="da-DK"/>
               <a:t>26-04-2021</a:t>
             </a:r>
-            <a:endParaRPr lang="da-DK"/>
           </a:p>
         </p:txBody>
       </p:sp>
@@ -6679,7 +6610,7 @@
   <p:clrMapOvr>
     <a:masterClrMapping/>
   </p:clrMapOvr>
-  <p:extLst mod="1">
+  <p:extLst>
     <p:ext uri="{DCECCB84-F9BA-43D5-87BE-67443E8EF086}">
       <p15:sldGuideLst xmlns:p15="http://schemas.microsoft.com/office/powerpoint/2012/main">
         <p15:guide id="1" pos="3924" userDrawn="1">
@@ -6699,7 +6630,7 @@
 </file>
 
 <file path=ppt/slideLayouts/slideLayout7.xml><?xml version="1.0" encoding="utf-8"?>
-<p:sldLayout xmlns:p14="http://schemas.microsoft.com/office/powerpoint/2010/main" xmlns:p15="http://schemas.microsoft.com/office/powerpoint/2012/main" xmlns:a="http://schemas.openxmlformats.org/drawingml/2006/main" xmlns:r="http://schemas.openxmlformats.org/officeDocument/2006/relationships" xmlns:p="http://schemas.openxmlformats.org/presentationml/2006/main" preserve="1" userDrawn="1">
+<p:sldLayout xmlns:a="http://schemas.openxmlformats.org/drawingml/2006/main" xmlns:r="http://schemas.openxmlformats.org/officeDocument/2006/relationships" xmlns:p="http://schemas.openxmlformats.org/presentationml/2006/main" preserve="1" userDrawn="1">
   <p:cSld name="Personal information">
     <p:spTree>
       <p:nvGrpSpPr>
@@ -7052,7 +6983,7 @@
               <a:pPr>
                 <a:defRPr/>
               </a:pPr>
-              <a:t>‹nr.›</a:t>
+              <a:t>‹#›</a:t>
             </a:fld>
             <a:endParaRPr lang="da-DK" dirty="0"/>
           </a:p>
@@ -7076,13 +7007,12 @@
             <a:fld id="{E7B83056-E73A-4EB1-8793-61FB59C07FBC}" type="datetimeFigureOut">
               <a:rPr lang="da-DK" smtClean="0"/>
               <a:pPr/>
-              <a:t>23-06-2017</a:t>
+              <a:t>26.04.2021</a:t>
             </a:fld>
             <a:r>
               <a:rPr lang="da-DK"/>
               <a:t>26-04-2021</a:t>
             </a:r>
-            <a:endParaRPr lang="da-DK"/>
           </a:p>
         </p:txBody>
       </p:sp>
@@ -7115,7 +7045,7 @@
   <p:clrMapOvr>
     <a:masterClrMapping/>
   </p:clrMapOvr>
-  <p:extLst mod="1">
+  <p:extLst>
     <p:ext uri="{DCECCB84-F9BA-43D5-87BE-67443E8EF086}">
       <p15:sldGuideLst xmlns:p15="http://schemas.microsoft.com/office/powerpoint/2012/main">
         <p15:guide id="1" pos="3930" userDrawn="1">
@@ -7140,7 +7070,7 @@
 </file>
 
 <file path=ppt/slideLayouts/slideLayout8.xml><?xml version="1.0" encoding="utf-8"?>
-<p:sldLayout xmlns:p14="http://schemas.microsoft.com/office/powerpoint/2010/main" xmlns:a="http://schemas.openxmlformats.org/drawingml/2006/main" xmlns:r="http://schemas.openxmlformats.org/officeDocument/2006/relationships" xmlns:p="http://schemas.openxmlformats.org/presentationml/2006/main" preserve="1" userDrawn="1">
+<p:sldLayout xmlns:a="http://schemas.openxmlformats.org/drawingml/2006/main" xmlns:r="http://schemas.openxmlformats.org/officeDocument/2006/relationships" xmlns:p="http://schemas.openxmlformats.org/presentationml/2006/main" preserve="1" userDrawn="1">
   <p:cSld name="Picture slide">
     <p:spTree>
       <p:nvGrpSpPr>
@@ -7216,7 +7146,7 @@
               <a:pPr>
                 <a:defRPr/>
               </a:pPr>
-              <a:t>‹nr.›</a:t>
+              <a:t>‹#›</a:t>
             </a:fld>
             <a:endParaRPr lang="da-DK" dirty="0"/>
           </a:p>
@@ -7240,13 +7170,12 @@
             <a:fld id="{E7B83056-E73A-4EB1-8793-61FB59C07FBC}" type="datetimeFigureOut">
               <a:rPr lang="da-DK" smtClean="0"/>
               <a:pPr/>
-              <a:t>23-06-2017</a:t>
+              <a:t>26.04.2021</a:t>
             </a:fld>
             <a:r>
               <a:rPr lang="da-DK"/>
               <a:t>26-04-2021</a:t>
             </a:r>
-            <a:endParaRPr lang="da-DK"/>
           </a:p>
         </p:txBody>
       </p:sp>
@@ -7283,7 +7212,7 @@
 </file>
 
 <file path=ppt/slideLayouts/slideLayout9.xml><?xml version="1.0" encoding="utf-8"?>
-<p:sldLayout xmlns:p14="http://schemas.microsoft.com/office/powerpoint/2010/main" xmlns:p15="http://schemas.microsoft.com/office/powerpoint/2012/main" xmlns:a="http://schemas.openxmlformats.org/drawingml/2006/main" xmlns:r="http://schemas.openxmlformats.org/officeDocument/2006/relationships" xmlns:p="http://schemas.openxmlformats.org/presentationml/2006/main" preserve="1" userDrawn="1">
+<p:sldLayout xmlns:a="http://schemas.openxmlformats.org/drawingml/2006/main" xmlns:r="http://schemas.openxmlformats.org/officeDocument/2006/relationships" xmlns:p="http://schemas.openxmlformats.org/presentationml/2006/main" preserve="1" userDrawn="1">
   <p:cSld name="Two pictures">
     <p:spTree>
       <p:nvGrpSpPr>
@@ -7393,7 +7322,7 @@
               <a:pPr>
                 <a:defRPr/>
               </a:pPr>
-              <a:t>‹nr.›</a:t>
+              <a:t>‹#›</a:t>
             </a:fld>
             <a:endParaRPr lang="da-DK" dirty="0"/>
           </a:p>
@@ -7417,13 +7346,12 @@
             <a:fld id="{E7B83056-E73A-4EB1-8793-61FB59C07FBC}" type="datetimeFigureOut">
               <a:rPr lang="da-DK" smtClean="0"/>
               <a:pPr/>
-              <a:t>23-06-2017</a:t>
+              <a:t>26.04.2021</a:t>
             </a:fld>
             <a:r>
               <a:rPr lang="da-DK"/>
               <a:t>26-04-2021</a:t>
             </a:r>
-            <a:endParaRPr lang="da-DK"/>
           </a:p>
         </p:txBody>
       </p:sp>
@@ -7456,7 +7384,7 @@
   <p:clrMapOvr>
     <a:masterClrMapping/>
   </p:clrMapOvr>
-  <p:extLst mod="1">
+  <p:extLst>
     <p:ext uri="{DCECCB84-F9BA-43D5-87BE-67443E8EF086}">
       <p15:sldGuideLst xmlns:p15="http://schemas.microsoft.com/office/powerpoint/2012/main">
         <p15:guide id="1" pos="3924" userDrawn="1">
@@ -7476,7 +7404,7 @@
 </file>
 
 <file path=ppt/slideMasters/slideMaster1.xml><?xml version="1.0" encoding="utf-8"?>
-<p:sldMaster xmlns:a14="http://schemas.microsoft.com/office/drawing/2010/main" xmlns:p15="http://schemas.microsoft.com/office/powerpoint/2012/main" xmlns:a="http://schemas.openxmlformats.org/drawingml/2006/main" xmlns:r="http://schemas.openxmlformats.org/officeDocument/2006/relationships" xmlns:p="http://schemas.openxmlformats.org/presentationml/2006/main" preserve="1">
+<p:sldMaster xmlns:a="http://schemas.openxmlformats.org/drawingml/2006/main" xmlns:r="http://schemas.openxmlformats.org/officeDocument/2006/relationships" xmlns:p="http://schemas.openxmlformats.org/presentationml/2006/main" preserve="1">
   <p:cSld>
     <p:bg>
       <p:bgPr>
@@ -7659,11 +7587,7 @@
           <p:nvPr/>
         </p:nvPicPr>
         <p:blipFill>
-          <a:blip r:embed="Rb9ef7dc9bc2e4049" cstate="none">
-            <a:extLst>
-              <a:ext uri="{28A0092B-C50C-407E-A947-70E740481C1C}"/>
-            </a:extLst>
-          </a:blip>
+          <a:blip r:embed="rId21"/>
           <a:stretch>
             <a:fillRect/>
           </a:stretch>
@@ -7773,12 +7697,6 @@
               </a:rPr>
               <a:t>BSS-skabelon</a:t>
             </a:r>
-            <a:endParaRPr lang="da-DK" sz="700" b="0" cap="all" baseline="0" dirty="0">
-              <a:solidFill>
-                <a:schemeClr val="tx1"/>
-              </a:solidFill>
-              <a:latin typeface="+mn-lt"/>
-            </a:endParaRPr>
           </a:p>
         </p:txBody>
       </p:sp>
@@ -7828,12 +7746,6 @@
               </a:rPr>
               <a:t>Lisa Victoria Schütten Søndergaard</a:t>
             </a:r>
-            <a:endParaRPr lang="da-DK" sz="700" b="0" cap="all" baseline="0" dirty="0">
-              <a:solidFill>
-                <a:schemeClr val="tx1"/>
-              </a:solidFill>
-              <a:latin typeface="+mn-lt"/>
-            </a:endParaRPr>
           </a:p>
         </p:txBody>
       </p:sp>
@@ -7883,12 +7795,6 @@
               </a:rPr>
               <a:t>26. april 2021</a:t>
             </a:r>
-            <a:endParaRPr lang="da-DK" sz="700" b="0" cap="all" baseline="0" dirty="0">
-              <a:solidFill>
-                <a:schemeClr val="tx1"/>
-              </a:solidFill>
-              <a:latin typeface="+mn-lt"/>
-            </a:endParaRPr>
           </a:p>
         </p:txBody>
       </p:sp>
@@ -7938,12 +7844,6 @@
               </a:rPr>
               <a:t>Læringsdesigner</a:t>
             </a:r>
-            <a:endParaRPr lang="da-DK" sz="700" b="0" cap="all" baseline="0" dirty="0">
-              <a:solidFill>
-                <a:schemeClr val="tx1"/>
-              </a:solidFill>
-              <a:latin typeface="+mn-lt"/>
-            </a:endParaRPr>
           </a:p>
         </p:txBody>
       </p:sp>
@@ -7956,7 +7856,7 @@
           <p:nvPr userDrawn="1"/>
         </p:nvPicPr>
         <p:blipFill>
-          <a:blip r:embed="rId21" cstate="print">
+          <a:blip r:embed="rId22" cstate="print">
             <a:extLst>
               <a:ext uri="{28A0092B-C50C-407E-A947-70E740481C1C}">
                 <a14:useLocalDpi xmlns:a14="http://schemas.microsoft.com/office/drawing/2010/main" val="0"/>
@@ -8024,12 +7924,6 @@
               <a:t>
 Aarhus Universitet</a:t>
             </a:r>
-            <a:endParaRPr lang="da-DK" sz="900" cap="all" spc="40" baseline="0" dirty="0">
-              <a:solidFill>
-                <a:schemeClr val="tx1"/>
-              </a:solidFill>
-              <a:latin typeface="+mn-lt"/>
-            </a:endParaRPr>
           </a:p>
           <a:p>
             <a:pPr>
@@ -8110,16 +8004,6 @@
               <a:t>
 Institut for Virksomhedsledelse</a:t>
             </a:r>
-            <a:endParaRPr kumimoji="0" lang="da-DK" sz="900" b="1" i="0" u="none" strike="noStrike" cap="all" normalizeH="0" baseline="0" noProof="1">
-              <a:ln>
-                <a:noFill/>
-              </a:ln>
-              <a:solidFill>
-                <a:schemeClr val="tx1"/>
-              </a:solidFill>
-              <a:effectLst/>
-              <a:latin typeface="AU Passata" pitchFamily="34" charset="0"/>
-            </a:endParaRPr>
           </a:p>
           <a:p>
             <a:pPr marL="0" marR="0" indent="0" algn="l" defTabSz="914400" rtl="0" eaLnBrk="1" fontAlgn="base" latinLnBrk="0" hangingPunct="1">
@@ -8160,7 +8044,7 @@
           <p:nvPr userDrawn="1"/>
         </p:nvPicPr>
         <p:blipFill>
-          <a:blip r:embed="rId22" cstate="print">
+          <a:blip r:embed="rId23" cstate="print">
             <a:extLst>
               <a:ext uri="{28A0092B-C50C-407E-A947-70E740481C1C}">
                 <a14:useLocalDpi xmlns:a14="http://schemas.microsoft.com/office/drawing/2010/main" val="0"/>
@@ -8239,7 +8123,7 @@
               <a:pPr>
                 <a:defRPr/>
               </a:pPr>
-              <a:t>‹nr.›</a:t>
+              <a:t>‹#›</a:t>
             </a:fld>
             <a:endParaRPr lang="da-DK" dirty="0"/>
           </a:p>
@@ -8277,13 +8161,12 @@
             <a:fld id="{E7B83056-E73A-4EB1-8793-61FB59C07FBC}" type="datetimeFigureOut">
               <a:rPr lang="da-DK" smtClean="0"/>
               <a:pPr/>
-              <a:t>23-06-2017</a:t>
+              <a:t>26.04.2021</a:t>
             </a:fld>
             <a:r>
               <a:rPr lang="da-DK"/>
               <a:t>26-04-2021</a:t>
             </a:r>
-            <a:endParaRPr lang="da-DK"/>
           </a:p>
         </p:txBody>
       </p:sp>
@@ -8806,7 +8689,7 @@
       </a:lvl9pPr>
     </p:otherStyle>
   </p:txStyles>
-  <p:extLst mod="1">
+  <p:extLst>
     <p:ext uri="{27BBF7A9-308A-43DC-89C8-2F10F3537804}">
       <p15:sldGuideLst xmlns:p15="http://schemas.microsoft.com/office/powerpoint/2012/main">
         <p15:guide id="4" orient="horz" pos="3715" userDrawn="1">
@@ -8856,7 +8739,7 @@
 </file>
 
 <file path=ppt/slides/slide1.xml><?xml version="1.0" encoding="utf-8"?>
-<p:sld xmlns:p14="http://schemas.microsoft.com/office/powerpoint/2010/main" xmlns:a="http://schemas.openxmlformats.org/drawingml/2006/main" xmlns:r="http://schemas.openxmlformats.org/officeDocument/2006/relationships" xmlns:p="http://schemas.openxmlformats.org/presentationml/2006/main">
+<p:sld xmlns:a="http://schemas.openxmlformats.org/drawingml/2006/main" xmlns:r="http://schemas.openxmlformats.org/officeDocument/2006/relationships" xmlns:p="http://schemas.openxmlformats.org/presentationml/2006/main">
   <p:cSld>
     <p:spTree>
       <p:nvGrpSpPr>
@@ -8908,7 +8791,7 @@
 </file>
 
 <file path=ppt/slides/slide2.xml><?xml version="1.0" encoding="utf-8"?>
-<p:sld xmlns:p14="http://schemas.microsoft.com/office/powerpoint/2010/main" xmlns:a="http://schemas.openxmlformats.org/drawingml/2006/main" xmlns:r="http://schemas.openxmlformats.org/officeDocument/2006/relationships" xmlns:p="http://schemas.openxmlformats.org/presentationml/2006/main">
+<p:sld xmlns:a="http://schemas.openxmlformats.org/drawingml/2006/main" xmlns:r="http://schemas.openxmlformats.org/officeDocument/2006/relationships" xmlns:p="http://schemas.openxmlformats.org/presentationml/2006/main">
   <p:cSld>
     <p:spTree>
       <p:nvGrpSpPr>
@@ -8926,7 +8809,7 @@
       </p:grpSpPr>
       <p:sp>
         <p:nvSpPr>
-          <p:cNvPr id="3" name="Title 2"/>
+          <p:cNvPr id="4" name="Title 3"/>
           <p:cNvSpPr>
             <a:spLocks noGrp="1"/>
           </p:cNvSpPr>
@@ -8939,7 +8822,10 @@
           <a:bodyPr/>
           <a:lstStyle/>
           <a:p>
-            <a:endParaRPr lang="da-DK"/>
+            <a:r>
+              <a:rPr lang="da-DK" dirty="0"/>
+              <a:t>Overordnet indhold (note-slide)</a:t>
+            </a:r>
           </a:p>
         </p:txBody>
       </p:sp>
@@ -8958,7 +8844,201 @@
           <a:bodyPr/>
           <a:lstStyle/>
           <a:p>
-            <a:endParaRPr lang="da-DK"/>
+            <a:r>
+              <a:rPr lang="en-GB" dirty="0" err="1"/>
+              <a:t>Overordnet</a:t>
+            </a:r>
+            <a:r>
+              <a:rPr lang="en-GB" dirty="0"/>
+              <a:t> </a:t>
+            </a:r>
+            <a:r>
+              <a:rPr lang="en-GB" dirty="0" err="1"/>
+              <a:t>indhold</a:t>
+            </a:r>
+            <a:r>
+              <a:rPr lang="en-GB" dirty="0"/>
+              <a:t>:</a:t>
+            </a:r>
+          </a:p>
+          <a:p>
+            <a:pPr marL="457200" indent="-457200">
+              <a:buFont typeface="+mj-lt"/>
+              <a:buAutoNum type="arabicPeriod"/>
+            </a:pPr>
+            <a:r>
+              <a:rPr lang="en-GB" dirty="0" err="1"/>
+              <a:t>Agentadfærd</a:t>
+            </a:r>
+            <a:endParaRPr lang="en-GB" dirty="0"/>
+          </a:p>
+          <a:p>
+            <a:pPr marL="457200" indent="-457200">
+              <a:buFont typeface="+mj-lt"/>
+              <a:buAutoNum type="arabicPeriod"/>
+            </a:pPr>
+            <a:r>
+              <a:rPr lang="en-GB" dirty="0" err="1"/>
+              <a:t>Undervisningskontekst</a:t>
+            </a:r>
+            <a:endParaRPr lang="en-GB" dirty="0"/>
+          </a:p>
+          <a:p>
+            <a:pPr marL="457200" indent="-457200">
+              <a:buFont typeface="+mj-lt"/>
+              <a:buAutoNum type="arabicPeriod"/>
+            </a:pPr>
+            <a:r>
+              <a:rPr lang="en-GB" dirty="0"/>
+              <a:t>Widgets &amp; interface</a:t>
+            </a:r>
+          </a:p>
+          <a:p>
+            <a:pPr marL="457200" indent="-457200">
+              <a:buFont typeface="+mj-lt"/>
+              <a:buAutoNum type="arabicPeriod"/>
+            </a:pPr>
+            <a:r>
+              <a:rPr lang="en-GB" dirty="0"/>
+              <a:t>Det store </a:t>
+            </a:r>
+            <a:r>
+              <a:rPr lang="en-GB" dirty="0" err="1"/>
+              <a:t>spørgsmål</a:t>
+            </a:r>
+            <a:r>
+              <a:rPr lang="en-GB" dirty="0"/>
+              <a:t>, </a:t>
+            </a:r>
+            <a:r>
+              <a:rPr lang="en-GB" dirty="0" err="1"/>
+              <a:t>modellen</a:t>
+            </a:r>
+            <a:r>
+              <a:rPr lang="en-GB" dirty="0"/>
+              <a:t> </a:t>
+            </a:r>
+            <a:r>
+              <a:rPr lang="en-GB" dirty="0" err="1"/>
+              <a:t>besvarer</a:t>
+            </a:r>
+            <a:endParaRPr lang="en-GB" dirty="0"/>
+          </a:p>
+          <a:p>
+            <a:pPr marL="457200" indent="-457200">
+              <a:buFont typeface="+mj-lt"/>
+              <a:buAutoNum type="arabicPeriod"/>
+            </a:pPr>
+            <a:r>
+              <a:rPr lang="en-GB" dirty="0"/>
+              <a:t>Mere </a:t>
+            </a:r>
+            <a:r>
+              <a:rPr lang="en-GB" dirty="0" err="1"/>
+              <a:t>specifikke</a:t>
+            </a:r>
+            <a:r>
+              <a:rPr lang="en-GB" dirty="0"/>
+              <a:t> </a:t>
+            </a:r>
+            <a:r>
+              <a:rPr lang="en-GB" dirty="0" err="1"/>
+              <a:t>eksempler</a:t>
+            </a:r>
+            <a:r>
+              <a:rPr lang="en-GB" dirty="0"/>
+              <a:t> </a:t>
+            </a:r>
+            <a:r>
+              <a:rPr lang="en-GB" dirty="0" err="1"/>
+              <a:t>og</a:t>
+            </a:r>
+            <a:r>
+              <a:rPr lang="en-GB" dirty="0"/>
+              <a:t> </a:t>
+            </a:r>
+            <a:r>
+              <a:rPr lang="en-GB" dirty="0" err="1"/>
+              <a:t>sammenligning</a:t>
+            </a:r>
+            <a:r>
+              <a:rPr lang="en-GB" dirty="0"/>
+              <a:t>. </a:t>
+            </a:r>
+            <a:r>
+              <a:rPr lang="en-GB" dirty="0" err="1"/>
+              <a:t>F.eks</a:t>
+            </a:r>
+            <a:r>
+              <a:rPr lang="en-GB" dirty="0"/>
+              <a:t>. </a:t>
+            </a:r>
+            <a:r>
+              <a:rPr lang="en-GB" dirty="0" err="1"/>
+              <a:t>økonomi</a:t>
+            </a:r>
+            <a:r>
+              <a:rPr lang="en-GB" dirty="0"/>
+              <a:t> &gt;&lt; </a:t>
+            </a:r>
+            <a:r>
+              <a:rPr lang="en-GB" dirty="0" err="1"/>
+              <a:t>sundhed</a:t>
+            </a:r>
+            <a:r>
+              <a:rPr lang="en-GB" dirty="0"/>
+              <a:t>. </a:t>
+            </a:r>
+            <a:r>
+              <a:rPr lang="en-GB" dirty="0" err="1"/>
+              <a:t>Forklar</a:t>
+            </a:r>
+            <a:r>
+              <a:rPr lang="en-GB" dirty="0"/>
+              <a:t>: </a:t>
+            </a:r>
+            <a:r>
+              <a:rPr lang="en-GB" dirty="0" err="1"/>
+              <a:t>hvorfor</a:t>
+            </a:r>
+            <a:r>
+              <a:rPr lang="en-GB" dirty="0"/>
+              <a:t> er det </a:t>
+            </a:r>
+            <a:r>
+              <a:rPr lang="en-GB" dirty="0" err="1"/>
+              <a:t>en</a:t>
+            </a:r>
+            <a:r>
+              <a:rPr lang="en-GB" dirty="0"/>
+              <a:t> </a:t>
+            </a:r>
+            <a:r>
+              <a:rPr lang="en-GB" dirty="0" err="1"/>
+              <a:t>spændende</a:t>
+            </a:r>
+            <a:r>
+              <a:rPr lang="en-GB" dirty="0"/>
+              <a:t> </a:t>
+            </a:r>
+            <a:r>
+              <a:rPr lang="en-GB" dirty="0" err="1"/>
+              <a:t>kontrast</a:t>
+            </a:r>
+            <a:r>
+              <a:rPr lang="en-GB" dirty="0"/>
+              <a:t>?</a:t>
+            </a:r>
+          </a:p>
+          <a:p>
+            <a:pPr marL="457200" indent="-457200">
+              <a:buFont typeface="+mj-lt"/>
+              <a:buAutoNum type="arabicPeriod"/>
+            </a:pPr>
+            <a:r>
+              <a:rPr lang="en-GB" dirty="0"/>
+              <a:t>"Download to try it out for yourself!"</a:t>
+            </a:r>
           </a:p>
         </p:txBody>
       </p:sp>
@@ -8968,7 +9048,7 @@
     </p:custDataLst>
     <p:extLst>
       <p:ext uri="{BB962C8B-B14F-4D97-AF65-F5344CB8AC3E}">
-        <p14:creationId xmlns:p14="http://schemas.microsoft.com/office/powerpoint/2010/main" val="2813365767"/>
+        <p14:creationId xmlns:p14="http://schemas.microsoft.com/office/powerpoint/2010/main" val="2638435880"/>
       </p:ext>
     </p:extLst>
   </p:cSld>
@@ -8979,7 +9059,78 @@
 </file>
 
 <file path=ppt/slides/slide3.xml><?xml version="1.0" encoding="utf-8"?>
-<p:sld xmlns:p14="http://schemas.microsoft.com/office/powerpoint/2010/main" xmlns:a="http://schemas.openxmlformats.org/drawingml/2006/main" xmlns:r="http://schemas.openxmlformats.org/officeDocument/2006/relationships" xmlns:p="http://schemas.openxmlformats.org/presentationml/2006/main">
+<p:sld xmlns:a="http://schemas.openxmlformats.org/drawingml/2006/main" xmlns:r="http://schemas.openxmlformats.org/officeDocument/2006/relationships" xmlns:p="http://schemas.openxmlformats.org/presentationml/2006/main">
+  <p:cSld>
+    <p:spTree>
+      <p:nvGrpSpPr>
+        <p:cNvPr id="1" name=""/>
+        <p:cNvGrpSpPr/>
+        <p:nvPr/>
+      </p:nvGrpSpPr>
+      <p:grpSpPr>
+        <a:xfrm>
+          <a:off x="0" y="0"/>
+          <a:ext cx="0" cy="0"/>
+          <a:chOff x="0" y="0"/>
+          <a:chExt cx="0" cy="0"/>
+        </a:xfrm>
+      </p:grpSpPr>
+      <p:sp>
+        <p:nvSpPr>
+          <p:cNvPr id="3" name="Title 2"/>
+          <p:cNvSpPr>
+            <a:spLocks noGrp="1"/>
+          </p:cNvSpPr>
+          <p:nvPr>
+            <p:ph type="title"/>
+          </p:nvPr>
+        </p:nvSpPr>
+        <p:spPr/>
+        <p:txBody>
+          <a:bodyPr/>
+          <a:lstStyle/>
+          <a:p>
+            <a:endParaRPr lang="da-DK"/>
+          </a:p>
+        </p:txBody>
+      </p:sp>
+      <p:sp>
+        <p:nvSpPr>
+          <p:cNvPr id="5" name="Content Placeholder 4"/>
+          <p:cNvSpPr>
+            <a:spLocks noGrp="1"/>
+          </p:cNvSpPr>
+          <p:nvPr>
+            <p:ph idx="1"/>
+          </p:nvPr>
+        </p:nvSpPr>
+        <p:spPr/>
+        <p:txBody>
+          <a:bodyPr/>
+          <a:lstStyle/>
+          <a:p>
+            <a:endParaRPr lang="da-DK" dirty="0"/>
+          </a:p>
+        </p:txBody>
+      </p:sp>
+    </p:spTree>
+    <p:custDataLst>
+      <p:tags r:id="rId1"/>
+    </p:custDataLst>
+    <p:extLst>
+      <p:ext uri="{BB962C8B-B14F-4D97-AF65-F5344CB8AC3E}">
+        <p14:creationId xmlns:p14="http://schemas.microsoft.com/office/powerpoint/2010/main" val="1530734200"/>
+      </p:ext>
+    </p:extLst>
+  </p:cSld>
+  <p:clrMapOvr>
+    <a:masterClrMapping/>
+  </p:clrMapOvr>
+</p:sld>
+</file>
+
+<file path=ppt/slides/slide4.xml><?xml version="1.0" encoding="utf-8"?>
+<p:sld xmlns:a="http://schemas.openxmlformats.org/drawingml/2006/main" xmlns:r="http://schemas.openxmlformats.org/officeDocument/2006/relationships" xmlns:p="http://schemas.openxmlformats.org/presentationml/2006/main">
   <p:cSld>
     <p:spTree>
       <p:nvGrpSpPr>
@@ -9049,8 +9200,8 @@
 </p:sld>
 </file>
 
-<file path=ppt/slides/slide4.xml><?xml version="1.0" encoding="utf-8"?>
-<p:sld xmlns:p14="http://schemas.microsoft.com/office/powerpoint/2010/main" xmlns:a="http://schemas.openxmlformats.org/drawingml/2006/main" xmlns:r="http://schemas.openxmlformats.org/officeDocument/2006/relationships" xmlns:p="http://schemas.openxmlformats.org/presentationml/2006/main">
+<file path=ppt/slides/slide5.xml><?xml version="1.0" encoding="utf-8"?>
+<p:sld xmlns:a="http://schemas.openxmlformats.org/drawingml/2006/main" xmlns:r="http://schemas.openxmlformats.org/officeDocument/2006/relationships" xmlns:p="http://schemas.openxmlformats.org/presentationml/2006/main">
   <p:cSld>
     <p:spTree>
       <p:nvGrpSpPr>
@@ -9083,7 +9234,7 @@
           <a:p>
             <a:fld id="{9996539C-B37C-4908-B12B-A43712A9FA19}" type="datetime1">
               <a:rPr lang="da-DK" smtClean="0"/>
-              <a:t>23-06-2017</a:t>
+              <a:t>26.04.2021</a:t>
             </a:fld>
             <a:endParaRPr lang="da-DK"/>
           </a:p>
@@ -9134,8 +9285,8 @@
 </p:sld>
 </file>
 
-<file path=ppt/slides/slide5.xml><?xml version="1.0" encoding="utf-8"?>
-<p:sld xmlns:p14="http://schemas.microsoft.com/office/powerpoint/2010/main" xmlns:a="http://schemas.openxmlformats.org/drawingml/2006/main" xmlns:r="http://schemas.openxmlformats.org/officeDocument/2006/relationships" xmlns:p="http://schemas.openxmlformats.org/presentationml/2006/main">
+<file path=ppt/slides/slide6.xml><?xml version="1.0" encoding="utf-8"?>
+<p:sld xmlns:a="http://schemas.openxmlformats.org/drawingml/2006/main" xmlns:r="http://schemas.openxmlformats.org/officeDocument/2006/relationships" xmlns:p="http://schemas.openxmlformats.org/presentationml/2006/main">
   <p:cSld>
     <p:spTree>
       <p:nvGrpSpPr>
@@ -9175,26 +9326,32 @@
 
 <file path=ppt/tags/tag2.xml><?xml version="1.0" encoding="utf-8"?>
 <p:tagLst xmlns:a="http://schemas.openxmlformats.org/drawingml/2006/main" xmlns:r="http://schemas.openxmlformats.org/officeDocument/2006/relationships" xmlns:p="http://schemas.openxmlformats.org/presentationml/2006/main">
-  <p:tag name="TEMPLAFYSLIDEID" val="636240379814716092"/>
+  <p:tag name="TEMPLAFYSLIDEID" val="636240379815028580"/>
 </p:tagLst>
 </file>
 
 <file path=ppt/tags/tag3.xml><?xml version="1.0" encoding="utf-8"?>
 <p:tagLst xmlns:a="http://schemas.openxmlformats.org/drawingml/2006/main" xmlns:r="http://schemas.openxmlformats.org/officeDocument/2006/relationships" xmlns:p="http://schemas.openxmlformats.org/presentationml/2006/main">
+  <p:tag name="TEMPLAFYSLIDEID" val="636240379814716092"/>
+</p:tagLst>
+</file>
+
+<file path=ppt/tags/tag4.xml><?xml version="1.0" encoding="utf-8"?>
+<p:tagLst xmlns:a="http://schemas.openxmlformats.org/drawingml/2006/main" xmlns:r="http://schemas.openxmlformats.org/officeDocument/2006/relationships" xmlns:p="http://schemas.openxmlformats.org/presentationml/2006/main">
   <p:tag name="TEMPLAFYSLIDEID" val="636240379815028580"/>
 </p:tagLst>
 </file>
 
-<file path=ppt/tags/tag4.xml><?xml version="1.0" encoding="utf-8"?>
+<file path=ppt/tags/tag5.xml><?xml version="1.0" encoding="utf-8"?>
 <p:tagLst xmlns:a="http://schemas.openxmlformats.org/drawingml/2006/main" xmlns:r="http://schemas.openxmlformats.org/officeDocument/2006/relationships" xmlns:p="http://schemas.openxmlformats.org/presentationml/2006/main">
   <p:tag name="TEMPLAFYSLIDEID" val="636240379815497340"/>
 </p:tagLst>
 </file>
 
 <file path=ppt/theme/theme1.xml><?xml version="1.0" encoding="utf-8"?>
-<a:theme xmlns:thm15="http://schemas.microsoft.com/office/thememl/2012/main" xmlns:a="http://schemas.openxmlformats.org/drawingml/2006/main" name="BSS 16:9">
+<a:theme xmlns:a="http://schemas.openxmlformats.org/drawingml/2006/main" name="BSS 16:9">
   <a:themeElements>
-    <a:clrScheme xmlns:a="http://schemas.openxmlformats.org/drawingml/2006/main" name="AU_Blue">
+    <a:clrScheme name="AU_Blue">
       <a:dk1>
         <a:srgbClr val="000000"/>
       </a:dk1>

--- a/SIR-PowerPoint-BSS.pptx
+++ b/SIR-PowerPoint-BSS.pptx
@@ -5,45 +5,50 @@
     <p:sldMasterId id="2147483648" r:id="rId1"/>
   </p:sldMasterIdLst>
   <p:notesMasterIdLst>
-    <p:notesMasterId r:id="rId8"/>
+    <p:notesMasterId r:id="rId13"/>
   </p:notesMasterIdLst>
   <p:handoutMasterIdLst>
-    <p:handoutMasterId r:id="rId9"/>
+    <p:handoutMasterId r:id="rId14"/>
   </p:handoutMasterIdLst>
   <p:sldIdLst>
     <p:sldId id="261" r:id="rId2"/>
     <p:sldId id="265" r:id="rId3"/>
-    <p:sldId id="264" r:id="rId4"/>
-    <p:sldId id="258" r:id="rId5"/>
-    <p:sldId id="263" r:id="rId6"/>
-    <p:sldId id="260" r:id="rId7"/>
+    <p:sldId id="266" r:id="rId4"/>
+    <p:sldId id="267" r:id="rId5"/>
+    <p:sldId id="268" r:id="rId6"/>
+    <p:sldId id="264" r:id="rId7"/>
+    <p:sldId id="271" r:id="rId8"/>
+    <p:sldId id="258" r:id="rId9"/>
+    <p:sldId id="270" r:id="rId10"/>
+    <p:sldId id="269" r:id="rId11"/>
+    <p:sldId id="260" r:id="rId12"/>
   </p:sldIdLst>
   <p:sldSz cx="12188825" cy="6858000"/>
   <p:notesSz cx="6858000" cy="9144000"/>
   <p:embeddedFontLst>
     <p:embeddedFont>
-      <p:font typeface="AU Passata" panose="020B0503030502030804" pitchFamily="34" charset="77"/>
-      <p:regular r:id="rId10"/>
-      <p:bold r:id="rId11"/>
+      <p:font typeface="AU Passata" panose="020B0604020202020204" charset="0"/>
+      <p:regular r:id="rId15"/>
+      <p:bold r:id="rId16"/>
     </p:embeddedFont>
     <p:embeddedFont>
-      <p:font typeface="AU Passata Light" panose="020B0303030902030804" pitchFamily="34" charset="77"/>
-      <p:regular r:id="rId12"/>
-      <p:bold r:id="rId13"/>
+      <p:font typeface="AU Passata Light" panose="020B0604020202020204" charset="0"/>
+      <p:regular r:id="rId17"/>
+      <p:bold r:id="rId18"/>
     </p:embeddedFont>
     <p:embeddedFont>
       <p:font typeface="Calibri" panose="020F0502020204030204" pitchFamily="34" charset="0"/>
-      <p:regular r:id="rId14"/>
-      <p:bold r:id="rId15"/>
-      <p:italic r:id="rId16"/>
-      <p:boldItalic r:id="rId17"/>
+      <p:regular r:id="rId19"/>
+      <p:bold r:id="rId20"/>
+      <p:italic r:id="rId21"/>
+      <p:boldItalic r:id="rId22"/>
     </p:embeddedFont>
     <p:embeddedFont>
       <p:font typeface="Georgia" panose="02040502050405020303" pitchFamily="18" charset="0"/>
-      <p:regular r:id="rId18"/>
-      <p:bold r:id="rId19"/>
-      <p:italic r:id="rId20"/>
-      <p:boldItalic r:id="rId21"/>
+      <p:regular r:id="rId23"/>
+      <p:bold r:id="rId24"/>
+      <p:italic r:id="rId25"/>
+      <p:boldItalic r:id="rId26"/>
     </p:embeddedFont>
   </p:embeddedFontLst>
   <p:defaultTextStyle>
@@ -224,6 +229,14 @@
 </p:presentation>
 </file>
 
+<file path=ppt/revisionInfo.xml><?xml version="1.0" encoding="utf-8"?>
+<p1510:revInfo xmlns:a="http://schemas.openxmlformats.org/drawingml/2006/main" xmlns:r="http://schemas.openxmlformats.org/officeDocument/2006/relationships" xmlns:p1510="http://schemas.microsoft.com/office/powerpoint/2015/10/main">
+  <p1510:revLst>
+    <p1510:client id="{FDA75250-D907-421B-8106-9C955D80066D}" v="40" dt="2021-04-27T09:02:37.146"/>
+  </p1510:revLst>
+</p1510:revInfo>
+</file>
+
 <file path=ppt/handoutMasters/handoutMaster1.xml><?xml version="1.0" encoding="utf-8"?>
 <p:handoutMaster xmlns:a="http://schemas.openxmlformats.org/drawingml/2006/main" xmlns:r="http://schemas.openxmlformats.org/officeDocument/2006/relationships" xmlns:p="http://schemas.openxmlformats.org/presentationml/2006/main">
   <p:cSld>
@@ -454,7 +467,7 @@
               <a:pPr>
                 <a:defRPr/>
               </a:pPr>
-              <a:t>‹#›</a:t>
+              <a:t>‹nr.›</a:t>
             </a:fld>
             <a:endParaRPr lang="en-GB" dirty="0"/>
           </a:p>
@@ -801,7 +814,7 @@
               <a:pPr>
                 <a:defRPr/>
               </a:pPr>
-              <a:t>‹#›</a:t>
+              <a:t>‹nr.›</a:t>
             </a:fld>
             <a:endParaRPr lang="en-GB" dirty="0"/>
           </a:p>
@@ -1101,7 +1114,7 @@
               <a:pPr>
                 <a:defRPr/>
               </a:pPr>
-              <a:t>4</a:t>
+              <a:t>3</a:t>
             </a:fld>
             <a:endParaRPr lang="en-GB" dirty="0"/>
           </a:p>
@@ -1110,7 +1123,7 @@
     </p:spTree>
     <p:extLst>
       <p:ext uri="{BB962C8B-B14F-4D97-AF65-F5344CB8AC3E}">
-        <p14:creationId xmlns:p14="http://schemas.microsoft.com/office/powerpoint/2010/main" val="2432168804"/>
+        <p14:creationId xmlns:p14="http://schemas.microsoft.com/office/powerpoint/2010/main" val="1170830348"/>
       </p:ext>
     </p:extLst>
   </p:cSld>
@@ -1191,7 +1204,621 @@
               <a:pPr>
                 <a:defRPr/>
               </a:pPr>
-              <a:t>6</a:t>
+              <a:t>4</a:t>
+            </a:fld>
+            <a:endParaRPr lang="en-GB" dirty="0"/>
+          </a:p>
+        </p:txBody>
+      </p:sp>
+    </p:spTree>
+    <p:extLst>
+      <p:ext uri="{BB962C8B-B14F-4D97-AF65-F5344CB8AC3E}">
+        <p14:creationId xmlns:p14="http://schemas.microsoft.com/office/powerpoint/2010/main" val="3638405404"/>
+      </p:ext>
+    </p:extLst>
+  </p:cSld>
+  <p:clrMapOvr>
+    <a:masterClrMapping/>
+  </p:clrMapOvr>
+</p:notes>
+</file>
+
+<file path=ppt/notesSlides/notesSlide4.xml><?xml version="1.0" encoding="utf-8"?>
+<p:notes xmlns:a="http://schemas.openxmlformats.org/drawingml/2006/main" xmlns:r="http://schemas.openxmlformats.org/officeDocument/2006/relationships" xmlns:p="http://schemas.openxmlformats.org/presentationml/2006/main">
+  <p:cSld>
+    <p:spTree>
+      <p:nvGrpSpPr>
+        <p:cNvPr id="1" name=""/>
+        <p:cNvGrpSpPr/>
+        <p:nvPr/>
+      </p:nvGrpSpPr>
+      <p:grpSpPr>
+        <a:xfrm>
+          <a:off x="0" y="0"/>
+          <a:ext cx="0" cy="0"/>
+          <a:chOff x="0" y="0"/>
+          <a:chExt cx="0" cy="0"/>
+        </a:xfrm>
+      </p:grpSpPr>
+      <p:sp>
+        <p:nvSpPr>
+          <p:cNvPr id="2" name="Pladsholder til slidebillede 1"/>
+          <p:cNvSpPr>
+            <a:spLocks noGrp="1" noRot="1" noChangeAspect="1"/>
+          </p:cNvSpPr>
+          <p:nvPr>
+            <p:ph type="sldImg"/>
+          </p:nvPr>
+        </p:nvSpPr>
+        <p:spPr/>
+      </p:sp>
+      <p:sp>
+        <p:nvSpPr>
+          <p:cNvPr id="3" name="Pladsholder til noter 2"/>
+          <p:cNvSpPr>
+            <a:spLocks noGrp="1"/>
+          </p:cNvSpPr>
+          <p:nvPr>
+            <p:ph type="body" idx="1"/>
+          </p:nvPr>
+        </p:nvSpPr>
+        <p:spPr/>
+        <p:txBody>
+          <a:bodyPr/>
+          <a:lstStyle/>
+          <a:p>
+            <a:endParaRPr lang="en-GB"/>
+          </a:p>
+        </p:txBody>
+      </p:sp>
+      <p:sp>
+        <p:nvSpPr>
+          <p:cNvPr id="4" name="Pladsholder til slidenummer 3"/>
+          <p:cNvSpPr>
+            <a:spLocks noGrp="1"/>
+          </p:cNvSpPr>
+          <p:nvPr>
+            <p:ph type="sldNum" sz="quarter" idx="10"/>
+          </p:nvPr>
+        </p:nvSpPr>
+        <p:spPr/>
+        <p:txBody>
+          <a:bodyPr/>
+          <a:lstStyle/>
+          <a:p>
+            <a:pPr>
+              <a:defRPr/>
+            </a:pPr>
+            <a:fld id="{72C160C3-3AB6-49C1-8001-AFDAD271EB5B}" type="slidenum">
+              <a:rPr lang="en-GB"/>
+              <a:pPr>
+                <a:defRPr/>
+              </a:pPr>
+              <a:t>5</a:t>
+            </a:fld>
+            <a:endParaRPr lang="en-GB" dirty="0"/>
+          </a:p>
+        </p:txBody>
+      </p:sp>
+    </p:spTree>
+    <p:extLst>
+      <p:ext uri="{BB962C8B-B14F-4D97-AF65-F5344CB8AC3E}">
+        <p14:creationId xmlns:p14="http://schemas.microsoft.com/office/powerpoint/2010/main" val="202055897"/>
+      </p:ext>
+    </p:extLst>
+  </p:cSld>
+  <p:clrMapOvr>
+    <a:masterClrMapping/>
+  </p:clrMapOvr>
+</p:notes>
+</file>
+
+<file path=ppt/notesSlides/notesSlide5.xml><?xml version="1.0" encoding="utf-8"?>
+<p:notes xmlns:a="http://schemas.openxmlformats.org/drawingml/2006/main" xmlns:r="http://schemas.openxmlformats.org/officeDocument/2006/relationships" xmlns:p="http://schemas.openxmlformats.org/presentationml/2006/main">
+  <p:cSld>
+    <p:spTree>
+      <p:nvGrpSpPr>
+        <p:cNvPr id="1" name=""/>
+        <p:cNvGrpSpPr/>
+        <p:nvPr/>
+      </p:nvGrpSpPr>
+      <p:grpSpPr>
+        <a:xfrm>
+          <a:off x="0" y="0"/>
+          <a:ext cx="0" cy="0"/>
+          <a:chOff x="0" y="0"/>
+          <a:chExt cx="0" cy="0"/>
+        </a:xfrm>
+      </p:grpSpPr>
+      <p:sp>
+        <p:nvSpPr>
+          <p:cNvPr id="2" name="Pladsholder til slidebillede 1"/>
+          <p:cNvSpPr>
+            <a:spLocks noGrp="1" noRot="1" noChangeAspect="1"/>
+          </p:cNvSpPr>
+          <p:nvPr>
+            <p:ph type="sldImg"/>
+          </p:nvPr>
+        </p:nvSpPr>
+        <p:spPr/>
+      </p:sp>
+      <p:sp>
+        <p:nvSpPr>
+          <p:cNvPr id="3" name="Pladsholder til noter 2"/>
+          <p:cNvSpPr>
+            <a:spLocks noGrp="1"/>
+          </p:cNvSpPr>
+          <p:nvPr>
+            <p:ph type="body" idx="1"/>
+          </p:nvPr>
+        </p:nvSpPr>
+        <p:spPr/>
+        <p:txBody>
+          <a:bodyPr/>
+          <a:lstStyle/>
+          <a:p>
+            <a:endParaRPr lang="en-GB"/>
+          </a:p>
+        </p:txBody>
+      </p:sp>
+      <p:sp>
+        <p:nvSpPr>
+          <p:cNvPr id="4" name="Pladsholder til slidenummer 3"/>
+          <p:cNvSpPr>
+            <a:spLocks noGrp="1"/>
+          </p:cNvSpPr>
+          <p:nvPr>
+            <p:ph type="sldNum" sz="quarter" idx="10"/>
+          </p:nvPr>
+        </p:nvSpPr>
+        <p:spPr/>
+        <p:txBody>
+          <a:bodyPr/>
+          <a:lstStyle/>
+          <a:p>
+            <a:pPr>
+              <a:defRPr/>
+            </a:pPr>
+            <a:fld id="{72C160C3-3AB6-49C1-8001-AFDAD271EB5B}" type="slidenum">
+              <a:rPr lang="en-GB"/>
+              <a:pPr>
+                <a:defRPr/>
+              </a:pPr>
+              <a:t>7</a:t>
+            </a:fld>
+            <a:endParaRPr lang="en-GB" dirty="0"/>
+          </a:p>
+        </p:txBody>
+      </p:sp>
+    </p:spTree>
+    <p:extLst>
+      <p:ext uri="{BB962C8B-B14F-4D97-AF65-F5344CB8AC3E}">
+        <p14:creationId xmlns:p14="http://schemas.microsoft.com/office/powerpoint/2010/main" val="1344523297"/>
+      </p:ext>
+    </p:extLst>
+  </p:cSld>
+  <p:clrMapOvr>
+    <a:masterClrMapping/>
+  </p:clrMapOvr>
+</p:notes>
+</file>
+
+<file path=ppt/notesSlides/notesSlide6.xml><?xml version="1.0" encoding="utf-8"?>
+<p:notes xmlns:a="http://schemas.openxmlformats.org/drawingml/2006/main" xmlns:r="http://schemas.openxmlformats.org/officeDocument/2006/relationships" xmlns:p="http://schemas.openxmlformats.org/presentationml/2006/main">
+  <p:cSld>
+    <p:spTree>
+      <p:nvGrpSpPr>
+        <p:cNvPr id="1" name=""/>
+        <p:cNvGrpSpPr/>
+        <p:nvPr/>
+      </p:nvGrpSpPr>
+      <p:grpSpPr>
+        <a:xfrm>
+          <a:off x="0" y="0"/>
+          <a:ext cx="0" cy="0"/>
+          <a:chOff x="0" y="0"/>
+          <a:chExt cx="0" cy="0"/>
+        </a:xfrm>
+      </p:grpSpPr>
+      <p:sp>
+        <p:nvSpPr>
+          <p:cNvPr id="2" name="Pladsholder til slidebillede 1"/>
+          <p:cNvSpPr>
+            <a:spLocks noGrp="1" noRot="1" noChangeAspect="1"/>
+          </p:cNvSpPr>
+          <p:nvPr>
+            <p:ph type="sldImg"/>
+          </p:nvPr>
+        </p:nvSpPr>
+        <p:spPr/>
+      </p:sp>
+      <p:sp>
+        <p:nvSpPr>
+          <p:cNvPr id="3" name="Pladsholder til noter 2"/>
+          <p:cNvSpPr>
+            <a:spLocks noGrp="1"/>
+          </p:cNvSpPr>
+          <p:nvPr>
+            <p:ph type="body" idx="1"/>
+          </p:nvPr>
+        </p:nvSpPr>
+        <p:spPr/>
+        <p:txBody>
+          <a:bodyPr/>
+          <a:lstStyle/>
+          <a:p>
+            <a:r>
+              <a:rPr lang="en-GB" dirty="0"/>
+              <a:t>This change affects agent </a:t>
+            </a:r>
+            <a:r>
+              <a:rPr lang="en-GB" dirty="0" err="1"/>
+              <a:t>behavior</a:t>
+            </a:r>
+            <a:r>
+              <a:rPr lang="en-GB" dirty="0"/>
+              <a:t>: only people with symptoms know they’re infected and start isolating</a:t>
+            </a:r>
+          </a:p>
+          <a:p>
+            <a:r>
+              <a:rPr lang="en-GB" dirty="0"/>
+              <a:t>Notice the non-linearity</a:t>
+            </a:r>
+          </a:p>
+          <a:p>
+            <a:r>
+              <a:rPr lang="en-GB" dirty="0"/>
+              <a:t>(also look at other plots, show in model run: productivity plot and % of people isolating. It’s all connected!</a:t>
+            </a:r>
+          </a:p>
+          <a:p>
+            <a:r>
+              <a:rPr lang="en-GB" dirty="0"/>
+              <a:t>Maybe mention: every run is different, so slight variation (these aren’t average plots, but just plots from single runs)</a:t>
+            </a:r>
+          </a:p>
+          <a:p>
+            <a:r>
+              <a:rPr lang="en-GB" dirty="0"/>
+              <a:t>(notice shorter timescale in the first plot)</a:t>
+            </a:r>
+          </a:p>
+          <a:p>
+            <a:pPr marL="0" marR="0" lvl="0" indent="0" algn="l" defTabSz="914400" rtl="0" eaLnBrk="0" fontAlgn="base" latinLnBrk="0" hangingPunct="0">
+              <a:lnSpc>
+                <a:spcPct val="100000"/>
+              </a:lnSpc>
+              <a:spcBef>
+                <a:spcPct val="30000"/>
+              </a:spcBef>
+              <a:spcAft>
+                <a:spcPct val="0"/>
+              </a:spcAft>
+              <a:buClrTx/>
+              <a:buSzTx/>
+              <a:buFontTx/>
+              <a:buNone/>
+              <a:tabLst/>
+              <a:defRPr/>
+            </a:pPr>
+            <a:r>
+              <a:rPr lang="en-GB" dirty="0"/>
+              <a:t>All other settings kept constant: initial rate 6%, no interventions, max people 100, 0.2% inf, 13 hours </a:t>
+            </a:r>
+            <a:r>
+              <a:rPr lang="en-GB" dirty="0" err="1"/>
+              <a:t>inc</a:t>
+            </a:r>
+            <a:r>
+              <a:rPr lang="en-GB" dirty="0"/>
+              <a:t>, 130 hours </a:t>
+            </a:r>
+            <a:r>
+              <a:rPr lang="en-GB" dirty="0" err="1"/>
+              <a:t>avg</a:t>
+            </a:r>
+            <a:r>
+              <a:rPr lang="en-GB" dirty="0"/>
+              <a:t> dur, isolate if friends isolate OFF</a:t>
+            </a:r>
+          </a:p>
+        </p:txBody>
+      </p:sp>
+      <p:sp>
+        <p:nvSpPr>
+          <p:cNvPr id="4" name="Pladsholder til slidenummer 3"/>
+          <p:cNvSpPr>
+            <a:spLocks noGrp="1"/>
+          </p:cNvSpPr>
+          <p:nvPr>
+            <p:ph type="sldNum" sz="quarter" idx="10"/>
+          </p:nvPr>
+        </p:nvSpPr>
+        <p:spPr/>
+        <p:txBody>
+          <a:bodyPr/>
+          <a:lstStyle/>
+          <a:p>
+            <a:pPr>
+              <a:defRPr/>
+            </a:pPr>
+            <a:fld id="{72C160C3-3AB6-49C1-8001-AFDAD271EB5B}" type="slidenum">
+              <a:rPr lang="en-GB"/>
+              <a:pPr>
+                <a:defRPr/>
+              </a:pPr>
+              <a:t>8</a:t>
+            </a:fld>
+            <a:endParaRPr lang="en-GB" dirty="0"/>
+          </a:p>
+        </p:txBody>
+      </p:sp>
+    </p:spTree>
+    <p:extLst>
+      <p:ext uri="{BB962C8B-B14F-4D97-AF65-F5344CB8AC3E}">
+        <p14:creationId xmlns:p14="http://schemas.microsoft.com/office/powerpoint/2010/main" val="2432168804"/>
+      </p:ext>
+    </p:extLst>
+  </p:cSld>
+  <p:clrMapOvr>
+    <a:masterClrMapping/>
+  </p:clrMapOvr>
+</p:notes>
+</file>
+
+<file path=ppt/notesSlides/notesSlide7.xml><?xml version="1.0" encoding="utf-8"?>
+<p:notes xmlns:a="http://schemas.openxmlformats.org/drawingml/2006/main" xmlns:r="http://schemas.openxmlformats.org/officeDocument/2006/relationships" xmlns:p="http://schemas.openxmlformats.org/presentationml/2006/main">
+  <p:cSld>
+    <p:spTree>
+      <p:nvGrpSpPr>
+        <p:cNvPr id="1" name=""/>
+        <p:cNvGrpSpPr/>
+        <p:nvPr/>
+      </p:nvGrpSpPr>
+      <p:grpSpPr>
+        <a:xfrm>
+          <a:off x="0" y="0"/>
+          <a:ext cx="0" cy="0"/>
+          <a:chOff x="0" y="0"/>
+          <a:chExt cx="0" cy="0"/>
+        </a:xfrm>
+      </p:grpSpPr>
+      <p:sp>
+        <p:nvSpPr>
+          <p:cNvPr id="2" name="Pladsholder til slidebillede 1"/>
+          <p:cNvSpPr>
+            <a:spLocks noGrp="1" noRot="1" noChangeAspect="1"/>
+          </p:cNvSpPr>
+          <p:nvPr>
+            <p:ph type="sldImg"/>
+          </p:nvPr>
+        </p:nvSpPr>
+        <p:spPr/>
+      </p:sp>
+      <p:sp>
+        <p:nvSpPr>
+          <p:cNvPr id="3" name="Pladsholder til noter 2"/>
+          <p:cNvSpPr>
+            <a:spLocks noGrp="1"/>
+          </p:cNvSpPr>
+          <p:nvPr>
+            <p:ph type="body" idx="1"/>
+          </p:nvPr>
+        </p:nvSpPr>
+        <p:spPr/>
+        <p:txBody>
+          <a:bodyPr/>
+          <a:lstStyle/>
+          <a:p>
+            <a:endParaRPr lang="en-GB"/>
+          </a:p>
+        </p:txBody>
+      </p:sp>
+      <p:sp>
+        <p:nvSpPr>
+          <p:cNvPr id="4" name="Pladsholder til slidenummer 3"/>
+          <p:cNvSpPr>
+            <a:spLocks noGrp="1"/>
+          </p:cNvSpPr>
+          <p:nvPr>
+            <p:ph type="sldNum" sz="quarter" idx="10"/>
+          </p:nvPr>
+        </p:nvSpPr>
+        <p:spPr/>
+        <p:txBody>
+          <a:bodyPr/>
+          <a:lstStyle/>
+          <a:p>
+            <a:pPr>
+              <a:defRPr/>
+            </a:pPr>
+            <a:fld id="{72C160C3-3AB6-49C1-8001-AFDAD271EB5B}" type="slidenum">
+              <a:rPr lang="en-GB"/>
+              <a:pPr>
+                <a:defRPr/>
+              </a:pPr>
+              <a:t>9</a:t>
+            </a:fld>
+            <a:endParaRPr lang="en-GB" dirty="0"/>
+          </a:p>
+        </p:txBody>
+      </p:sp>
+    </p:spTree>
+    <p:extLst>
+      <p:ext uri="{BB962C8B-B14F-4D97-AF65-F5344CB8AC3E}">
+        <p14:creationId xmlns:p14="http://schemas.microsoft.com/office/powerpoint/2010/main" val="2850374080"/>
+      </p:ext>
+    </p:extLst>
+  </p:cSld>
+  <p:clrMapOvr>
+    <a:masterClrMapping/>
+  </p:clrMapOvr>
+</p:notes>
+</file>
+
+<file path=ppt/notesSlides/notesSlide8.xml><?xml version="1.0" encoding="utf-8"?>
+<p:notes xmlns:a="http://schemas.openxmlformats.org/drawingml/2006/main" xmlns:r="http://schemas.openxmlformats.org/officeDocument/2006/relationships" xmlns:p="http://schemas.openxmlformats.org/presentationml/2006/main">
+  <p:cSld>
+    <p:spTree>
+      <p:nvGrpSpPr>
+        <p:cNvPr id="1" name=""/>
+        <p:cNvGrpSpPr/>
+        <p:nvPr/>
+      </p:nvGrpSpPr>
+      <p:grpSpPr>
+        <a:xfrm>
+          <a:off x="0" y="0"/>
+          <a:ext cx="0" cy="0"/>
+          <a:chOff x="0" y="0"/>
+          <a:chExt cx="0" cy="0"/>
+        </a:xfrm>
+      </p:grpSpPr>
+      <p:sp>
+        <p:nvSpPr>
+          <p:cNvPr id="2" name="Pladsholder til slidebillede 1"/>
+          <p:cNvSpPr>
+            <a:spLocks noGrp="1" noRot="1" noChangeAspect="1"/>
+          </p:cNvSpPr>
+          <p:nvPr>
+            <p:ph type="sldImg"/>
+          </p:nvPr>
+        </p:nvSpPr>
+        <p:spPr/>
+      </p:sp>
+      <p:sp>
+        <p:nvSpPr>
+          <p:cNvPr id="3" name="Pladsholder til noter 2"/>
+          <p:cNvSpPr>
+            <a:spLocks noGrp="1"/>
+          </p:cNvSpPr>
+          <p:nvPr>
+            <p:ph type="body" idx="1"/>
+          </p:nvPr>
+        </p:nvSpPr>
+        <p:spPr/>
+        <p:txBody>
+          <a:bodyPr/>
+          <a:lstStyle/>
+          <a:p>
+            <a:endParaRPr lang="en-GB"/>
+          </a:p>
+        </p:txBody>
+      </p:sp>
+      <p:sp>
+        <p:nvSpPr>
+          <p:cNvPr id="4" name="Pladsholder til slidenummer 3"/>
+          <p:cNvSpPr>
+            <a:spLocks noGrp="1"/>
+          </p:cNvSpPr>
+          <p:nvPr>
+            <p:ph type="sldNum" sz="quarter" idx="10"/>
+          </p:nvPr>
+        </p:nvSpPr>
+        <p:spPr/>
+        <p:txBody>
+          <a:bodyPr/>
+          <a:lstStyle/>
+          <a:p>
+            <a:pPr>
+              <a:defRPr/>
+            </a:pPr>
+            <a:fld id="{72C160C3-3AB6-49C1-8001-AFDAD271EB5B}" type="slidenum">
+              <a:rPr lang="en-GB"/>
+              <a:pPr>
+                <a:defRPr/>
+              </a:pPr>
+              <a:t>10</a:t>
+            </a:fld>
+            <a:endParaRPr lang="en-GB" dirty="0"/>
+          </a:p>
+        </p:txBody>
+      </p:sp>
+    </p:spTree>
+    <p:extLst>
+      <p:ext uri="{BB962C8B-B14F-4D97-AF65-F5344CB8AC3E}">
+        <p14:creationId xmlns:p14="http://schemas.microsoft.com/office/powerpoint/2010/main" val="3119578516"/>
+      </p:ext>
+    </p:extLst>
+  </p:cSld>
+  <p:clrMapOvr>
+    <a:masterClrMapping/>
+  </p:clrMapOvr>
+</p:notes>
+</file>
+
+<file path=ppt/notesSlides/notesSlide9.xml><?xml version="1.0" encoding="utf-8"?>
+<p:notes xmlns:a="http://schemas.openxmlformats.org/drawingml/2006/main" xmlns:r="http://schemas.openxmlformats.org/officeDocument/2006/relationships" xmlns:p="http://schemas.openxmlformats.org/presentationml/2006/main">
+  <p:cSld>
+    <p:spTree>
+      <p:nvGrpSpPr>
+        <p:cNvPr id="1" name=""/>
+        <p:cNvGrpSpPr/>
+        <p:nvPr/>
+      </p:nvGrpSpPr>
+      <p:grpSpPr>
+        <a:xfrm>
+          <a:off x="0" y="0"/>
+          <a:ext cx="0" cy="0"/>
+          <a:chOff x="0" y="0"/>
+          <a:chExt cx="0" cy="0"/>
+        </a:xfrm>
+      </p:grpSpPr>
+      <p:sp>
+        <p:nvSpPr>
+          <p:cNvPr id="2" name="Pladsholder til slidebillede 1"/>
+          <p:cNvSpPr>
+            <a:spLocks noGrp="1" noRot="1" noChangeAspect="1"/>
+          </p:cNvSpPr>
+          <p:nvPr>
+            <p:ph type="sldImg"/>
+          </p:nvPr>
+        </p:nvSpPr>
+        <p:spPr/>
+      </p:sp>
+      <p:sp>
+        <p:nvSpPr>
+          <p:cNvPr id="3" name="Pladsholder til noter 2"/>
+          <p:cNvSpPr>
+            <a:spLocks noGrp="1"/>
+          </p:cNvSpPr>
+          <p:nvPr>
+            <p:ph type="body" idx="1"/>
+          </p:nvPr>
+        </p:nvSpPr>
+        <p:spPr/>
+        <p:txBody>
+          <a:bodyPr/>
+          <a:lstStyle/>
+          <a:p>
+            <a:endParaRPr lang="en-GB"/>
+          </a:p>
+        </p:txBody>
+      </p:sp>
+      <p:sp>
+        <p:nvSpPr>
+          <p:cNvPr id="4" name="Pladsholder til slidenummer 3"/>
+          <p:cNvSpPr>
+            <a:spLocks noGrp="1"/>
+          </p:cNvSpPr>
+          <p:nvPr>
+            <p:ph type="sldNum" sz="quarter" idx="10"/>
+          </p:nvPr>
+        </p:nvSpPr>
+        <p:spPr/>
+        <p:txBody>
+          <a:bodyPr/>
+          <a:lstStyle/>
+          <a:p>
+            <a:pPr>
+              <a:defRPr/>
+            </a:pPr>
+            <a:fld id="{72C160C3-3AB6-49C1-8001-AFDAD271EB5B}" type="slidenum">
+              <a:rPr lang="en-GB"/>
+              <a:pPr>
+                <a:defRPr/>
+              </a:pPr>
+              <a:t>11</a:t>
             </a:fld>
             <a:endParaRPr lang="en-GB" dirty="0"/>
           </a:p>
@@ -1832,7 +2459,7 @@
               <a:pPr>
                 <a:defRPr/>
               </a:pPr>
-              <a:t>‹#›</a:t>
+              <a:t>‹nr.›</a:t>
             </a:fld>
             <a:endParaRPr lang="da-DK" dirty="0"/>
           </a:p>
@@ -1856,7 +2483,7 @@
             <a:fld id="{E7B83056-E73A-4EB1-8793-61FB59C07FBC}" type="datetimeFigureOut">
               <a:rPr lang="da-DK" smtClean="0"/>
               <a:pPr/>
-              <a:t>26.04.2021</a:t>
+              <a:t>27-04-2021</a:t>
             </a:fld>
             <a:r>
               <a:rPr lang="da-DK"/>
@@ -2037,7 +2664,7 @@
               <a:pPr>
                 <a:defRPr/>
               </a:pPr>
-              <a:t>‹#›</a:t>
+              <a:t>‹nr.›</a:t>
             </a:fld>
             <a:endParaRPr lang="da-DK" dirty="0"/>
           </a:p>
@@ -2061,7 +2688,7 @@
             <a:fld id="{E7B83056-E73A-4EB1-8793-61FB59C07FBC}" type="datetimeFigureOut">
               <a:rPr lang="da-DK" smtClean="0"/>
               <a:pPr/>
-              <a:t>26.04.2021</a:t>
+              <a:t>27-04-2021</a:t>
             </a:fld>
             <a:r>
               <a:rPr lang="da-DK"/>
@@ -2273,7 +2900,7 @@
               <a:pPr>
                 <a:defRPr/>
               </a:pPr>
-              <a:t>‹#›</a:t>
+              <a:t>‹nr.›</a:t>
             </a:fld>
             <a:endParaRPr lang="da-DK" dirty="0"/>
           </a:p>
@@ -2297,7 +2924,7 @@
             <a:fld id="{E7B83056-E73A-4EB1-8793-61FB59C07FBC}" type="datetimeFigureOut">
               <a:rPr lang="da-DK" smtClean="0"/>
               <a:pPr/>
-              <a:t>26.04.2021</a:t>
+              <a:t>27-04-2021</a:t>
             </a:fld>
             <a:r>
               <a:rPr lang="da-DK"/>
@@ -2438,7 +3065,7 @@
               <a:pPr>
                 <a:defRPr/>
               </a:pPr>
-              <a:t>‹#›</a:t>
+              <a:t>‹nr.›</a:t>
             </a:fld>
             <a:endParaRPr lang="da-DK" dirty="0"/>
           </a:p>
@@ -2462,7 +3089,7 @@
             <a:fld id="{E7B83056-E73A-4EB1-8793-61FB59C07FBC}" type="datetimeFigureOut">
               <a:rPr lang="da-DK" smtClean="0"/>
               <a:pPr/>
-              <a:t>26.04.2021</a:t>
+              <a:t>27-04-2021</a:t>
             </a:fld>
             <a:r>
               <a:rPr lang="da-DK"/>
@@ -2607,7 +3234,7 @@
               <a:pPr>
                 <a:defRPr/>
               </a:pPr>
-              <a:t>‹#›</a:t>
+              <a:t>‹nr.›</a:t>
             </a:fld>
             <a:endParaRPr lang="da-DK" dirty="0"/>
           </a:p>
@@ -2631,7 +3258,7 @@
             <a:fld id="{E7B83056-E73A-4EB1-8793-61FB59C07FBC}" type="datetimeFigureOut">
               <a:rPr lang="da-DK" smtClean="0"/>
               <a:pPr/>
-              <a:t>26.04.2021</a:t>
+              <a:t>27-04-2021</a:t>
             </a:fld>
             <a:r>
               <a:rPr lang="da-DK"/>
@@ -2874,7 +3501,7 @@
               <a:pPr>
                 <a:defRPr/>
               </a:pPr>
-              <a:t>‹#›</a:t>
+              <a:t>‹nr.›</a:t>
             </a:fld>
             <a:endParaRPr lang="da-DK" dirty="0"/>
           </a:p>
@@ -2898,7 +3525,7 @@
             <a:fld id="{E7B83056-E73A-4EB1-8793-61FB59C07FBC}" type="datetimeFigureOut">
               <a:rPr lang="da-DK" smtClean="0"/>
               <a:pPr/>
-              <a:t>26.04.2021</a:t>
+              <a:t>27-04-2021</a:t>
             </a:fld>
             <a:r>
               <a:rPr lang="da-DK"/>
@@ -3105,7 +3732,7 @@
               <a:pPr>
                 <a:defRPr/>
               </a:pPr>
-              <a:t>‹#›</a:t>
+              <a:t>‹nr.›</a:t>
             </a:fld>
             <a:endParaRPr lang="da-DK" dirty="0"/>
           </a:p>
@@ -3129,7 +3756,7 @@
             <a:fld id="{E7B83056-E73A-4EB1-8793-61FB59C07FBC}" type="datetimeFigureOut">
               <a:rPr lang="da-DK" smtClean="0"/>
               <a:pPr/>
-              <a:t>26.04.2021</a:t>
+              <a:t>27-04-2021</a:t>
             </a:fld>
             <a:r>
               <a:rPr lang="da-DK"/>
@@ -3296,7 +3923,7 @@
               <a:pPr>
                 <a:defRPr/>
               </a:pPr>
-              <a:t>‹#›</a:t>
+              <a:t>‹nr.›</a:t>
             </a:fld>
             <a:endParaRPr lang="da-DK" dirty="0"/>
           </a:p>
@@ -3320,7 +3947,7 @@
             <a:fld id="{E7B83056-E73A-4EB1-8793-61FB59C07FBC}" type="datetimeFigureOut">
               <a:rPr lang="da-DK" smtClean="0"/>
               <a:pPr/>
-              <a:t>26.04.2021</a:t>
+              <a:t>27-04-2021</a:t>
             </a:fld>
             <a:r>
               <a:rPr lang="da-DK"/>
@@ -3460,7 +4087,7 @@
               <a:pPr>
                 <a:defRPr/>
               </a:pPr>
-              <a:t>‹#›</a:t>
+              <a:t>‹nr.›</a:t>
             </a:fld>
             <a:endParaRPr lang="da-DK" dirty="0"/>
           </a:p>
@@ -3484,7 +4111,7 @@
             <a:fld id="{E7B83056-E73A-4EB1-8793-61FB59C07FBC}" type="datetimeFigureOut">
               <a:rPr lang="da-DK" smtClean="0"/>
               <a:pPr/>
-              <a:t>26.04.2021</a:t>
+              <a:t>27-04-2021</a:t>
             </a:fld>
             <a:r>
               <a:rPr lang="da-DK"/>
@@ -3638,7 +4265,7 @@
             <a:fld id="{E7B83056-E73A-4EB1-8793-61FB59C07FBC}" type="datetimeFigureOut">
               <a:rPr lang="da-DK" smtClean="0"/>
               <a:pPr/>
-              <a:t>26.04.2021</a:t>
+              <a:t>27-04-2021</a:t>
             </a:fld>
             <a:r>
               <a:rPr lang="da-DK"/>
@@ -3700,7 +4327,7 @@
               <a:pPr>
                 <a:defRPr/>
               </a:pPr>
-              <a:t>‹#›</a:t>
+              <a:t>‹nr.›</a:t>
             </a:fld>
             <a:endParaRPr lang="da-DK" dirty="0"/>
           </a:p>
@@ -3942,7 +4569,7 @@
             <a:fld id="{E7B83056-E73A-4EB1-8793-61FB59C07FBC}" type="datetimeFigureOut">
               <a:rPr lang="da-DK" smtClean="0"/>
               <a:pPr/>
-              <a:t>26.04.2021</a:t>
+              <a:t>27-04-2021</a:t>
             </a:fld>
             <a:r>
               <a:rPr lang="da-DK"/>
@@ -4009,7 +4636,7 @@
               <a:pPr>
                 <a:defRPr/>
               </a:pPr>
-              <a:t>‹#›</a:t>
+              <a:t>‹nr.›</a:t>
             </a:fld>
             <a:endParaRPr lang="da-DK" dirty="0"/>
           </a:p>
@@ -4772,7 +5399,7 @@
               <a:pPr>
                 <a:defRPr/>
               </a:pPr>
-              <a:t>‹#›</a:t>
+              <a:t>‹nr.›</a:t>
             </a:fld>
             <a:endParaRPr lang="da-DK" dirty="0"/>
           </a:p>
@@ -4796,7 +5423,7 @@
             <a:fld id="{E7B83056-E73A-4EB1-8793-61FB59C07FBC}" type="datetimeFigureOut">
               <a:rPr lang="da-DK" smtClean="0"/>
               <a:pPr/>
-              <a:t>26.04.2021</a:t>
+              <a:t>27-04-2021</a:t>
             </a:fld>
             <a:r>
               <a:rPr lang="da-DK"/>
@@ -5471,7 +6098,7 @@
               <a:pPr>
                 <a:defRPr/>
               </a:pPr>
-              <a:t>‹#›</a:t>
+              <a:t>‹nr.›</a:t>
             </a:fld>
             <a:endParaRPr lang="da-DK" dirty="0"/>
           </a:p>
@@ -5495,7 +6122,7 @@
             <a:fld id="{E7B83056-E73A-4EB1-8793-61FB59C07FBC}" type="datetimeFigureOut">
               <a:rPr lang="da-DK" smtClean="0"/>
               <a:pPr/>
-              <a:t>26.04.2021</a:t>
+              <a:t>27-04-2021</a:t>
             </a:fld>
             <a:r>
               <a:rPr lang="da-DK"/>
@@ -5757,7 +6384,7 @@
               <a:pPr>
                 <a:defRPr/>
               </a:pPr>
-              <a:t>‹#›</a:t>
+              <a:t>‹nr.›</a:t>
             </a:fld>
             <a:endParaRPr lang="da-DK" dirty="0"/>
           </a:p>
@@ -5781,7 +6408,7 @@
             <a:fld id="{E7B83056-E73A-4EB1-8793-61FB59C07FBC}" type="datetimeFigureOut">
               <a:rPr lang="da-DK" smtClean="0"/>
               <a:pPr/>
-              <a:t>26.04.2021</a:t>
+              <a:t>27-04-2021</a:t>
             </a:fld>
             <a:r>
               <a:rPr lang="da-DK"/>
@@ -6126,7 +6753,7 @@
               <a:pPr>
                 <a:defRPr/>
               </a:pPr>
-              <a:t>‹#›</a:t>
+              <a:t>‹nr.›</a:t>
             </a:fld>
             <a:endParaRPr lang="da-DK" dirty="0"/>
           </a:p>
@@ -6150,7 +6777,7 @@
             <a:fld id="{E7B83056-E73A-4EB1-8793-61FB59C07FBC}" type="datetimeFigureOut">
               <a:rPr lang="da-DK" smtClean="0"/>
               <a:pPr/>
-              <a:t>26.04.2021</a:t>
+              <a:t>27-04-2021</a:t>
             </a:fld>
             <a:r>
               <a:rPr lang="da-DK"/>
@@ -6548,7 +7175,7 @@
               <a:pPr>
                 <a:defRPr/>
               </a:pPr>
-              <a:t>‹#›</a:t>
+              <a:t>‹nr.›</a:t>
             </a:fld>
             <a:endParaRPr lang="da-DK" dirty="0"/>
           </a:p>
@@ -6572,7 +7199,7 @@
             <a:fld id="{E7B83056-E73A-4EB1-8793-61FB59C07FBC}" type="datetimeFigureOut">
               <a:rPr lang="da-DK" smtClean="0"/>
               <a:pPr/>
-              <a:t>26.04.2021</a:t>
+              <a:t>27-04-2021</a:t>
             </a:fld>
             <a:r>
               <a:rPr lang="da-DK"/>
@@ -6983,7 +7610,7 @@
               <a:pPr>
                 <a:defRPr/>
               </a:pPr>
-              <a:t>‹#›</a:t>
+              <a:t>‹nr.›</a:t>
             </a:fld>
             <a:endParaRPr lang="da-DK" dirty="0"/>
           </a:p>
@@ -7007,7 +7634,7 @@
             <a:fld id="{E7B83056-E73A-4EB1-8793-61FB59C07FBC}" type="datetimeFigureOut">
               <a:rPr lang="da-DK" smtClean="0"/>
               <a:pPr/>
-              <a:t>26.04.2021</a:t>
+              <a:t>27-04-2021</a:t>
             </a:fld>
             <a:r>
               <a:rPr lang="da-DK"/>
@@ -7146,7 +7773,7 @@
               <a:pPr>
                 <a:defRPr/>
               </a:pPr>
-              <a:t>‹#›</a:t>
+              <a:t>‹nr.›</a:t>
             </a:fld>
             <a:endParaRPr lang="da-DK" dirty="0"/>
           </a:p>
@@ -7170,7 +7797,7 @@
             <a:fld id="{E7B83056-E73A-4EB1-8793-61FB59C07FBC}" type="datetimeFigureOut">
               <a:rPr lang="da-DK" smtClean="0"/>
               <a:pPr/>
-              <a:t>26.04.2021</a:t>
+              <a:t>27-04-2021</a:t>
             </a:fld>
             <a:r>
               <a:rPr lang="da-DK"/>
@@ -7322,7 +7949,7 @@
               <a:pPr>
                 <a:defRPr/>
               </a:pPr>
-              <a:t>‹#›</a:t>
+              <a:t>‹nr.›</a:t>
             </a:fld>
             <a:endParaRPr lang="da-DK" dirty="0"/>
           </a:p>
@@ -7346,7 +7973,7 @@
             <a:fld id="{E7B83056-E73A-4EB1-8793-61FB59C07FBC}" type="datetimeFigureOut">
               <a:rPr lang="da-DK" smtClean="0"/>
               <a:pPr/>
-              <a:t>26.04.2021</a:t>
+              <a:t>27-04-2021</a:t>
             </a:fld>
             <a:r>
               <a:rPr lang="da-DK"/>
@@ -8123,7 +8750,7 @@
               <a:pPr>
                 <a:defRPr/>
               </a:pPr>
-              <a:t>‹#›</a:t>
+              <a:t>‹nr.›</a:t>
             </a:fld>
             <a:endParaRPr lang="da-DK" dirty="0"/>
           </a:p>
@@ -8161,7 +8788,7 @@
             <a:fld id="{E7B83056-E73A-4EB1-8793-61FB59C07FBC}" type="datetimeFigureOut">
               <a:rPr lang="da-DK" smtClean="0"/>
               <a:pPr/>
-              <a:t>26.04.2021</a:t>
+              <a:t>27-04-2021</a:t>
             </a:fld>
             <a:r>
               <a:rPr lang="da-DK"/>
@@ -8765,11 +9392,28 @@
             <p:ph type="ctrTitle"/>
           </p:nvPr>
         </p:nvSpPr>
-        <p:spPr/>
+        <p:spPr>
+          <a:xfrm>
+            <a:off x="985838" y="2897841"/>
+            <a:ext cx="10220325" cy="830997"/>
+          </a:xfrm>
+        </p:spPr>
         <p:txBody>
           <a:bodyPr/>
           <a:lstStyle/>
           <a:p>
+            <a:r>
+              <a:rPr lang="da-DK" dirty="0" err="1"/>
+              <a:t>this</a:t>
+            </a:r>
+            <a:r>
+              <a:rPr lang="da-DK" dirty="0"/>
+              <a:t> is a </a:t>
+            </a:r>
+            <a:r>
+              <a:rPr lang="da-DK" dirty="0" err="1"/>
+              <a:t>title</a:t>
+            </a:r>
             <a:endParaRPr lang="da-DK" dirty="0"/>
           </a:p>
         </p:txBody>
@@ -8781,6 +9425,294 @@
     <p:extLst>
       <p:ext uri="{BB962C8B-B14F-4D97-AF65-F5344CB8AC3E}">
         <p14:creationId xmlns:p14="http://schemas.microsoft.com/office/powerpoint/2010/main" val="948320703"/>
+      </p:ext>
+    </p:extLst>
+  </p:cSld>
+  <p:clrMapOvr>
+    <a:masterClrMapping/>
+  </p:clrMapOvr>
+</p:sld>
+</file>
+
+<file path=ppt/slides/slide10.xml><?xml version="1.0" encoding="utf-8"?>
+<p:sld xmlns:a="http://schemas.openxmlformats.org/drawingml/2006/main" xmlns:r="http://schemas.openxmlformats.org/officeDocument/2006/relationships" xmlns:p="http://schemas.openxmlformats.org/presentationml/2006/main">
+  <p:cSld>
+    <p:spTree>
+      <p:nvGrpSpPr>
+        <p:cNvPr id="1" name=""/>
+        <p:cNvGrpSpPr/>
+        <p:nvPr/>
+      </p:nvGrpSpPr>
+      <p:grpSpPr>
+        <a:xfrm>
+          <a:off x="0" y="0"/>
+          <a:ext cx="0" cy="0"/>
+          <a:chOff x="0" y="0"/>
+          <a:chExt cx="0" cy="0"/>
+        </a:xfrm>
+      </p:grpSpPr>
+      <p:sp>
+        <p:nvSpPr>
+          <p:cNvPr id="4" name="Title 3"/>
+          <p:cNvSpPr>
+            <a:spLocks noGrp="1"/>
+          </p:cNvSpPr>
+          <p:nvPr>
+            <p:ph type="title"/>
+          </p:nvPr>
+        </p:nvSpPr>
+        <p:spPr/>
+        <p:txBody>
+          <a:bodyPr/>
+          <a:lstStyle/>
+          <a:p>
+            <a:r>
+              <a:rPr lang="da-DK" dirty="0"/>
+              <a:t>Try it out for </a:t>
+            </a:r>
+            <a:r>
+              <a:rPr lang="da-DK" dirty="0" err="1"/>
+              <a:t>yourself</a:t>
+            </a:r>
+            <a:r>
+              <a:rPr lang="da-DK" dirty="0"/>
+              <a:t>!</a:t>
+            </a:r>
+          </a:p>
+        </p:txBody>
+      </p:sp>
+      <p:sp>
+        <p:nvSpPr>
+          <p:cNvPr id="5" name="Content Placeholder 4"/>
+          <p:cNvSpPr>
+            <a:spLocks noGrp="1"/>
+          </p:cNvSpPr>
+          <p:nvPr>
+            <p:ph idx="1"/>
+          </p:nvPr>
+        </p:nvSpPr>
+        <p:spPr/>
+        <p:txBody>
+          <a:bodyPr/>
+          <a:lstStyle/>
+          <a:p>
+            <a:pPr marL="342900" indent="-342900">
+              <a:buFont typeface="Arial" panose="020B0604020202020204" pitchFamily="34" charset="0"/>
+              <a:buChar char="•"/>
+            </a:pPr>
+            <a:r>
+              <a:rPr lang="da-DK" dirty="0"/>
+              <a:t>Download the model at (LINK)</a:t>
+            </a:r>
+          </a:p>
+          <a:p>
+            <a:pPr marL="342900" indent="-342900">
+              <a:buFont typeface="Arial" panose="020B0604020202020204" pitchFamily="34" charset="0"/>
+              <a:buChar char="•"/>
+            </a:pPr>
+            <a:r>
+              <a:rPr lang="da-DK" dirty="0" err="1"/>
+              <a:t>Documentation</a:t>
+            </a:r>
+            <a:r>
+              <a:rPr lang="da-DK" dirty="0"/>
+              <a:t> at (LINK)</a:t>
+            </a:r>
+          </a:p>
+          <a:p>
+            <a:pPr marL="342900" indent="-342900">
+              <a:buFont typeface="Arial" panose="020B0604020202020204" pitchFamily="34" charset="0"/>
+              <a:buChar char="•"/>
+            </a:pPr>
+            <a:endParaRPr lang="da-DK" dirty="0"/>
+          </a:p>
+          <a:p>
+            <a:pPr marL="342900" indent="-342900">
+              <a:buFont typeface="Arial" panose="020B0604020202020204" pitchFamily="34" charset="0"/>
+              <a:buChar char="•"/>
+            </a:pPr>
+            <a:endParaRPr lang="da-DK" dirty="0"/>
+          </a:p>
+          <a:p>
+            <a:pPr marL="342900" indent="-342900">
+              <a:buFont typeface="Arial" panose="020B0604020202020204" pitchFamily="34" charset="0"/>
+              <a:buChar char="•"/>
+            </a:pPr>
+            <a:r>
+              <a:rPr lang="da-DK" dirty="0"/>
+              <a:t>(more </a:t>
+            </a:r>
+            <a:r>
+              <a:rPr lang="da-DK" dirty="0" err="1"/>
+              <a:t>things</a:t>
+            </a:r>
+            <a:r>
+              <a:rPr lang="da-DK" dirty="0"/>
+              <a:t> to </a:t>
+            </a:r>
+            <a:r>
+              <a:rPr lang="da-DK" dirty="0" err="1"/>
+              <a:t>try</a:t>
+            </a:r>
+            <a:r>
+              <a:rPr lang="da-DK" dirty="0"/>
+              <a:t>?)</a:t>
+            </a:r>
+          </a:p>
+          <a:p>
+            <a:pPr marL="342900" indent="-342900">
+              <a:buFont typeface="Arial" panose="020B0604020202020204" pitchFamily="34" charset="0"/>
+              <a:buChar char="•"/>
+            </a:pPr>
+            <a:r>
+              <a:rPr lang="da-DK" dirty="0"/>
+              <a:t>(</a:t>
+            </a:r>
+            <a:r>
+              <a:rPr lang="da-DK" dirty="0" err="1"/>
+              <a:t>contact</a:t>
+            </a:r>
+            <a:r>
+              <a:rPr lang="da-DK" dirty="0"/>
+              <a:t> info?)</a:t>
+            </a:r>
+          </a:p>
+        </p:txBody>
+      </p:sp>
+      <p:pic>
+        <p:nvPicPr>
+          <p:cNvPr id="6" name="Picture 2">
+            <a:extLst>
+              <a:ext uri="{FF2B5EF4-FFF2-40B4-BE49-F238E27FC236}">
+                <a16:creationId xmlns:a16="http://schemas.microsoft.com/office/drawing/2014/main" id="{8E63D211-B6EE-44D2-8DBC-2B2411ACA7E2}"/>
+              </a:ext>
+            </a:extLst>
+          </p:cNvPr>
+          <p:cNvPicPr>
+            <a:picLocks noChangeAspect="1" noChangeArrowheads="1"/>
+          </p:cNvPicPr>
+          <p:nvPr/>
+        </p:nvPicPr>
+        <p:blipFill>
+          <a:blip r:embed="rId4">
+            <a:extLst>
+              <a:ext uri="{28A0092B-C50C-407E-A947-70E740481C1C}">
+                <a14:useLocalDpi xmlns:a14="http://schemas.microsoft.com/office/drawing/2010/main" val="0"/>
+              </a:ext>
+            </a:extLst>
+          </a:blip>
+          <a:srcRect/>
+          <a:stretch>
+            <a:fillRect/>
+          </a:stretch>
+        </p:blipFill>
+        <p:spPr bwMode="auto">
+          <a:xfrm>
+            <a:off x="8824913" y="1556792"/>
+            <a:ext cx="2381250" cy="2381250"/>
+          </a:xfrm>
+          <a:prstGeom prst="rect">
+            <a:avLst/>
+          </a:prstGeom>
+          <a:noFill/>
+          <a:extLst>
+            <a:ext uri="{909E8E84-426E-40DD-AFC4-6F175D3DCCD1}">
+              <a14:hiddenFill xmlns:a14="http://schemas.microsoft.com/office/drawing/2010/main">
+                <a:solidFill>
+                  <a:srgbClr val="FFFFFF"/>
+                </a:solidFill>
+              </a14:hiddenFill>
+            </a:ext>
+          </a:extLst>
+        </p:spPr>
+      </p:pic>
+      <p:pic>
+        <p:nvPicPr>
+          <p:cNvPr id="7" name="Picture 2" descr="logo">
+            <a:extLst>
+              <a:ext uri="{FF2B5EF4-FFF2-40B4-BE49-F238E27FC236}">
+                <a16:creationId xmlns:a16="http://schemas.microsoft.com/office/drawing/2014/main" id="{59DD93EE-560B-4DB9-9A91-7519E5573FF1}"/>
+              </a:ext>
+            </a:extLst>
+          </p:cNvPr>
+          <p:cNvPicPr>
+            <a:picLocks noChangeAspect="1" noChangeArrowheads="1"/>
+          </p:cNvPicPr>
+          <p:nvPr/>
+        </p:nvPicPr>
+        <p:blipFill>
+          <a:blip r:embed="rId5">
+            <a:extLst>
+              <a:ext uri="{28A0092B-C50C-407E-A947-70E740481C1C}">
+                <a14:useLocalDpi xmlns:a14="http://schemas.microsoft.com/office/drawing/2010/main" val="0"/>
+              </a:ext>
+            </a:extLst>
+          </a:blip>
+          <a:srcRect/>
+          <a:stretch>
+            <a:fillRect/>
+          </a:stretch>
+        </p:blipFill>
+        <p:spPr bwMode="auto">
+          <a:xfrm>
+            <a:off x="8386445" y="3970015"/>
+            <a:ext cx="2816542" cy="489833"/>
+          </a:xfrm>
+          <a:prstGeom prst="rect">
+            <a:avLst/>
+          </a:prstGeom>
+          <a:noFill/>
+          <a:extLst>
+            <a:ext uri="{909E8E84-426E-40DD-AFC4-6F175D3DCCD1}">
+              <a14:hiddenFill xmlns:a14="http://schemas.microsoft.com/office/drawing/2010/main">
+                <a:solidFill>
+                  <a:srgbClr val="FFFFFF"/>
+                </a:solidFill>
+              </a14:hiddenFill>
+            </a:ext>
+          </a:extLst>
+        </p:spPr>
+      </p:pic>
+    </p:spTree>
+    <p:custDataLst>
+      <p:tags r:id="rId1"/>
+    </p:custDataLst>
+    <p:extLst>
+      <p:ext uri="{BB962C8B-B14F-4D97-AF65-F5344CB8AC3E}">
+        <p14:creationId xmlns:p14="http://schemas.microsoft.com/office/powerpoint/2010/main" val="919421716"/>
+      </p:ext>
+    </p:extLst>
+  </p:cSld>
+  <p:clrMapOvr>
+    <a:masterClrMapping/>
+  </p:clrMapOvr>
+</p:sld>
+</file>
+
+<file path=ppt/slides/slide11.xml><?xml version="1.0" encoding="utf-8"?>
+<p:sld xmlns:a="http://schemas.openxmlformats.org/drawingml/2006/main" xmlns:r="http://schemas.openxmlformats.org/officeDocument/2006/relationships" xmlns:p="http://schemas.openxmlformats.org/presentationml/2006/main">
+  <p:cSld>
+    <p:spTree>
+      <p:nvGrpSpPr>
+        <p:cNvPr id="1" name=""/>
+        <p:cNvGrpSpPr/>
+        <p:nvPr/>
+      </p:nvGrpSpPr>
+      <p:grpSpPr>
+        <a:xfrm>
+          <a:off x="0" y="0"/>
+          <a:ext cx="0" cy="0"/>
+          <a:chOff x="0" y="0"/>
+          <a:chExt cx="0" cy="0"/>
+        </a:xfrm>
+      </p:grpSpPr>
+    </p:spTree>
+    <p:custDataLst>
+      <p:tags r:id="rId1"/>
+    </p:custDataLst>
+    <p:extLst>
+      <p:ext uri="{BB962C8B-B14F-4D97-AF65-F5344CB8AC3E}">
+        <p14:creationId xmlns:p14="http://schemas.microsoft.com/office/powerpoint/2010/main" val="2139698179"/>
       </p:ext>
     </p:extLst>
   </p:cSld>
@@ -9077,7 +10009,7 @@
       </p:grpSpPr>
       <p:sp>
         <p:nvSpPr>
-          <p:cNvPr id="3" name="Title 2"/>
+          <p:cNvPr id="4" name="Title 3"/>
           <p:cNvSpPr>
             <a:spLocks noGrp="1"/>
           </p:cNvSpPr>
@@ -9090,7 +10022,15 @@
           <a:bodyPr/>
           <a:lstStyle/>
           <a:p>
-            <a:endParaRPr lang="da-DK"/>
+            <a:r>
+              <a:rPr lang="da-DK" dirty="0"/>
+              <a:t>Agent </a:t>
+            </a:r>
+            <a:r>
+              <a:rPr lang="da-DK" dirty="0" err="1"/>
+              <a:t>behavior</a:t>
+            </a:r>
+            <a:endParaRPr lang="da-DK" dirty="0"/>
           </a:p>
         </p:txBody>
       </p:sp>
@@ -9109,17 +10049,178 @@
           <a:bodyPr/>
           <a:lstStyle/>
           <a:p>
-            <a:endParaRPr lang="da-DK" dirty="0"/>
-          </a:p>
-        </p:txBody>
-      </p:sp>
+            <a:pPr marL="342900" indent="-342900">
+              <a:buFont typeface="Arial" panose="020B0604020202020204" pitchFamily="34" charset="0"/>
+              <a:buChar char="•"/>
+            </a:pPr>
+            <a:r>
+              <a:rPr lang="en-GB" dirty="0"/>
+              <a:t>Inhabitants in a town (population ≈ 1500)</a:t>
+            </a:r>
+          </a:p>
+          <a:p>
+            <a:pPr marL="342900" indent="-342900">
+              <a:buFont typeface="Arial" panose="020B0604020202020204" pitchFamily="34" charset="0"/>
+              <a:buChar char="•"/>
+            </a:pPr>
+            <a:r>
+              <a:rPr lang="en-GB" dirty="0"/>
+              <a:t>Households of 1-6 people</a:t>
+            </a:r>
+          </a:p>
+          <a:p>
+            <a:pPr marL="342900" indent="-342900">
+              <a:buFont typeface="Arial" panose="020B0604020202020204" pitchFamily="34" charset="0"/>
+              <a:buChar char="•"/>
+            </a:pPr>
+            <a:r>
+              <a:rPr lang="en-GB" dirty="0"/>
+              <a:t>They attend school or work, go to bars and stores, and visit friends</a:t>
+            </a:r>
+          </a:p>
+          <a:p>
+            <a:pPr marL="342900" indent="-342900">
+              <a:buFont typeface="Arial" panose="020B0604020202020204" pitchFamily="34" charset="0"/>
+              <a:buChar char="•"/>
+            </a:pPr>
+            <a:r>
+              <a:rPr lang="en-GB" dirty="0"/>
+              <a:t>Agent </a:t>
+            </a:r>
+            <a:r>
+              <a:rPr lang="en-GB" dirty="0" err="1"/>
+              <a:t>behavior</a:t>
+            </a:r>
+            <a:r>
+              <a:rPr lang="en-GB" dirty="0"/>
+              <a:t> depends on their age group (child, young adult, adult, elder)</a:t>
+            </a:r>
+          </a:p>
+          <a:p>
+            <a:pPr marL="342900" indent="-342900">
+              <a:buFont typeface="Arial" panose="020B0604020202020204" pitchFamily="34" charset="0"/>
+              <a:buChar char="•"/>
+            </a:pPr>
+            <a:r>
+              <a:rPr lang="en-GB" dirty="0"/>
+              <a:t>Every agent also has a different level of social needs which affects how often they attend social events</a:t>
+            </a:r>
+          </a:p>
+          <a:p>
+            <a:pPr>
+              <a:buNone/>
+            </a:pPr>
+            <a:r>
+              <a:rPr lang="en-GB" b="1" dirty="0"/>
+              <a:t>But now, a new virus is spreading!</a:t>
+            </a:r>
+          </a:p>
+          <a:p>
+            <a:pPr marL="342900" indent="-342900">
+              <a:buFont typeface="Arial" panose="020B0604020202020204" pitchFamily="34" charset="0"/>
+              <a:buChar char="•"/>
+            </a:pPr>
+            <a:r>
+              <a:rPr lang="en-GB" dirty="0"/>
+              <a:t>The colour of a building indicates the number of infected people there</a:t>
+            </a:r>
+          </a:p>
+          <a:p>
+            <a:pPr marL="342900" indent="-342900">
+              <a:buFont typeface="Arial" panose="020B0604020202020204" pitchFamily="34" charset="0"/>
+              <a:buChar char="•"/>
+            </a:pPr>
+            <a:r>
+              <a:rPr lang="en-GB" dirty="0"/>
+              <a:t>If an agent shows symptoms, they will self isolate in their home</a:t>
+            </a:r>
+          </a:p>
+          <a:p>
+            <a:pPr marL="342900" indent="-342900">
+              <a:buFont typeface="Arial" panose="020B0604020202020204" pitchFamily="34" charset="0"/>
+              <a:buChar char="•"/>
+            </a:pPr>
+            <a:r>
+              <a:rPr lang="en-GB" dirty="0"/>
+              <a:t>Agents can infect other agents who are in the same building</a:t>
+            </a:r>
+          </a:p>
+          <a:p>
+            <a:pPr marL="342900" indent="-342900">
+              <a:buFont typeface="Arial" panose="020B0604020202020204" pitchFamily="34" charset="0"/>
+              <a:buChar char="•"/>
+            </a:pPr>
+            <a:endParaRPr lang="en-GB" dirty="0"/>
+          </a:p>
+          <a:p>
+            <a:pPr>
+              <a:buNone/>
+            </a:pPr>
+            <a:r>
+              <a:rPr lang="en-GB" dirty="0"/>
+              <a:t>A simulation run stops when there are no infected people left.</a:t>
+            </a:r>
+          </a:p>
+          <a:p>
+            <a:pPr marL="342900" indent="-342900"/>
+            <a:endParaRPr lang="en-GB" dirty="0"/>
+          </a:p>
+        </p:txBody>
+      </p:sp>
+      <p:pic>
+        <p:nvPicPr>
+          <p:cNvPr id="1026" name="Picture 2">
+            <a:extLst>
+              <a:ext uri="{FF2B5EF4-FFF2-40B4-BE49-F238E27FC236}">
+                <a16:creationId xmlns:a16="http://schemas.microsoft.com/office/drawing/2014/main" id="{51E8AFB1-E654-4C3E-92CD-779159AFFF1B}"/>
+              </a:ext>
+            </a:extLst>
+          </p:cNvPr>
+          <p:cNvPicPr>
+            <a:picLocks noChangeAspect="1" noChangeArrowheads="1"/>
+          </p:cNvPicPr>
+          <p:nvPr/>
+        </p:nvPicPr>
+        <p:blipFill>
+          <a:blip r:embed="rId4">
+            <a:extLst>
+              <a:ext uri="{28A0092B-C50C-407E-A947-70E740481C1C}">
+                <a14:useLocalDpi xmlns:a14="http://schemas.microsoft.com/office/drawing/2010/main" val="0"/>
+              </a:ext>
+            </a:extLst>
+          </a:blip>
+          <a:srcRect/>
+          <a:stretch>
+            <a:fillRect/>
+          </a:stretch>
+        </p:blipFill>
+        <p:spPr bwMode="auto">
+          <a:xfrm>
+            <a:off x="9622804" y="3501008"/>
+            <a:ext cx="1749151" cy="1311863"/>
+          </a:xfrm>
+          <a:prstGeom prst="rect">
+            <a:avLst/>
+          </a:prstGeom>
+          <a:noFill/>
+          <a:extLst>
+            <a:ext uri="{909E8E84-426E-40DD-AFC4-6F175D3DCCD1}">
+              <a14:hiddenFill xmlns:a14="http://schemas.microsoft.com/office/drawing/2010/main">
+                <a:solidFill>
+                  <a:srgbClr val="FFFFFF"/>
+                </a:solidFill>
+              </a14:hiddenFill>
+            </a:ext>
+          </a:extLst>
+        </p:spPr>
+      </p:pic>
     </p:spTree>
     <p:custDataLst>
       <p:tags r:id="rId1"/>
     </p:custDataLst>
     <p:extLst>
       <p:ext uri="{BB962C8B-B14F-4D97-AF65-F5344CB8AC3E}">
-        <p14:creationId xmlns:p14="http://schemas.microsoft.com/office/powerpoint/2010/main" val="1530734200"/>
+        <p14:creationId xmlns:p14="http://schemas.microsoft.com/office/powerpoint/2010/main" val="451522939"/>
       </p:ext>
     </p:extLst>
   </p:cSld>
@@ -9161,7 +10262,10 @@
           <a:bodyPr/>
           <a:lstStyle/>
           <a:p>
-            <a:endParaRPr lang="da-DK" dirty="0"/>
+            <a:r>
+              <a:rPr lang="da-DK" dirty="0"/>
+              <a:t>The University curricular unit</a:t>
+            </a:r>
           </a:p>
         </p:txBody>
       </p:sp>
@@ -9180,17 +10284,73 @@
           <a:bodyPr/>
           <a:lstStyle/>
           <a:p>
-            <a:endParaRPr lang="da-DK"/>
-          </a:p>
-        </p:txBody>
-      </p:sp>
+            <a:pPr>
+              <a:buNone/>
+            </a:pPr>
+            <a:r>
+              <a:rPr lang="en-GB" b="1" dirty="0"/>
+              <a:t>Theory of Science, BA and MA (2-hour lecture &amp; workshop)</a:t>
+            </a:r>
+          </a:p>
+          <a:p>
+            <a:pPr marL="342900" indent="-342900">
+              <a:buFont typeface="Arial" panose="020B0604020202020204" pitchFamily="34" charset="0"/>
+              <a:buChar char="•"/>
+            </a:pPr>
+            <a:r>
+              <a:rPr lang="en-GB" dirty="0"/>
+              <a:t>What are models, and how do they embody ‘theory’?</a:t>
+            </a:r>
+          </a:p>
+          <a:p>
+            <a:pPr marL="342900" indent="-342900">
+              <a:buFont typeface="Arial" panose="020B0604020202020204" pitchFamily="34" charset="0"/>
+              <a:buChar char="•"/>
+            </a:pPr>
+            <a:r>
+              <a:rPr lang="en-GB" dirty="0"/>
+              <a:t>What are the limitations of models, and how does that affect what we can know with a model?</a:t>
+            </a:r>
+          </a:p>
+        </p:txBody>
+      </p:sp>
+      <p:pic>
+        <p:nvPicPr>
+          <p:cNvPr id="7" name="Billede 6">
+            <a:extLst>
+              <a:ext uri="{FF2B5EF4-FFF2-40B4-BE49-F238E27FC236}">
+                <a16:creationId xmlns:a16="http://schemas.microsoft.com/office/drawing/2014/main" id="{9FF4D61A-E1DE-48B4-BC53-DFDA7D53DA7C}"/>
+              </a:ext>
+            </a:extLst>
+          </p:cNvPr>
+          <p:cNvPicPr>
+            <a:picLocks noChangeAspect="1"/>
+          </p:cNvPicPr>
+          <p:nvPr/>
+        </p:nvPicPr>
+        <p:blipFill>
+          <a:blip r:embed="rId4"/>
+          <a:stretch>
+            <a:fillRect/>
+          </a:stretch>
+        </p:blipFill>
+        <p:spPr>
+          <a:xfrm>
+            <a:off x="1269876" y="2780928"/>
+            <a:ext cx="9131882" cy="2994060"/>
+          </a:xfrm>
+          <a:prstGeom prst="rect">
+            <a:avLst/>
+          </a:prstGeom>
+        </p:spPr>
+      </p:pic>
     </p:spTree>
     <p:custDataLst>
       <p:tags r:id="rId1"/>
     </p:custDataLst>
     <p:extLst>
       <p:ext uri="{BB962C8B-B14F-4D97-AF65-F5344CB8AC3E}">
-        <p14:creationId xmlns:p14="http://schemas.microsoft.com/office/powerpoint/2010/main" val="3535925220"/>
+        <p14:creationId xmlns:p14="http://schemas.microsoft.com/office/powerpoint/2010/main" val="819556888"/>
       </p:ext>
     </p:extLst>
   </p:cSld>
@@ -9219,12 +10379,12 @@
       </p:grpSpPr>
       <p:sp>
         <p:nvSpPr>
-          <p:cNvPr id="2" name="Pladsholder til dato 1"/>
+          <p:cNvPr id="4" name="Title 3"/>
           <p:cNvSpPr>
             <a:spLocks noGrp="1"/>
           </p:cNvSpPr>
           <p:nvPr>
-            <p:ph type="dt" sz="half" idx="13"/>
+            <p:ph type="title"/>
           </p:nvPr>
         </p:nvSpPr>
         <p:spPr/>
@@ -9232,50 +10392,177 @@
           <a:bodyPr/>
           <a:lstStyle/>
           <a:p>
-            <a:fld id="{9996539C-B37C-4908-B12B-A43712A9FA19}" type="datetime1">
-              <a:rPr lang="da-DK" smtClean="0"/>
-              <a:t>26.04.2021</a:t>
-            </a:fld>
-            <a:endParaRPr lang="da-DK"/>
-          </a:p>
-        </p:txBody>
-      </p:sp>
-      <p:sp>
-        <p:nvSpPr>
-          <p:cNvPr id="3" name="Pladsholder til tekst 2"/>
+            <a:r>
+              <a:rPr lang="da-DK" dirty="0"/>
+              <a:t>Widgets and interface</a:t>
+            </a:r>
+          </a:p>
+        </p:txBody>
+      </p:sp>
+      <p:sp>
+        <p:nvSpPr>
+          <p:cNvPr id="5" name="Content Placeholder 4"/>
           <p:cNvSpPr>
             <a:spLocks noGrp="1"/>
           </p:cNvSpPr>
           <p:nvPr>
-            <p:ph type="body" sz="quarter" idx="16"/>
-          </p:nvPr>
-        </p:nvSpPr>
-        <p:spPr/>
+            <p:ph idx="1"/>
+          </p:nvPr>
+        </p:nvSpPr>
+        <p:spPr>
+          <a:xfrm>
+            <a:off x="315913" y="3546469"/>
+            <a:ext cx="11556000" cy="2347917"/>
+          </a:xfrm>
+        </p:spPr>
         <p:txBody>
           <a:bodyPr/>
           <a:lstStyle/>
           <a:p>
-            <a:pPr lvl="0"/>
-            <a:r>
-              <a:rPr lang="da-DK" dirty="0"/>
-              <a:t>Insert Quote text, for next level ENTER and TAB</a:t>
-            </a:r>
-            <a:endParaRPr lang="da-DK"/>
-          </a:p>
-          <a:p>
-            <a:pPr lvl="1"/>
-            <a:r>
-              <a:rPr lang="da-DK" dirty="0"/>
-              <a:t>Insert Name</a:t>
-            </a:r>
-            <a:endParaRPr lang="da-DK"/>
-          </a:p>
-        </p:txBody>
-      </p:sp>
+            <a:pPr marL="342900" indent="-342900">
+              <a:buFont typeface="Arial" panose="020B0604020202020204" pitchFamily="34" charset="0"/>
+              <a:buChar char="•"/>
+            </a:pPr>
+            <a:r>
+              <a:rPr lang="en-GB" dirty="0"/>
+              <a:t>Interventions can be activated before or during a model run. They limit agents’ activities.</a:t>
+            </a:r>
+          </a:p>
+          <a:p>
+            <a:pPr marL="342900" indent="-342900">
+              <a:buFont typeface="Arial" panose="020B0604020202020204" pitchFamily="34" charset="0"/>
+              <a:buChar char="•"/>
+            </a:pPr>
+            <a:r>
+              <a:rPr lang="en-GB" dirty="0"/>
+              <a:t>Assumptions (virological, economic, behavioural) are set before a model run. They affect how the virus spreads, how productive agents are in different situations, and how agents react if their friends start self isolating</a:t>
+            </a:r>
+          </a:p>
+        </p:txBody>
+      </p:sp>
+      <p:pic>
+        <p:nvPicPr>
+          <p:cNvPr id="7" name="Billede 6">
+            <a:extLst>
+              <a:ext uri="{FF2B5EF4-FFF2-40B4-BE49-F238E27FC236}">
+                <a16:creationId xmlns:a16="http://schemas.microsoft.com/office/drawing/2014/main" id="{9D708188-1BBC-4FC7-9E6E-FB199E7163FF}"/>
+              </a:ext>
+            </a:extLst>
+          </p:cNvPr>
+          <p:cNvPicPr>
+            <a:picLocks noChangeAspect="1"/>
+          </p:cNvPicPr>
+          <p:nvPr/>
+        </p:nvPicPr>
+        <p:blipFill rotWithShape="1">
+          <a:blip r:embed="rId4"/>
+          <a:srcRect t="63540" b="18630"/>
+          <a:stretch/>
+        </p:blipFill>
+        <p:spPr>
+          <a:xfrm>
+            <a:off x="6272279" y="1373021"/>
+            <a:ext cx="2800350" cy="1080120"/>
+          </a:xfrm>
+          <a:prstGeom prst="rect">
+            <a:avLst/>
+          </a:prstGeom>
+        </p:spPr>
+      </p:pic>
+      <p:pic>
+        <p:nvPicPr>
+          <p:cNvPr id="8" name="Billede 7">
+            <a:extLst>
+              <a:ext uri="{FF2B5EF4-FFF2-40B4-BE49-F238E27FC236}">
+                <a16:creationId xmlns:a16="http://schemas.microsoft.com/office/drawing/2014/main" id="{D55B5FD9-B79F-4639-AB2C-0F89643AE348}"/>
+              </a:ext>
+            </a:extLst>
+          </p:cNvPr>
+          <p:cNvPicPr>
+            <a:picLocks noChangeAspect="1"/>
+          </p:cNvPicPr>
+          <p:nvPr/>
+        </p:nvPicPr>
+        <p:blipFill rotWithShape="1">
+          <a:blip r:embed="rId4"/>
+          <a:srcRect b="67906"/>
+          <a:stretch/>
+        </p:blipFill>
+        <p:spPr>
+          <a:xfrm>
+            <a:off x="315913" y="1367316"/>
+            <a:ext cx="2800350" cy="1944216"/>
+          </a:xfrm>
+          <a:prstGeom prst="rect">
+            <a:avLst/>
+          </a:prstGeom>
+        </p:spPr>
+      </p:pic>
+      <p:pic>
+        <p:nvPicPr>
+          <p:cNvPr id="11" name="Billede 10">
+            <a:extLst>
+              <a:ext uri="{FF2B5EF4-FFF2-40B4-BE49-F238E27FC236}">
+                <a16:creationId xmlns:a16="http://schemas.microsoft.com/office/drawing/2014/main" id="{1D0CD208-394D-48C2-8CCB-55DD9DA134B5}"/>
+              </a:ext>
+            </a:extLst>
+          </p:cNvPr>
+          <p:cNvPicPr>
+            <a:picLocks noChangeAspect="1"/>
+          </p:cNvPicPr>
+          <p:nvPr/>
+        </p:nvPicPr>
+        <p:blipFill rotWithShape="1">
+          <a:blip r:embed="rId5"/>
+          <a:srcRect r="42126" b="30807"/>
+          <a:stretch/>
+        </p:blipFill>
+        <p:spPr>
+          <a:xfrm>
+            <a:off x="3293563" y="1367316"/>
+            <a:ext cx="2800350" cy="1944216"/>
+          </a:xfrm>
+          <a:prstGeom prst="rect">
+            <a:avLst/>
+          </a:prstGeom>
+        </p:spPr>
+      </p:pic>
+      <p:pic>
+        <p:nvPicPr>
+          <p:cNvPr id="12" name="Billede 11">
+            <a:extLst>
+              <a:ext uri="{FF2B5EF4-FFF2-40B4-BE49-F238E27FC236}">
+                <a16:creationId xmlns:a16="http://schemas.microsoft.com/office/drawing/2014/main" id="{1FC7A9B4-6D23-48D2-BB81-00ED25DE9F7B}"/>
+              </a:ext>
+            </a:extLst>
+          </p:cNvPr>
+          <p:cNvPicPr>
+            <a:picLocks noChangeAspect="1"/>
+          </p:cNvPicPr>
+          <p:nvPr/>
+        </p:nvPicPr>
+        <p:blipFill rotWithShape="1">
+          <a:blip r:embed="rId4"/>
+          <a:srcRect l="1987" t="80405" r="-1987" b="151"/>
+          <a:stretch/>
+        </p:blipFill>
+        <p:spPr>
+          <a:xfrm>
+            <a:off x="9250995" y="1373021"/>
+            <a:ext cx="2800350" cy="1177863"/>
+          </a:xfrm>
+          <a:prstGeom prst="rect">
+            <a:avLst/>
+          </a:prstGeom>
+        </p:spPr>
+      </p:pic>
     </p:spTree>
+    <p:custDataLst>
+      <p:tags r:id="rId1"/>
+    </p:custDataLst>
     <p:extLst>
       <p:ext uri="{BB962C8B-B14F-4D97-AF65-F5344CB8AC3E}">
-        <p14:creationId xmlns:p14="http://schemas.microsoft.com/office/powerpoint/2010/main" val="3521598155"/>
+        <p14:creationId xmlns:p14="http://schemas.microsoft.com/office/powerpoint/2010/main" val="2706432166"/>
       </p:ext>
     </p:extLst>
   </p:cSld>
@@ -9302,13 +10589,1299 @@
           <a:chExt cx="0" cy="0"/>
         </a:xfrm>
       </p:grpSpPr>
+      <p:sp>
+        <p:nvSpPr>
+          <p:cNvPr id="3" name="Title 2"/>
+          <p:cNvSpPr>
+            <a:spLocks noGrp="1"/>
+          </p:cNvSpPr>
+          <p:nvPr>
+            <p:ph type="title"/>
+          </p:nvPr>
+        </p:nvSpPr>
+        <p:spPr/>
+        <p:txBody>
+          <a:bodyPr/>
+          <a:lstStyle/>
+          <a:p>
+            <a:r>
+              <a:rPr lang="da-DK" dirty="0" err="1"/>
+              <a:t>What</a:t>
+            </a:r>
+            <a:r>
+              <a:rPr lang="da-DK" dirty="0"/>
+              <a:t> big </a:t>
+            </a:r>
+            <a:r>
+              <a:rPr lang="da-DK" dirty="0" err="1"/>
+              <a:t>question</a:t>
+            </a:r>
+            <a:r>
+              <a:rPr lang="da-DK" dirty="0"/>
+              <a:t> </a:t>
+            </a:r>
+            <a:r>
+              <a:rPr lang="da-DK" dirty="0" err="1"/>
+              <a:t>does</a:t>
+            </a:r>
+            <a:r>
+              <a:rPr lang="da-DK" dirty="0"/>
+              <a:t> the model </a:t>
+            </a:r>
+            <a:r>
+              <a:rPr lang="da-DK" dirty="0" err="1"/>
+              <a:t>answer</a:t>
+            </a:r>
+            <a:r>
+              <a:rPr lang="da-DK" dirty="0"/>
+              <a:t>?</a:t>
+            </a:r>
+          </a:p>
+        </p:txBody>
+      </p:sp>
+      <p:sp>
+        <p:nvSpPr>
+          <p:cNvPr id="5" name="Content Placeholder 4"/>
+          <p:cNvSpPr>
+            <a:spLocks noGrp="1"/>
+          </p:cNvSpPr>
+          <p:nvPr>
+            <p:ph idx="1"/>
+          </p:nvPr>
+        </p:nvSpPr>
+        <p:spPr/>
+        <p:txBody>
+          <a:bodyPr/>
+          <a:lstStyle/>
+          <a:p>
+            <a:pPr marL="342900" indent="-342900">
+              <a:buFont typeface="Arial" panose="020B0604020202020204" pitchFamily="34" charset="0"/>
+              <a:buChar char="•"/>
+            </a:pPr>
+            <a:r>
+              <a:rPr lang="da-DK" dirty="0"/>
+              <a:t>(How </a:t>
+            </a:r>
+            <a:r>
+              <a:rPr lang="da-DK" dirty="0" err="1"/>
+              <a:t>can</a:t>
+            </a:r>
+            <a:r>
+              <a:rPr lang="da-DK" dirty="0"/>
+              <a:t> </a:t>
+            </a:r>
+            <a:r>
+              <a:rPr lang="da-DK" dirty="0" err="1"/>
+              <a:t>we</a:t>
+            </a:r>
+            <a:r>
+              <a:rPr lang="da-DK" dirty="0"/>
+              <a:t> strike a balance </a:t>
+            </a:r>
+            <a:r>
+              <a:rPr lang="da-DK" dirty="0" err="1"/>
+              <a:t>between</a:t>
+            </a:r>
+            <a:r>
+              <a:rPr lang="da-DK" dirty="0"/>
+              <a:t> a </a:t>
+            </a:r>
+            <a:r>
+              <a:rPr lang="da-DK" dirty="0" err="1"/>
+              <a:t>healthy</a:t>
+            </a:r>
+            <a:r>
+              <a:rPr lang="da-DK" dirty="0"/>
+              <a:t> population/</a:t>
+            </a:r>
+            <a:r>
+              <a:rPr lang="da-DK" dirty="0" err="1"/>
+              <a:t>good</a:t>
+            </a:r>
+            <a:r>
+              <a:rPr lang="da-DK" dirty="0"/>
+              <a:t> public </a:t>
+            </a:r>
+            <a:r>
+              <a:rPr lang="da-DK" dirty="0" err="1"/>
+              <a:t>health</a:t>
+            </a:r>
+            <a:r>
+              <a:rPr lang="da-DK" dirty="0"/>
+              <a:t> and a </a:t>
+            </a:r>
+            <a:r>
+              <a:rPr lang="da-DK" dirty="0" err="1"/>
+              <a:t>healthy</a:t>
+            </a:r>
+            <a:r>
+              <a:rPr lang="da-DK" dirty="0"/>
+              <a:t> </a:t>
+            </a:r>
+            <a:r>
+              <a:rPr lang="da-DK" dirty="0" err="1"/>
+              <a:t>economy</a:t>
+            </a:r>
+            <a:r>
+              <a:rPr lang="da-DK" dirty="0"/>
+              <a:t> </a:t>
+            </a:r>
+            <a:r>
+              <a:rPr lang="da-DK" dirty="0" err="1"/>
+              <a:t>during</a:t>
+            </a:r>
+            <a:r>
+              <a:rPr lang="da-DK" dirty="0"/>
+              <a:t> an </a:t>
+            </a:r>
+            <a:r>
+              <a:rPr lang="da-DK" dirty="0" err="1"/>
+              <a:t>epidemic</a:t>
+            </a:r>
+            <a:r>
+              <a:rPr lang="da-DK" dirty="0"/>
+              <a:t>?)</a:t>
+            </a:r>
+          </a:p>
+          <a:p>
+            <a:pPr marL="774900" lvl="1" indent="-342900"/>
+            <a:r>
+              <a:rPr lang="da-DK" dirty="0"/>
+              <a:t>(men nej – for det er jo bare </a:t>
+            </a:r>
+            <a:r>
+              <a:rPr lang="da-DK" dirty="0" err="1"/>
+              <a:t>productivity</a:t>
+            </a:r>
+            <a:r>
+              <a:rPr lang="da-DK" dirty="0"/>
+              <a:t> </a:t>
+            </a:r>
+            <a:r>
+              <a:rPr lang="da-DK" dirty="0" err="1"/>
+              <a:t>assumptions</a:t>
+            </a:r>
+            <a:r>
+              <a:rPr lang="da-DK" dirty="0"/>
+              <a:t>? @Arthur?)</a:t>
+            </a:r>
+          </a:p>
+          <a:p>
+            <a:pPr marL="342900" indent="-342900">
+              <a:buFont typeface="Arial" panose="020B0604020202020204" pitchFamily="34" charset="0"/>
+              <a:buChar char="•"/>
+            </a:pPr>
+            <a:endParaRPr lang="da-DK" dirty="0"/>
+          </a:p>
+          <a:p>
+            <a:pPr marL="342900" indent="-342900">
+              <a:buFont typeface="Arial" panose="020B0604020202020204" pitchFamily="34" charset="0"/>
+              <a:buChar char="•"/>
+            </a:pPr>
+            <a:r>
+              <a:rPr lang="da-DK" dirty="0"/>
+              <a:t>(</a:t>
+            </a:r>
+            <a:r>
+              <a:rPr lang="da-DK" dirty="0" err="1"/>
+              <a:t>another</a:t>
+            </a:r>
+            <a:r>
+              <a:rPr lang="da-DK" dirty="0"/>
+              <a:t> BIG </a:t>
+            </a:r>
+            <a:r>
+              <a:rPr lang="da-DK" dirty="0" err="1"/>
+              <a:t>question</a:t>
+            </a:r>
+            <a:r>
+              <a:rPr lang="da-DK" dirty="0"/>
+              <a:t>?)</a:t>
+            </a:r>
+          </a:p>
+          <a:p>
+            <a:pPr marL="342900" indent="-342900">
+              <a:buFont typeface="Arial" panose="020B0604020202020204" pitchFamily="34" charset="0"/>
+              <a:buChar char="•"/>
+            </a:pPr>
+            <a:endParaRPr lang="da-DK" dirty="0"/>
+          </a:p>
+          <a:p>
+            <a:pPr marL="342900" indent="-342900">
+              <a:buFont typeface="Arial" panose="020B0604020202020204" pitchFamily="34" charset="0"/>
+              <a:buChar char="•"/>
+            </a:pPr>
+            <a:endParaRPr lang="da-DK" dirty="0"/>
+          </a:p>
+          <a:p>
+            <a:pPr marL="342900" indent="-342900">
+              <a:buFont typeface="Arial" panose="020B0604020202020204" pitchFamily="34" charset="0"/>
+              <a:buChar char="•"/>
+            </a:pPr>
+            <a:endParaRPr lang="da-DK" dirty="0"/>
+          </a:p>
+          <a:p>
+            <a:pPr marL="342900" indent="-342900">
+              <a:buFont typeface="Arial" panose="020B0604020202020204" pitchFamily="34" charset="0"/>
+              <a:buChar char="•"/>
+            </a:pPr>
+            <a:r>
+              <a:rPr lang="da-DK" dirty="0"/>
+              <a:t>The model </a:t>
+            </a:r>
+            <a:r>
+              <a:rPr lang="da-DK" dirty="0" err="1"/>
+              <a:t>may</a:t>
+            </a:r>
+            <a:r>
+              <a:rPr lang="da-DK" dirty="0"/>
+              <a:t> not give </a:t>
+            </a:r>
+            <a:r>
+              <a:rPr lang="da-DK" dirty="0" err="1"/>
+              <a:t>specific</a:t>
+            </a:r>
+            <a:r>
+              <a:rPr lang="da-DK" dirty="0"/>
+              <a:t> </a:t>
+            </a:r>
+            <a:r>
+              <a:rPr lang="da-DK" dirty="0" err="1"/>
+              <a:t>answers</a:t>
+            </a:r>
+            <a:r>
+              <a:rPr lang="da-DK" dirty="0"/>
+              <a:t>, but it </a:t>
+            </a:r>
+            <a:r>
+              <a:rPr lang="da-DK" dirty="0" err="1"/>
+              <a:t>allows</a:t>
+            </a:r>
+            <a:r>
+              <a:rPr lang="da-DK" dirty="0"/>
+              <a:t> </a:t>
+            </a:r>
+            <a:r>
+              <a:rPr lang="da-DK" dirty="0" err="1"/>
+              <a:t>us</a:t>
+            </a:r>
+            <a:r>
+              <a:rPr lang="da-DK" dirty="0"/>
+              <a:t> to ask </a:t>
+            </a:r>
+            <a:r>
+              <a:rPr lang="da-DK" dirty="0" err="1"/>
+              <a:t>better</a:t>
+            </a:r>
+            <a:r>
+              <a:rPr lang="da-DK" dirty="0"/>
+              <a:t> </a:t>
+            </a:r>
+            <a:r>
+              <a:rPr lang="da-DK" dirty="0" err="1"/>
+              <a:t>questions</a:t>
+            </a:r>
+            <a:endParaRPr lang="da-DK" dirty="0"/>
+          </a:p>
+        </p:txBody>
+      </p:sp>
     </p:spTree>
     <p:custDataLst>
       <p:tags r:id="rId1"/>
     </p:custDataLst>
     <p:extLst>
       <p:ext uri="{BB962C8B-B14F-4D97-AF65-F5344CB8AC3E}">
-        <p14:creationId xmlns:p14="http://schemas.microsoft.com/office/powerpoint/2010/main" val="2139698179"/>
+        <p14:creationId xmlns:p14="http://schemas.microsoft.com/office/powerpoint/2010/main" val="1530734200"/>
+      </p:ext>
+    </p:extLst>
+  </p:cSld>
+  <p:clrMapOvr>
+    <a:masterClrMapping/>
+  </p:clrMapOvr>
+</p:sld>
+</file>
+
+<file path=ppt/slides/slide7.xml><?xml version="1.0" encoding="utf-8"?>
+<p:sld xmlns:a="http://schemas.openxmlformats.org/drawingml/2006/main" xmlns:r="http://schemas.openxmlformats.org/officeDocument/2006/relationships" xmlns:p="http://schemas.openxmlformats.org/presentationml/2006/main">
+  <p:cSld>
+    <p:spTree>
+      <p:nvGrpSpPr>
+        <p:cNvPr id="1" name=""/>
+        <p:cNvGrpSpPr/>
+        <p:nvPr/>
+      </p:nvGrpSpPr>
+      <p:grpSpPr>
+        <a:xfrm>
+          <a:off x="0" y="0"/>
+          <a:ext cx="0" cy="0"/>
+          <a:chOff x="0" y="0"/>
+          <a:chExt cx="0" cy="0"/>
+        </a:xfrm>
+      </p:grpSpPr>
+      <p:sp>
+        <p:nvSpPr>
+          <p:cNvPr id="4" name="Title 3"/>
+          <p:cNvSpPr>
+            <a:spLocks noGrp="1"/>
+          </p:cNvSpPr>
+          <p:nvPr>
+            <p:ph type="title"/>
+          </p:nvPr>
+        </p:nvSpPr>
+        <p:spPr/>
+        <p:txBody>
+          <a:bodyPr/>
+          <a:lstStyle/>
+          <a:p>
+            <a:r>
+              <a:rPr lang="da-DK" dirty="0"/>
+              <a:t>(cut to </a:t>
+            </a:r>
+            <a:r>
+              <a:rPr lang="da-DK" dirty="0" err="1"/>
+              <a:t>showing</a:t>
+            </a:r>
+            <a:r>
+              <a:rPr lang="da-DK" dirty="0"/>
+              <a:t> the model in action)</a:t>
+            </a:r>
+          </a:p>
+        </p:txBody>
+      </p:sp>
+      <p:sp>
+        <p:nvSpPr>
+          <p:cNvPr id="5" name="Content Placeholder 4"/>
+          <p:cNvSpPr>
+            <a:spLocks noGrp="1"/>
+          </p:cNvSpPr>
+          <p:nvPr>
+            <p:ph idx="1"/>
+          </p:nvPr>
+        </p:nvSpPr>
+        <p:spPr/>
+        <p:txBody>
+          <a:bodyPr/>
+          <a:lstStyle/>
+          <a:p>
+            <a:r>
+              <a:rPr lang="da-DK" dirty="0"/>
+              <a:t>(screen </a:t>
+            </a:r>
+            <a:r>
+              <a:rPr lang="da-DK" dirty="0" err="1"/>
+              <a:t>capture</a:t>
+            </a:r>
+            <a:r>
+              <a:rPr lang="da-DK" dirty="0"/>
+              <a:t>, video)</a:t>
+            </a:r>
+          </a:p>
+        </p:txBody>
+      </p:sp>
+    </p:spTree>
+    <p:custDataLst>
+      <p:tags r:id="rId1"/>
+    </p:custDataLst>
+    <p:extLst>
+      <p:ext uri="{BB962C8B-B14F-4D97-AF65-F5344CB8AC3E}">
+        <p14:creationId xmlns:p14="http://schemas.microsoft.com/office/powerpoint/2010/main" val="163092905"/>
+      </p:ext>
+    </p:extLst>
+  </p:cSld>
+  <p:clrMapOvr>
+    <a:masterClrMapping/>
+  </p:clrMapOvr>
+</p:sld>
+</file>
+
+<file path=ppt/slides/slide8.xml><?xml version="1.0" encoding="utf-8"?>
+<p:sld xmlns:a="http://schemas.openxmlformats.org/drawingml/2006/main" xmlns:r="http://schemas.openxmlformats.org/officeDocument/2006/relationships" xmlns:p="http://schemas.openxmlformats.org/presentationml/2006/main">
+  <p:cSld>
+    <p:spTree>
+      <p:nvGrpSpPr>
+        <p:cNvPr id="1" name=""/>
+        <p:cNvGrpSpPr/>
+        <p:nvPr/>
+      </p:nvGrpSpPr>
+      <p:grpSpPr>
+        <a:xfrm>
+          <a:off x="0" y="0"/>
+          <a:ext cx="0" cy="0"/>
+          <a:chOff x="0" y="0"/>
+          <a:chExt cx="0" cy="0"/>
+        </a:xfrm>
+      </p:grpSpPr>
+      <p:sp>
+        <p:nvSpPr>
+          <p:cNvPr id="4" name="Title 3"/>
+          <p:cNvSpPr>
+            <a:spLocks noGrp="1"/>
+          </p:cNvSpPr>
+          <p:nvPr>
+            <p:ph type="title"/>
+          </p:nvPr>
+        </p:nvSpPr>
+        <p:spPr/>
+        <p:txBody>
+          <a:bodyPr/>
+          <a:lstStyle/>
+          <a:p>
+            <a:r>
+              <a:rPr lang="da-DK" dirty="0"/>
+              <a:t>(</a:t>
+            </a:r>
+            <a:r>
+              <a:rPr lang="da-DK" dirty="0" err="1"/>
+              <a:t>Specific</a:t>
+            </a:r>
+            <a:r>
+              <a:rPr lang="da-DK" dirty="0"/>
+              <a:t> </a:t>
+            </a:r>
+            <a:r>
+              <a:rPr lang="da-DK" dirty="0" err="1"/>
+              <a:t>examples</a:t>
+            </a:r>
+            <a:r>
+              <a:rPr lang="da-DK" dirty="0"/>
+              <a:t> and </a:t>
+            </a:r>
+            <a:r>
+              <a:rPr lang="da-DK" dirty="0" err="1"/>
+              <a:t>contrasts</a:t>
+            </a:r>
+            <a:r>
+              <a:rPr lang="da-DK" dirty="0"/>
+              <a:t> 1)</a:t>
+            </a:r>
+          </a:p>
+        </p:txBody>
+      </p:sp>
+      <p:sp>
+        <p:nvSpPr>
+          <p:cNvPr id="5" name="Content Placeholder 4"/>
+          <p:cNvSpPr>
+            <a:spLocks noGrp="1"/>
+          </p:cNvSpPr>
+          <p:nvPr>
+            <p:ph idx="1"/>
+          </p:nvPr>
+        </p:nvSpPr>
+        <p:spPr/>
+        <p:txBody>
+          <a:bodyPr/>
+          <a:lstStyle/>
+          <a:p>
+            <a:r>
+              <a:rPr lang="da-DK" b="1" dirty="0" err="1"/>
+              <a:t>Varying</a:t>
+            </a:r>
+            <a:r>
+              <a:rPr lang="da-DK" b="1" dirty="0"/>
+              <a:t> the </a:t>
+            </a:r>
+            <a:r>
+              <a:rPr lang="da-DK" b="1" dirty="0" err="1"/>
+              <a:t>percentage</a:t>
+            </a:r>
+            <a:r>
+              <a:rPr lang="da-DK" b="1" dirty="0"/>
+              <a:t> of </a:t>
+            </a:r>
+            <a:r>
+              <a:rPr lang="da-DK" b="1" dirty="0" err="1"/>
+              <a:t>infected</a:t>
+            </a:r>
+            <a:r>
+              <a:rPr lang="da-DK" b="1" dirty="0"/>
+              <a:t> </a:t>
+            </a:r>
+            <a:r>
+              <a:rPr lang="da-DK" b="1" dirty="0" err="1"/>
+              <a:t>people</a:t>
+            </a:r>
+            <a:r>
+              <a:rPr lang="da-DK" b="1" dirty="0"/>
+              <a:t> </a:t>
+            </a:r>
+            <a:r>
+              <a:rPr lang="da-DK" b="1" dirty="0" err="1"/>
+              <a:t>that</a:t>
+            </a:r>
+            <a:r>
+              <a:rPr lang="da-DK" b="1" dirty="0"/>
+              <a:t> </a:t>
+            </a:r>
+            <a:r>
+              <a:rPr lang="da-DK" b="1" dirty="0" err="1"/>
+              <a:t>develop</a:t>
+            </a:r>
+            <a:r>
+              <a:rPr lang="da-DK" b="1" dirty="0"/>
+              <a:t> symptoms</a:t>
+            </a:r>
+          </a:p>
+        </p:txBody>
+      </p:sp>
+      <p:pic>
+        <p:nvPicPr>
+          <p:cNvPr id="6" name="Pladsholder til indhold 2">
+            <a:extLst>
+              <a:ext uri="{FF2B5EF4-FFF2-40B4-BE49-F238E27FC236}">
+                <a16:creationId xmlns:a16="http://schemas.microsoft.com/office/drawing/2014/main" id="{670DA834-EBF8-4F16-8455-52EE5D3A5735}"/>
+              </a:ext>
+            </a:extLst>
+          </p:cNvPr>
+          <p:cNvPicPr>
+            <a:picLocks noChangeAspect="1"/>
+          </p:cNvPicPr>
+          <p:nvPr/>
+        </p:nvPicPr>
+        <p:blipFill>
+          <a:blip r:embed="rId4">
+            <a:extLst>
+              <a:ext uri="{28A0092B-C50C-407E-A947-70E740481C1C}">
+                <a14:useLocalDpi xmlns:a14="http://schemas.microsoft.com/office/drawing/2010/main" val="0"/>
+              </a:ext>
+            </a:extLst>
+          </a:blip>
+          <a:stretch>
+            <a:fillRect/>
+          </a:stretch>
+        </p:blipFill>
+        <p:spPr bwMode="auto">
+          <a:xfrm>
+            <a:off x="19297" y="2276873"/>
+            <a:ext cx="2633051" cy="2736308"/>
+          </a:xfrm>
+          <a:prstGeom prst="rect">
+            <a:avLst/>
+          </a:prstGeom>
+          <a:noFill/>
+          <a:ln w="9525">
+            <a:noFill/>
+            <a:miter lim="800000"/>
+            <a:headEnd/>
+            <a:tailEnd/>
+          </a:ln>
+        </p:spPr>
+      </p:pic>
+      <p:pic>
+        <p:nvPicPr>
+          <p:cNvPr id="8" name="Billede 7">
+            <a:extLst>
+              <a:ext uri="{FF2B5EF4-FFF2-40B4-BE49-F238E27FC236}">
+                <a16:creationId xmlns:a16="http://schemas.microsoft.com/office/drawing/2014/main" id="{6E4AAF62-BD4A-41F3-97AD-0C6E06B24BEC}"/>
+              </a:ext>
+            </a:extLst>
+          </p:cNvPr>
+          <p:cNvPicPr>
+            <a:picLocks noChangeAspect="1"/>
+          </p:cNvPicPr>
+          <p:nvPr/>
+        </p:nvPicPr>
+        <p:blipFill>
+          <a:blip r:embed="rId5">
+            <a:extLst>
+              <a:ext uri="{28A0092B-C50C-407E-A947-70E740481C1C}">
+                <a14:useLocalDpi xmlns:a14="http://schemas.microsoft.com/office/drawing/2010/main" val="0"/>
+              </a:ext>
+            </a:extLst>
+          </a:blip>
+          <a:stretch>
+            <a:fillRect/>
+          </a:stretch>
+        </p:blipFill>
+        <p:spPr>
+          <a:xfrm>
+            <a:off x="2387652" y="2276871"/>
+            <a:ext cx="2633052" cy="2736308"/>
+          </a:xfrm>
+          <a:prstGeom prst="rect">
+            <a:avLst/>
+          </a:prstGeom>
+        </p:spPr>
+      </p:pic>
+      <p:pic>
+        <p:nvPicPr>
+          <p:cNvPr id="10" name="Billede 9">
+            <a:extLst>
+              <a:ext uri="{FF2B5EF4-FFF2-40B4-BE49-F238E27FC236}">
+                <a16:creationId xmlns:a16="http://schemas.microsoft.com/office/drawing/2014/main" id="{DD0256D5-9730-4AD3-8109-44CDCD63937B}"/>
+              </a:ext>
+            </a:extLst>
+          </p:cNvPr>
+          <p:cNvPicPr>
+            <a:picLocks noChangeAspect="1"/>
+          </p:cNvPicPr>
+          <p:nvPr/>
+        </p:nvPicPr>
+        <p:blipFill>
+          <a:blip r:embed="rId6">
+            <a:extLst>
+              <a:ext uri="{28A0092B-C50C-407E-A947-70E740481C1C}">
+                <a14:useLocalDpi xmlns:a14="http://schemas.microsoft.com/office/drawing/2010/main" val="0"/>
+              </a:ext>
+            </a:extLst>
+          </a:blip>
+          <a:stretch>
+            <a:fillRect/>
+          </a:stretch>
+        </p:blipFill>
+        <p:spPr>
+          <a:xfrm>
+            <a:off x="4757470" y="2276868"/>
+            <a:ext cx="2633052" cy="2736309"/>
+          </a:xfrm>
+          <a:prstGeom prst="rect">
+            <a:avLst/>
+          </a:prstGeom>
+        </p:spPr>
+      </p:pic>
+      <p:pic>
+        <p:nvPicPr>
+          <p:cNvPr id="12" name="Billede 11">
+            <a:extLst>
+              <a:ext uri="{FF2B5EF4-FFF2-40B4-BE49-F238E27FC236}">
+                <a16:creationId xmlns:a16="http://schemas.microsoft.com/office/drawing/2014/main" id="{8331B77F-B7EF-4F0C-A7CE-164E023181F6}"/>
+              </a:ext>
+            </a:extLst>
+          </p:cNvPr>
+          <p:cNvPicPr>
+            <a:picLocks noChangeAspect="1"/>
+          </p:cNvPicPr>
+          <p:nvPr/>
+        </p:nvPicPr>
+        <p:blipFill>
+          <a:blip r:embed="rId7">
+            <a:extLst>
+              <a:ext uri="{28A0092B-C50C-407E-A947-70E740481C1C}">
+                <a14:useLocalDpi xmlns:a14="http://schemas.microsoft.com/office/drawing/2010/main" val="0"/>
+              </a:ext>
+            </a:extLst>
+          </a:blip>
+          <a:stretch>
+            <a:fillRect/>
+          </a:stretch>
+        </p:blipFill>
+        <p:spPr>
+          <a:xfrm>
+            <a:off x="7125824" y="2276867"/>
+            <a:ext cx="2633051" cy="2736307"/>
+          </a:xfrm>
+          <a:prstGeom prst="rect">
+            <a:avLst/>
+          </a:prstGeom>
+        </p:spPr>
+      </p:pic>
+      <p:pic>
+        <p:nvPicPr>
+          <p:cNvPr id="14" name="Billede 13">
+            <a:extLst>
+              <a:ext uri="{FF2B5EF4-FFF2-40B4-BE49-F238E27FC236}">
+                <a16:creationId xmlns:a16="http://schemas.microsoft.com/office/drawing/2014/main" id="{DE3105C8-A75E-42E8-9724-C9BADB81DB8A}"/>
+              </a:ext>
+            </a:extLst>
+          </p:cNvPr>
+          <p:cNvPicPr>
+            <a:picLocks noChangeAspect="1"/>
+          </p:cNvPicPr>
+          <p:nvPr/>
+        </p:nvPicPr>
+        <p:blipFill>
+          <a:blip r:embed="rId8">
+            <a:extLst>
+              <a:ext uri="{28A0092B-C50C-407E-A947-70E740481C1C}">
+                <a14:useLocalDpi xmlns:a14="http://schemas.microsoft.com/office/drawing/2010/main" val="0"/>
+              </a:ext>
+            </a:extLst>
+          </a:blip>
+          <a:stretch>
+            <a:fillRect/>
+          </a:stretch>
+        </p:blipFill>
+        <p:spPr>
+          <a:xfrm>
+            <a:off x="9494178" y="2276873"/>
+            <a:ext cx="2633051" cy="2736307"/>
+          </a:xfrm>
+          <a:prstGeom prst="rect">
+            <a:avLst/>
+          </a:prstGeom>
+        </p:spPr>
+      </p:pic>
+      <p:sp>
+        <p:nvSpPr>
+          <p:cNvPr id="16" name="Tekstfelt 15">
+            <a:extLst>
+              <a:ext uri="{FF2B5EF4-FFF2-40B4-BE49-F238E27FC236}">
+                <a16:creationId xmlns:a16="http://schemas.microsoft.com/office/drawing/2014/main" id="{434A7CC4-D8E0-45CE-8363-7D333C61E8D6}"/>
+              </a:ext>
+            </a:extLst>
+          </p:cNvPr>
+          <p:cNvSpPr txBox="1"/>
+          <p:nvPr/>
+        </p:nvSpPr>
+        <p:spPr>
+          <a:xfrm>
+            <a:off x="1093702" y="4688640"/>
+            <a:ext cx="693988" cy="601703"/>
+          </a:xfrm>
+          <a:prstGeom prst="rect">
+            <a:avLst/>
+          </a:prstGeom>
+          <a:noFill/>
+        </p:spPr>
+        <p:txBody>
+          <a:bodyPr wrap="square">
+            <a:spAutoFit/>
+          </a:bodyPr>
+          <a:lstStyle/>
+          <a:p>
+            <a:r>
+              <a:rPr lang="da-DK" sz="1500" b="1" dirty="0">
+                <a:latin typeface="+mn-lt"/>
+              </a:rPr>
+              <a:t>100%</a:t>
+            </a:r>
+            <a:endParaRPr lang="en-GB" sz="1500" b="1" dirty="0">
+              <a:latin typeface="+mn-lt"/>
+            </a:endParaRPr>
+          </a:p>
+        </p:txBody>
+      </p:sp>
+      <p:sp>
+        <p:nvSpPr>
+          <p:cNvPr id="17" name="Tekstfelt 16">
+            <a:extLst>
+              <a:ext uri="{FF2B5EF4-FFF2-40B4-BE49-F238E27FC236}">
+                <a16:creationId xmlns:a16="http://schemas.microsoft.com/office/drawing/2014/main" id="{FEBDFB45-545A-4432-B81C-E713BBF032A8}"/>
+              </a:ext>
+            </a:extLst>
+          </p:cNvPr>
+          <p:cNvSpPr txBox="1"/>
+          <p:nvPr/>
+        </p:nvSpPr>
+        <p:spPr>
+          <a:xfrm>
+            <a:off x="3729092" y="4688640"/>
+            <a:ext cx="693988" cy="601703"/>
+          </a:xfrm>
+          <a:prstGeom prst="rect">
+            <a:avLst/>
+          </a:prstGeom>
+          <a:noFill/>
+        </p:spPr>
+        <p:txBody>
+          <a:bodyPr wrap="square">
+            <a:spAutoFit/>
+          </a:bodyPr>
+          <a:lstStyle/>
+          <a:p>
+            <a:r>
+              <a:rPr lang="da-DK" sz="1500" b="1" dirty="0">
+                <a:latin typeface="+mn-lt"/>
+              </a:rPr>
+              <a:t>75%</a:t>
+            </a:r>
+            <a:endParaRPr lang="en-GB" sz="1500" b="1" dirty="0">
+              <a:latin typeface="+mn-lt"/>
+            </a:endParaRPr>
+          </a:p>
+        </p:txBody>
+      </p:sp>
+      <p:sp>
+        <p:nvSpPr>
+          <p:cNvPr id="18" name="Tekstfelt 17">
+            <a:extLst>
+              <a:ext uri="{FF2B5EF4-FFF2-40B4-BE49-F238E27FC236}">
+                <a16:creationId xmlns:a16="http://schemas.microsoft.com/office/drawing/2014/main" id="{D9E76FAA-8242-4813-BA24-F4B7EC6E4243}"/>
+              </a:ext>
+            </a:extLst>
+          </p:cNvPr>
+          <p:cNvSpPr txBox="1"/>
+          <p:nvPr/>
+        </p:nvSpPr>
+        <p:spPr>
+          <a:xfrm>
+            <a:off x="6036624" y="4704429"/>
+            <a:ext cx="693988" cy="601703"/>
+          </a:xfrm>
+          <a:prstGeom prst="rect">
+            <a:avLst/>
+          </a:prstGeom>
+          <a:noFill/>
+        </p:spPr>
+        <p:txBody>
+          <a:bodyPr wrap="square">
+            <a:spAutoFit/>
+          </a:bodyPr>
+          <a:lstStyle/>
+          <a:p>
+            <a:r>
+              <a:rPr lang="da-DK" sz="1500" b="1" dirty="0">
+                <a:latin typeface="+mn-lt"/>
+              </a:rPr>
+              <a:t>50%</a:t>
+            </a:r>
+            <a:endParaRPr lang="en-GB" sz="1500" b="1" dirty="0">
+              <a:latin typeface="+mn-lt"/>
+            </a:endParaRPr>
+          </a:p>
+        </p:txBody>
+      </p:sp>
+      <p:sp>
+        <p:nvSpPr>
+          <p:cNvPr id="19" name="Tekstfelt 18">
+            <a:extLst>
+              <a:ext uri="{FF2B5EF4-FFF2-40B4-BE49-F238E27FC236}">
+                <a16:creationId xmlns:a16="http://schemas.microsoft.com/office/drawing/2014/main" id="{B98CBB0E-5C41-431D-9CF2-8D8D667E0850}"/>
+              </a:ext>
+            </a:extLst>
+          </p:cNvPr>
+          <p:cNvSpPr txBox="1"/>
+          <p:nvPr/>
+        </p:nvSpPr>
+        <p:spPr>
+          <a:xfrm>
+            <a:off x="8355556" y="4704429"/>
+            <a:ext cx="693988" cy="601703"/>
+          </a:xfrm>
+          <a:prstGeom prst="rect">
+            <a:avLst/>
+          </a:prstGeom>
+          <a:noFill/>
+        </p:spPr>
+        <p:txBody>
+          <a:bodyPr wrap="square">
+            <a:spAutoFit/>
+          </a:bodyPr>
+          <a:lstStyle/>
+          <a:p>
+            <a:r>
+              <a:rPr lang="da-DK" sz="1500" b="1" dirty="0">
+                <a:latin typeface="+mn-lt"/>
+              </a:rPr>
+              <a:t>25%</a:t>
+            </a:r>
+            <a:endParaRPr lang="en-GB" sz="1500" b="1" dirty="0">
+              <a:latin typeface="+mn-lt"/>
+            </a:endParaRPr>
+          </a:p>
+        </p:txBody>
+      </p:sp>
+      <p:sp>
+        <p:nvSpPr>
+          <p:cNvPr id="20" name="Tekstfelt 19">
+            <a:extLst>
+              <a:ext uri="{FF2B5EF4-FFF2-40B4-BE49-F238E27FC236}">
+                <a16:creationId xmlns:a16="http://schemas.microsoft.com/office/drawing/2014/main" id="{75A4DE56-6C2E-4259-AA69-079CD7BBBD28}"/>
+              </a:ext>
+            </a:extLst>
+          </p:cNvPr>
+          <p:cNvSpPr txBox="1"/>
+          <p:nvPr/>
+        </p:nvSpPr>
+        <p:spPr>
+          <a:xfrm>
+            <a:off x="10702924" y="4704429"/>
+            <a:ext cx="693988" cy="601703"/>
+          </a:xfrm>
+          <a:prstGeom prst="rect">
+            <a:avLst/>
+          </a:prstGeom>
+          <a:noFill/>
+        </p:spPr>
+        <p:txBody>
+          <a:bodyPr wrap="square">
+            <a:spAutoFit/>
+          </a:bodyPr>
+          <a:lstStyle/>
+          <a:p>
+            <a:r>
+              <a:rPr lang="da-DK" sz="1500" b="1" dirty="0">
+                <a:latin typeface="+mn-lt"/>
+              </a:rPr>
+              <a:t>0%</a:t>
+            </a:r>
+            <a:endParaRPr lang="en-GB" sz="1500" b="1" dirty="0">
+              <a:latin typeface="+mn-lt"/>
+            </a:endParaRPr>
+          </a:p>
+        </p:txBody>
+      </p:sp>
+    </p:spTree>
+    <p:custDataLst>
+      <p:tags r:id="rId1"/>
+    </p:custDataLst>
+    <p:extLst>
+      <p:ext uri="{BB962C8B-B14F-4D97-AF65-F5344CB8AC3E}">
+        <p14:creationId xmlns:p14="http://schemas.microsoft.com/office/powerpoint/2010/main" val="3535925220"/>
+      </p:ext>
+    </p:extLst>
+  </p:cSld>
+  <p:clrMapOvr>
+    <a:masterClrMapping/>
+  </p:clrMapOvr>
+</p:sld>
+</file>
+
+<file path=ppt/slides/slide9.xml><?xml version="1.0" encoding="utf-8"?>
+<p:sld xmlns:a="http://schemas.openxmlformats.org/drawingml/2006/main" xmlns:r="http://schemas.openxmlformats.org/officeDocument/2006/relationships" xmlns:p="http://schemas.openxmlformats.org/presentationml/2006/main">
+  <p:cSld>
+    <p:spTree>
+      <p:nvGrpSpPr>
+        <p:cNvPr id="1" name=""/>
+        <p:cNvGrpSpPr/>
+        <p:nvPr/>
+      </p:nvGrpSpPr>
+      <p:grpSpPr>
+        <a:xfrm>
+          <a:off x="0" y="0"/>
+          <a:ext cx="0" cy="0"/>
+          <a:chOff x="0" y="0"/>
+          <a:chExt cx="0" cy="0"/>
+        </a:xfrm>
+      </p:grpSpPr>
+      <p:sp>
+        <p:nvSpPr>
+          <p:cNvPr id="4" name="Title 3"/>
+          <p:cNvSpPr>
+            <a:spLocks noGrp="1"/>
+          </p:cNvSpPr>
+          <p:nvPr>
+            <p:ph type="title"/>
+          </p:nvPr>
+        </p:nvSpPr>
+        <p:spPr/>
+        <p:txBody>
+          <a:bodyPr/>
+          <a:lstStyle/>
+          <a:p>
+            <a:r>
+              <a:rPr lang="da-DK" dirty="0"/>
+              <a:t>(</a:t>
+            </a:r>
+            <a:r>
+              <a:rPr lang="da-DK" dirty="0" err="1"/>
+              <a:t>Specific</a:t>
+            </a:r>
+            <a:r>
+              <a:rPr lang="da-DK" dirty="0"/>
+              <a:t> </a:t>
+            </a:r>
+            <a:r>
+              <a:rPr lang="da-DK" dirty="0" err="1"/>
+              <a:t>examples</a:t>
+            </a:r>
+            <a:r>
+              <a:rPr lang="da-DK" dirty="0"/>
+              <a:t> and </a:t>
+            </a:r>
+            <a:r>
+              <a:rPr lang="da-DK" dirty="0" err="1"/>
+              <a:t>contrasts</a:t>
+            </a:r>
+            <a:r>
+              <a:rPr lang="da-DK" dirty="0"/>
+              <a:t> 2)</a:t>
+            </a:r>
+          </a:p>
+        </p:txBody>
+      </p:sp>
+      <p:sp>
+        <p:nvSpPr>
+          <p:cNvPr id="5" name="Content Placeholder 4"/>
+          <p:cNvSpPr>
+            <a:spLocks noGrp="1"/>
+          </p:cNvSpPr>
+          <p:nvPr>
+            <p:ph idx="1"/>
+          </p:nvPr>
+        </p:nvSpPr>
+        <p:spPr/>
+        <p:txBody>
+          <a:bodyPr/>
+          <a:lstStyle/>
+          <a:p>
+            <a:r>
+              <a:rPr lang="da-DK" b="1" dirty="0"/>
+              <a:t>Interventions: </a:t>
+            </a:r>
+            <a:r>
+              <a:rPr lang="da-DK" b="1" dirty="0" err="1"/>
+              <a:t>close</a:t>
+            </a:r>
+            <a:r>
+              <a:rPr lang="da-DK" b="1" dirty="0"/>
+              <a:t> schools, </a:t>
+            </a:r>
+            <a:r>
+              <a:rPr lang="da-DK" b="1" dirty="0" err="1"/>
+              <a:t>workplaces</a:t>
+            </a:r>
+            <a:r>
+              <a:rPr lang="da-DK" b="1" dirty="0"/>
+              <a:t>, and bars + </a:t>
+            </a:r>
+            <a:r>
+              <a:rPr lang="da-DK" b="1" dirty="0" err="1"/>
+              <a:t>restrict</a:t>
+            </a:r>
+            <a:r>
+              <a:rPr lang="da-DK" b="1" dirty="0"/>
+              <a:t> </a:t>
+            </a:r>
+            <a:r>
+              <a:rPr lang="da-DK" b="1" dirty="0" err="1"/>
+              <a:t>nr</a:t>
+            </a:r>
+            <a:r>
+              <a:rPr lang="da-DK" b="1" dirty="0"/>
+              <a:t> of </a:t>
+            </a:r>
+            <a:r>
+              <a:rPr lang="da-DK" b="1" dirty="0" err="1"/>
+              <a:t>people</a:t>
+            </a:r>
+            <a:endParaRPr lang="da-DK" b="1" dirty="0"/>
+          </a:p>
+          <a:p>
+            <a:r>
+              <a:rPr lang="da-DK" dirty="0" err="1"/>
+              <a:t>Governmental</a:t>
+            </a:r>
+            <a:r>
+              <a:rPr lang="da-DK" dirty="0"/>
+              <a:t> action: go </a:t>
+            </a:r>
+            <a:r>
+              <a:rPr lang="da-DK" dirty="0" err="1"/>
+              <a:t>into</a:t>
+            </a:r>
+            <a:r>
+              <a:rPr lang="da-DK" dirty="0"/>
+              <a:t> heavy lockdown</a:t>
+            </a:r>
+          </a:p>
+          <a:p>
+            <a:r>
+              <a:rPr lang="da-DK" dirty="0"/>
+              <a:t>(show live (</a:t>
+            </a:r>
+            <a:r>
+              <a:rPr lang="da-DK" dirty="0" err="1"/>
+              <a:t>sped</a:t>
+            </a:r>
+            <a:r>
+              <a:rPr lang="da-DK" dirty="0"/>
+              <a:t>-up) model run, </a:t>
+            </a:r>
+            <a:r>
+              <a:rPr lang="da-DK" dirty="0" err="1"/>
+              <a:t>insert</a:t>
+            </a:r>
+            <a:r>
+              <a:rPr lang="da-DK" dirty="0"/>
+              <a:t> </a:t>
+            </a:r>
+            <a:r>
+              <a:rPr lang="da-DK" dirty="0" err="1"/>
+              <a:t>pictures</a:t>
+            </a:r>
+            <a:r>
+              <a:rPr lang="da-DK" dirty="0"/>
+              <a:t> </a:t>
+            </a:r>
+            <a:r>
+              <a:rPr lang="da-DK" dirty="0" err="1"/>
+              <a:t>here</a:t>
+            </a:r>
+            <a:r>
+              <a:rPr lang="da-DK" dirty="0"/>
+              <a:t>)</a:t>
+            </a:r>
+          </a:p>
+          <a:p>
+            <a:r>
+              <a:rPr lang="da-DK" dirty="0"/>
+              <a:t>(</a:t>
+            </a:r>
+            <a:r>
+              <a:rPr lang="da-DK" dirty="0" err="1"/>
+              <a:t>if</a:t>
+            </a:r>
+            <a:r>
+              <a:rPr lang="da-DK" dirty="0"/>
+              <a:t> done all at </a:t>
+            </a:r>
+            <a:r>
+              <a:rPr lang="da-DK" dirty="0" err="1"/>
+              <a:t>once</a:t>
+            </a:r>
+            <a:r>
+              <a:rPr lang="da-DK" dirty="0"/>
+              <a:t>, clear shift in all plots)</a:t>
+            </a:r>
+          </a:p>
+          <a:p>
+            <a:endParaRPr lang="da-DK" dirty="0"/>
+          </a:p>
+          <a:p>
+            <a:r>
+              <a:rPr lang="da-DK" dirty="0"/>
+              <a:t>Show </a:t>
+            </a:r>
+            <a:r>
+              <a:rPr lang="da-DK" dirty="0" err="1"/>
+              <a:t>effects</a:t>
+            </a:r>
+            <a:r>
+              <a:rPr lang="da-DK" dirty="0"/>
+              <a:t> on: </a:t>
+            </a:r>
+            <a:r>
+              <a:rPr lang="da-DK" dirty="0" err="1"/>
+              <a:t>number</a:t>
+            </a:r>
+            <a:r>
+              <a:rPr lang="da-DK" dirty="0"/>
+              <a:t> of </a:t>
+            </a:r>
+            <a:r>
+              <a:rPr lang="da-DK" dirty="0" err="1"/>
+              <a:t>infections</a:t>
+            </a:r>
+            <a:r>
+              <a:rPr lang="da-DK" dirty="0"/>
+              <a:t> &gt;&lt; </a:t>
+            </a:r>
+            <a:r>
+              <a:rPr lang="da-DK" dirty="0" err="1"/>
+              <a:t>productivity</a:t>
+            </a:r>
+            <a:r>
+              <a:rPr lang="da-DK" dirty="0"/>
+              <a:t> (</a:t>
+            </a:r>
+            <a:r>
+              <a:rPr lang="da-DK" dirty="0" err="1"/>
+              <a:t>assumption</a:t>
+            </a:r>
+            <a:r>
+              <a:rPr lang="da-DK" dirty="0"/>
+              <a:t> </a:t>
+            </a:r>
+            <a:r>
+              <a:rPr lang="da-DK" dirty="0" err="1"/>
+              <a:t>it’ll</a:t>
+            </a:r>
+            <a:r>
+              <a:rPr lang="da-DK" dirty="0"/>
+              <a:t> </a:t>
+            </a:r>
+            <a:r>
+              <a:rPr lang="da-DK" dirty="0" err="1"/>
+              <a:t>be</a:t>
+            </a:r>
+            <a:r>
+              <a:rPr lang="da-DK" dirty="0"/>
+              <a:t> </a:t>
+            </a:r>
+            <a:r>
+              <a:rPr lang="da-DK" dirty="0" err="1"/>
+              <a:t>worse</a:t>
+            </a:r>
+            <a:r>
+              <a:rPr lang="da-DK" dirty="0"/>
+              <a:t> from home)…</a:t>
+            </a:r>
+          </a:p>
+          <a:p>
+            <a:endParaRPr lang="da-DK" dirty="0"/>
+          </a:p>
+          <a:p>
+            <a:endParaRPr lang="da-DK" dirty="0"/>
+          </a:p>
+          <a:p>
+            <a:r>
+              <a:rPr lang="da-DK" dirty="0"/>
+              <a:t>(</a:t>
+            </a:r>
+            <a:r>
+              <a:rPr lang="da-DK" dirty="0" err="1"/>
+              <a:t>think</a:t>
+            </a:r>
+            <a:r>
+              <a:rPr lang="da-DK" dirty="0"/>
+              <a:t> </a:t>
+            </a:r>
+            <a:r>
+              <a:rPr lang="da-DK" dirty="0" err="1"/>
+              <a:t>critically</a:t>
+            </a:r>
+            <a:r>
+              <a:rPr lang="da-DK" dirty="0"/>
+              <a:t>: </a:t>
+            </a:r>
+            <a:r>
+              <a:rPr lang="da-DK" dirty="0" err="1"/>
+              <a:t>what</a:t>
+            </a:r>
+            <a:r>
+              <a:rPr lang="da-DK" dirty="0"/>
+              <a:t> </a:t>
+            </a:r>
+            <a:r>
+              <a:rPr lang="da-DK" dirty="0" err="1"/>
+              <a:t>does</a:t>
+            </a:r>
+            <a:r>
+              <a:rPr lang="da-DK" dirty="0"/>
+              <a:t> the model NOT </a:t>
+            </a:r>
+            <a:r>
+              <a:rPr lang="da-DK" dirty="0" err="1"/>
+              <a:t>include</a:t>
+            </a:r>
+            <a:r>
+              <a:rPr lang="da-DK" dirty="0"/>
+              <a:t>? (</a:t>
+            </a:r>
+            <a:r>
+              <a:rPr lang="da-DK" dirty="0" err="1"/>
+              <a:t>e.g</a:t>
+            </a:r>
+            <a:r>
+              <a:rPr lang="da-DK" dirty="0"/>
+              <a:t>. agents’ </a:t>
+            </a:r>
+            <a:r>
+              <a:rPr lang="da-DK" dirty="0" err="1"/>
+              <a:t>psychological</a:t>
+            </a:r>
+            <a:r>
+              <a:rPr lang="da-DK" dirty="0"/>
+              <a:t> </a:t>
+            </a:r>
+            <a:r>
+              <a:rPr lang="da-DK" dirty="0" err="1"/>
+              <a:t>wellbeing</a:t>
+            </a:r>
+            <a:r>
+              <a:rPr lang="da-DK" dirty="0"/>
+              <a:t>))</a:t>
+            </a:r>
+          </a:p>
+        </p:txBody>
+      </p:sp>
+    </p:spTree>
+    <p:custDataLst>
+      <p:tags r:id="rId1"/>
+    </p:custDataLst>
+    <p:extLst>
+      <p:ext uri="{BB962C8B-B14F-4D97-AF65-F5344CB8AC3E}">
+        <p14:creationId xmlns:p14="http://schemas.microsoft.com/office/powerpoint/2010/main" val="1344664930"/>
       </p:ext>
     </p:extLst>
   </p:cSld>
@@ -9324,6 +11897,18 @@
 </p:tagLst>
 </file>
 
+<file path=ppt/tags/tag10.xml><?xml version="1.0" encoding="utf-8"?>
+<p:tagLst xmlns:a="http://schemas.openxmlformats.org/drawingml/2006/main" xmlns:r="http://schemas.openxmlformats.org/officeDocument/2006/relationships" xmlns:p="http://schemas.openxmlformats.org/presentationml/2006/main">
+  <p:tag name="TEMPLAFYSLIDEID" val="636240379815028580"/>
+</p:tagLst>
+</file>
+
+<file path=ppt/tags/tag11.xml><?xml version="1.0" encoding="utf-8"?>
+<p:tagLst xmlns:a="http://schemas.openxmlformats.org/drawingml/2006/main" xmlns:r="http://schemas.openxmlformats.org/officeDocument/2006/relationships" xmlns:p="http://schemas.openxmlformats.org/presentationml/2006/main">
+  <p:tag name="TEMPLAFYSLIDEID" val="636240379815497340"/>
+</p:tagLst>
+</file>
+
 <file path=ppt/tags/tag2.xml><?xml version="1.0" encoding="utf-8"?>
 <p:tagLst xmlns:a="http://schemas.openxmlformats.org/drawingml/2006/main" xmlns:r="http://schemas.openxmlformats.org/officeDocument/2006/relationships" xmlns:p="http://schemas.openxmlformats.org/presentationml/2006/main">
   <p:tag name="TEMPLAFYSLIDEID" val="636240379815028580"/>
@@ -9332,7 +11917,7 @@
 
 <file path=ppt/tags/tag3.xml><?xml version="1.0" encoding="utf-8"?>
 <p:tagLst xmlns:a="http://schemas.openxmlformats.org/drawingml/2006/main" xmlns:r="http://schemas.openxmlformats.org/officeDocument/2006/relationships" xmlns:p="http://schemas.openxmlformats.org/presentationml/2006/main">
-  <p:tag name="TEMPLAFYSLIDEID" val="636240379814716092"/>
+  <p:tag name="TEMPLAFYSLIDEID" val="636240379815028580"/>
 </p:tagLst>
 </file>
 
@@ -9344,7 +11929,31 @@
 
 <file path=ppt/tags/tag5.xml><?xml version="1.0" encoding="utf-8"?>
 <p:tagLst xmlns:a="http://schemas.openxmlformats.org/drawingml/2006/main" xmlns:r="http://schemas.openxmlformats.org/officeDocument/2006/relationships" xmlns:p="http://schemas.openxmlformats.org/presentationml/2006/main">
-  <p:tag name="TEMPLAFYSLIDEID" val="636240379815497340"/>
+  <p:tag name="TEMPLAFYSLIDEID" val="636240379815028580"/>
+</p:tagLst>
+</file>
+
+<file path=ppt/tags/tag6.xml><?xml version="1.0" encoding="utf-8"?>
+<p:tagLst xmlns:a="http://schemas.openxmlformats.org/drawingml/2006/main" xmlns:r="http://schemas.openxmlformats.org/officeDocument/2006/relationships" xmlns:p="http://schemas.openxmlformats.org/presentationml/2006/main">
+  <p:tag name="TEMPLAFYSLIDEID" val="636240379814716092"/>
+</p:tagLst>
+</file>
+
+<file path=ppt/tags/tag7.xml><?xml version="1.0" encoding="utf-8"?>
+<p:tagLst xmlns:a="http://schemas.openxmlformats.org/drawingml/2006/main" xmlns:r="http://schemas.openxmlformats.org/officeDocument/2006/relationships" xmlns:p="http://schemas.openxmlformats.org/presentationml/2006/main">
+  <p:tag name="TEMPLAFYSLIDEID" val="636240379815028580"/>
+</p:tagLst>
+</file>
+
+<file path=ppt/tags/tag8.xml><?xml version="1.0" encoding="utf-8"?>
+<p:tagLst xmlns:a="http://schemas.openxmlformats.org/drawingml/2006/main" xmlns:r="http://schemas.openxmlformats.org/officeDocument/2006/relationships" xmlns:p="http://schemas.openxmlformats.org/presentationml/2006/main">
+  <p:tag name="TEMPLAFYSLIDEID" val="636240379815028580"/>
+</p:tagLst>
+</file>
+
+<file path=ppt/tags/tag9.xml><?xml version="1.0" encoding="utf-8"?>
+<p:tagLst xmlns:a="http://schemas.openxmlformats.org/drawingml/2006/main" xmlns:r="http://schemas.openxmlformats.org/officeDocument/2006/relationships" xmlns:p="http://schemas.openxmlformats.org/presentationml/2006/main">
+  <p:tag name="TEMPLAFYSLIDEID" val="636240379815028580"/>
 </p:tagLst>
 </file>
 
